--- a/6조 발표자료.pptx
+++ b/6조 발표자료.pptx
@@ -15,34 +15,40 @@
     <p:sldId id="307" r:id="rId9"/>
     <p:sldId id="282" r:id="rId10"/>
     <p:sldId id="299" r:id="rId11"/>
-    <p:sldId id="308" r:id="rId12"/>
-    <p:sldId id="311" r:id="rId13"/>
-    <p:sldId id="319" r:id="rId14"/>
-    <p:sldId id="310" r:id="rId15"/>
-    <p:sldId id="314" r:id="rId16"/>
-    <p:sldId id="322" r:id="rId17"/>
-    <p:sldId id="323" r:id="rId18"/>
+    <p:sldId id="326" r:id="rId12"/>
+    <p:sldId id="308" r:id="rId13"/>
+    <p:sldId id="311" r:id="rId14"/>
+    <p:sldId id="319" r:id="rId15"/>
+    <p:sldId id="310" r:id="rId16"/>
+    <p:sldId id="314" r:id="rId17"/>
+    <p:sldId id="322" r:id="rId18"/>
     <p:sldId id="324" r:id="rId19"/>
-    <p:sldId id="321" r:id="rId20"/>
-    <p:sldId id="305" r:id="rId21"/>
+    <p:sldId id="305" r:id="rId20"/>
   </p:sldIdLst>
   <p:sldSz cx="9144000" cy="6858000" type="screen4x3"/>
   <p:notesSz cx="6858000" cy="9144000"/>
   <p:embeddedFontLst>
     <p:embeddedFont>
       <p:font typeface="Yoon 윤고딕 520_TT" panose="020B0600000101010101" charset="-127"/>
-      <p:regular r:id="rId22"/>
+      <p:regular r:id="rId21"/>
     </p:embeddedFont>
     <p:embeddedFont>
-      <p:font typeface="Verdana Pro Black" panose="020B0A04030504040204" pitchFamily="34" charset="0"/>
+      <p:font typeface="Verdana Pro" panose="020B0604030504040204" pitchFamily="34" charset="0"/>
+      <p:regular r:id="rId22"/>
       <p:bold r:id="rId23"/>
       <p:italic r:id="rId24"/>
       <p:boldItalic r:id="rId25"/>
     </p:embeddedFont>
     <p:embeddedFont>
+      <p:font typeface="Verdana Pro Black" panose="020B0A04030504040204" pitchFamily="34" charset="0"/>
+      <p:bold r:id="rId26"/>
+      <p:italic r:id="rId27"/>
+      <p:boldItalic r:id="rId28"/>
+    </p:embeddedFont>
+    <p:embeddedFont>
       <p:font typeface="맑은 고딕" panose="020B0503020000020004" pitchFamily="50" charset="-127"/>
-      <p:regular r:id="rId26"/>
-      <p:bold r:id="rId27"/>
+      <p:regular r:id="rId29"/>
+      <p:bold r:id="rId30"/>
     </p:embeddedFont>
   </p:embeddedFontLst>
   <p:defaultTextStyle>
@@ -3722,8 +3728,8 @@
         </p:nvSpPr>
         <p:spPr>
           <a:xfrm>
-            <a:off x="1043608" y="138482"/>
-            <a:ext cx="1728192" cy="369332"/>
+            <a:off x="1043607" y="138482"/>
+            <a:ext cx="3672407" cy="369332"/>
           </a:xfrm>
           <a:prstGeom prst="rect">
             <a:avLst/>
@@ -3752,7 +3758,7 @@
                 <a:latin typeface="Yoon 윤고딕 520_TT" pitchFamily="18" charset="-127"/>
                 <a:ea typeface="Yoon 윤고딕 520_TT" pitchFamily="18" charset="-127"/>
               </a:rPr>
-              <a:t>프로젝트 목표</a:t>
+              <a:t>기능적 요구사항</a:t>
             </a:r>
             <a:endParaRPr lang="en-US" altLang="ko-KR" dirty="0">
               <a:ln>
@@ -3768,216 +3774,6 @@
               <a:latin typeface="Yoon 윤고딕 520_TT" pitchFamily="18" charset="-127"/>
               <a:ea typeface="Yoon 윤고딕 520_TT" pitchFamily="18" charset="-127"/>
             </a:endParaRPr>
-          </a:p>
-        </p:txBody>
-      </p:sp>
-      <p:sp>
-        <p:nvSpPr>
-          <p:cNvPr id="12" name="TextBox 11">
-            <a:extLst>
-              <a:ext uri="{FF2B5EF4-FFF2-40B4-BE49-F238E27FC236}">
-                <a16:creationId xmlns:a16="http://schemas.microsoft.com/office/drawing/2014/main" id="{59E25418-175A-451B-A1AF-6F2DEB26B125}"/>
-              </a:ext>
-            </a:extLst>
-          </p:cNvPr>
-          <p:cNvSpPr txBox="1"/>
-          <p:nvPr/>
-        </p:nvSpPr>
-        <p:spPr>
-          <a:xfrm>
-            <a:off x="1259632" y="1124744"/>
-            <a:ext cx="7272807" cy="4154984"/>
-          </a:xfrm>
-          <a:prstGeom prst="rect">
-            <a:avLst/>
-          </a:prstGeom>
-          <a:noFill/>
-        </p:spPr>
-        <p:txBody>
-          <a:bodyPr wrap="square" rtlCol="0">
-            <a:spAutoFit/>
-          </a:bodyPr>
-          <a:lstStyle/>
-          <a:p>
-            <a:pPr marL="457200" indent="-457200">
-              <a:buAutoNum type="arabicPeriod"/>
-            </a:pPr>
-            <a:r>
-              <a:rPr lang="ko-KR" altLang="en-US" sz="2400" b="1" dirty="0"/>
-              <a:t>웹 기반</a:t>
-            </a:r>
-            <a:r>
-              <a:rPr lang="ko-KR" altLang="en-US" sz="2400" dirty="0"/>
-              <a:t>의 </a:t>
-            </a:r>
-            <a:r>
-              <a:rPr lang="en-US" altLang="ko-KR" sz="2400" u="sng" dirty="0"/>
-              <a:t>GUI</a:t>
-            </a:r>
-            <a:r>
-              <a:rPr lang="ko-KR" altLang="en-US" sz="2400" u="sng" dirty="0"/>
-              <a:t>시스템</a:t>
-            </a:r>
-            <a:r>
-              <a:rPr lang="ko-KR" altLang="en-US" sz="2400" dirty="0"/>
-              <a:t>으로의 </a:t>
-            </a:r>
-            <a:r>
-              <a:rPr lang="ko-KR" altLang="en-US" sz="2400" dirty="0" err="1"/>
-              <a:t>재구현</a:t>
-            </a:r>
-            <a:endParaRPr lang="en-US" altLang="ko-KR" sz="2400" dirty="0"/>
-          </a:p>
-          <a:p>
-            <a:endParaRPr lang="en-US" altLang="ko-KR" sz="2400" dirty="0"/>
-          </a:p>
-          <a:p>
-            <a:r>
-              <a:rPr lang="en-US" altLang="ko-KR" sz="2400" dirty="0"/>
-              <a:t>2.  </a:t>
-            </a:r>
-            <a:r>
-              <a:rPr lang="ko-KR" altLang="en-US" sz="2400" b="1" dirty="0"/>
-              <a:t>실시간 </a:t>
-            </a:r>
-            <a:r>
-              <a:rPr lang="en-US" altLang="ko-KR" sz="2400" b="1" dirty="0"/>
-              <a:t>DB </a:t>
-            </a:r>
-            <a:r>
-              <a:rPr lang="ko-KR" altLang="en-US" sz="2400" b="1" dirty="0"/>
-              <a:t>시스템</a:t>
-            </a:r>
-            <a:r>
-              <a:rPr lang="ko-KR" altLang="en-US" sz="2400" dirty="0"/>
-              <a:t>의 도입</a:t>
-            </a:r>
-            <a:r>
-              <a:rPr lang="en-US" altLang="ko-KR" sz="2400" dirty="0"/>
-              <a:t>(</a:t>
-            </a:r>
-            <a:r>
-              <a:rPr lang="en-US" altLang="ko-KR" sz="2400" dirty="0" err="1"/>
-              <a:t>mysql</a:t>
-            </a:r>
-            <a:r>
-              <a:rPr lang="en-US" altLang="ko-KR" sz="2400" dirty="0"/>
-              <a:t>)</a:t>
-            </a:r>
-          </a:p>
-          <a:p>
-            <a:endParaRPr lang="en-US" altLang="ko-KR" sz="2400" dirty="0"/>
-          </a:p>
-          <a:p>
-            <a:r>
-              <a:rPr lang="en-US" altLang="ko-KR" sz="2400" dirty="0"/>
-              <a:t>3.  </a:t>
-            </a:r>
-            <a:r>
-              <a:rPr lang="ko-KR" altLang="en-US" sz="2400" u="sng" dirty="0"/>
-              <a:t>신고</a:t>
-            </a:r>
-            <a:r>
-              <a:rPr lang="ko-KR" altLang="en-US" sz="2400" dirty="0"/>
-              <a:t> 기능</a:t>
-            </a:r>
-            <a:r>
-              <a:rPr lang="en-US" altLang="ko-KR" sz="2400" dirty="0"/>
-              <a:t>,</a:t>
-            </a:r>
-            <a:r>
-              <a:rPr lang="ko-KR" altLang="en-US" sz="2400" dirty="0"/>
-              <a:t> </a:t>
-            </a:r>
-            <a:r>
-              <a:rPr lang="ko-KR" altLang="en-US" sz="2400" u="sng" dirty="0"/>
-              <a:t>고객간 평가 부분</a:t>
-            </a:r>
-            <a:r>
-              <a:rPr lang="ko-KR" altLang="en-US" sz="2400" dirty="0"/>
-              <a:t>의 구현</a:t>
-            </a:r>
-            <a:r>
-              <a:rPr lang="en-US" altLang="ko-KR" sz="2400" dirty="0"/>
-              <a:t> (</a:t>
-            </a:r>
-            <a:r>
-              <a:rPr lang="ko-KR" altLang="en-US" sz="2400" dirty="0" err="1"/>
-              <a:t>미구현상태</a:t>
-            </a:r>
-            <a:r>
-              <a:rPr lang="en-US" altLang="ko-KR" sz="2400" dirty="0"/>
-              <a:t>)</a:t>
-            </a:r>
-          </a:p>
-          <a:p>
-            <a:endParaRPr lang="en-US" altLang="ko-KR" sz="2400" dirty="0"/>
-          </a:p>
-          <a:p>
-            <a:r>
-              <a:rPr lang="en-US" altLang="ko-KR" sz="2400" dirty="0"/>
-              <a:t>4.  </a:t>
-            </a:r>
-            <a:r>
-              <a:rPr lang="ko-KR" altLang="en-US" sz="2400" dirty="0"/>
-              <a:t>동시 유저 </a:t>
-            </a:r>
-            <a:r>
-              <a:rPr lang="en-US" altLang="ko-KR" sz="2400" b="1" dirty="0"/>
-              <a:t>5</a:t>
-            </a:r>
-            <a:r>
-              <a:rPr lang="ko-KR" altLang="en-US" sz="2400" b="1" dirty="0"/>
-              <a:t>명</a:t>
-            </a:r>
-            <a:r>
-              <a:rPr lang="ko-KR" altLang="en-US" sz="2400" dirty="0"/>
-              <a:t> </a:t>
-            </a:r>
-            <a:r>
-              <a:rPr lang="en-US" altLang="ko-KR" sz="2400" dirty="0"/>
-              <a:t>(</a:t>
-            </a:r>
-            <a:r>
-              <a:rPr lang="ko-KR" altLang="en-US" sz="2400" u="sng" dirty="0"/>
-              <a:t>트랜잭션</a:t>
-            </a:r>
-            <a:r>
-              <a:rPr lang="en-US" altLang="ko-KR" sz="2400" dirty="0"/>
-              <a:t>)</a:t>
-            </a:r>
-          </a:p>
-          <a:p>
-            <a:endParaRPr lang="en-US" altLang="ko-KR" sz="2400" dirty="0"/>
-          </a:p>
-          <a:p>
-            <a:r>
-              <a:rPr lang="en-US" altLang="ko-KR" sz="2400" dirty="0"/>
-              <a:t>5.  </a:t>
-            </a:r>
-            <a:r>
-              <a:rPr lang="ko-KR" altLang="en-US" sz="2400" u="sng" dirty="0"/>
-              <a:t>필터링기능</a:t>
-            </a:r>
-            <a:r>
-              <a:rPr lang="ko-KR" altLang="en-US" sz="2400" dirty="0"/>
-              <a:t>을 통한 </a:t>
-            </a:r>
-            <a:r>
-              <a:rPr lang="ko-KR" altLang="en-US" sz="2400" b="1" dirty="0" err="1"/>
-              <a:t>검색편의성</a:t>
-            </a:r>
-            <a:r>
-              <a:rPr lang="ko-KR" altLang="en-US" sz="2400" dirty="0"/>
-              <a:t> 증대</a:t>
-            </a:r>
-            <a:endParaRPr lang="en-US" altLang="ko-KR" sz="2400" dirty="0"/>
-          </a:p>
-          <a:p>
-            <a:endParaRPr lang="en-US" altLang="ko-KR" sz="2400" dirty="0"/>
-          </a:p>
-          <a:p>
-            <a:endParaRPr lang="en-US" altLang="ko-KR" sz="2400" dirty="0"/>
           </a:p>
         </p:txBody>
       </p:sp>
@@ -4134,6 +3930,214 @@
                 <a:ea typeface="Yoon 윤고딕 520_TT" pitchFamily="18" charset="-127"/>
               </a:rPr>
               <a:t>01</a:t>
+            </a:r>
+          </a:p>
+        </p:txBody>
+      </p:sp>
+      <p:sp>
+        <p:nvSpPr>
+          <p:cNvPr id="11" name="TextBox 10">
+            <a:extLst>
+              <a:ext uri="{FF2B5EF4-FFF2-40B4-BE49-F238E27FC236}">
+                <a16:creationId xmlns:a16="http://schemas.microsoft.com/office/drawing/2014/main" id="{A23CC2CC-3876-4992-BCAB-D09487F6456C}"/>
+              </a:ext>
+            </a:extLst>
+          </p:cNvPr>
+          <p:cNvSpPr txBox="1"/>
+          <p:nvPr/>
+        </p:nvSpPr>
+        <p:spPr>
+          <a:xfrm>
+            <a:off x="123549" y="1406462"/>
+            <a:ext cx="541363" cy="338554"/>
+          </a:xfrm>
+          <a:prstGeom prst="rect">
+            <a:avLst/>
+          </a:prstGeom>
+          <a:noFill/>
+        </p:spPr>
+        <p:txBody>
+          <a:bodyPr wrap="square" rtlCol="0">
+            <a:spAutoFit/>
+          </a:bodyPr>
+          <a:lstStyle/>
+          <a:p>
+            <a:r>
+              <a:rPr lang="en-US" altLang="ko-KR" sz="1600" b="1" dirty="0">
+                <a:ln>
+                  <a:solidFill>
+                    <a:schemeClr val="bg1">
+                      <a:lumMod val="75000"/>
+                      <a:alpha val="30000"/>
+                    </a:schemeClr>
+                  </a:solidFill>
+                </a:ln>
+                <a:solidFill>
+                  <a:schemeClr val="bg1">
+                    <a:lumMod val="75000"/>
+                  </a:schemeClr>
+                </a:solidFill>
+                <a:latin typeface="Yoon 윤고딕 520_TT" pitchFamily="18" charset="-127"/>
+                <a:ea typeface="Yoon 윤고딕 520_TT" pitchFamily="18" charset="-127"/>
+              </a:rPr>
+              <a:t>02</a:t>
+            </a:r>
+          </a:p>
+        </p:txBody>
+      </p:sp>
+      <p:sp>
+        <p:nvSpPr>
+          <p:cNvPr id="2" name="TextBox 1">
+            <a:extLst>
+              <a:ext uri="{FF2B5EF4-FFF2-40B4-BE49-F238E27FC236}">
+                <a16:creationId xmlns:a16="http://schemas.microsoft.com/office/drawing/2014/main" id="{EAA32580-3F9C-4F4A-A52E-81C6A76341DE}"/>
+              </a:ext>
+            </a:extLst>
+          </p:cNvPr>
+          <p:cNvSpPr txBox="1"/>
+          <p:nvPr/>
+        </p:nvSpPr>
+        <p:spPr>
+          <a:xfrm>
+            <a:off x="1259632" y="1124744"/>
+            <a:ext cx="7538907" cy="5262979"/>
+          </a:xfrm>
+          <a:prstGeom prst="rect">
+            <a:avLst/>
+          </a:prstGeom>
+          <a:noFill/>
+        </p:spPr>
+        <p:txBody>
+          <a:bodyPr wrap="square" rtlCol="0">
+            <a:spAutoFit/>
+          </a:bodyPr>
+          <a:lstStyle/>
+          <a:p>
+            <a:pPr marL="457200" indent="-457200">
+              <a:buAutoNum type="arabicPeriod"/>
+            </a:pPr>
+            <a:r>
+              <a:rPr lang="en-US" altLang="ko-KR" sz="2400" dirty="0"/>
+              <a:t>Date, Person, Location</a:t>
+            </a:r>
+            <a:r>
+              <a:rPr lang="ko-KR" altLang="en-US" sz="2400" dirty="0"/>
+              <a:t>을 이용한 데이터 </a:t>
+            </a:r>
+            <a:endParaRPr lang="en-US" altLang="ko-KR" sz="2400" dirty="0"/>
+          </a:p>
+          <a:p>
+            <a:r>
+              <a:rPr lang="ko-KR" altLang="en-US" sz="2400" dirty="0"/>
+              <a:t>검색기능 구현</a:t>
+            </a:r>
+            <a:endParaRPr lang="en-US" altLang="ko-KR" sz="2400" dirty="0"/>
+          </a:p>
+          <a:p>
+            <a:endParaRPr lang="en-US" altLang="ko-KR" sz="2400" dirty="0"/>
+          </a:p>
+          <a:p>
+            <a:r>
+              <a:rPr lang="en-US" altLang="ko-KR" sz="2400" dirty="0"/>
+              <a:t>2. </a:t>
+            </a:r>
+            <a:r>
+              <a:rPr lang="ko-KR" altLang="en-US" sz="2400" dirty="0"/>
+              <a:t>회원 가입</a:t>
+            </a:r>
+            <a:r>
+              <a:rPr lang="en-US" altLang="ko-KR" sz="2400" dirty="0"/>
+              <a:t> </a:t>
+            </a:r>
+            <a:r>
+              <a:rPr lang="ko-KR" altLang="en-US" sz="2400" dirty="0"/>
+              <a:t>기능 구현</a:t>
+            </a:r>
+            <a:endParaRPr lang="en-US" altLang="ko-KR" sz="2400" dirty="0"/>
+          </a:p>
+          <a:p>
+            <a:endParaRPr lang="en-US" altLang="ko-KR" sz="2400" dirty="0"/>
+          </a:p>
+          <a:p>
+            <a:r>
+              <a:rPr lang="en-US" altLang="ko-KR" sz="2400" dirty="0"/>
+              <a:t>3. </a:t>
+            </a:r>
+            <a:r>
+              <a:rPr lang="ko-KR" altLang="en-US" sz="2400" dirty="0"/>
+              <a:t>로그인 기능 구현</a:t>
+            </a:r>
+            <a:endParaRPr lang="en-US" altLang="ko-KR" sz="2400" dirty="0"/>
+          </a:p>
+          <a:p>
+            <a:endParaRPr lang="en-US" altLang="ko-KR" sz="2400" dirty="0"/>
+          </a:p>
+          <a:p>
+            <a:r>
+              <a:rPr lang="en-US" altLang="ko-KR" sz="2400" dirty="0"/>
+              <a:t>4. </a:t>
+            </a:r>
+            <a:r>
+              <a:rPr lang="ko-KR" altLang="en-US" sz="2400" dirty="0"/>
+              <a:t>회원정보 수정 기능 구현</a:t>
+            </a:r>
+            <a:endParaRPr lang="en-US" altLang="ko-KR" sz="2400" dirty="0"/>
+          </a:p>
+          <a:p>
+            <a:endParaRPr lang="en-US" altLang="ko-KR" sz="2400" dirty="0"/>
+          </a:p>
+          <a:p>
+            <a:r>
+              <a:rPr lang="en-US" altLang="ko-KR" sz="2400" dirty="0"/>
+              <a:t>5. </a:t>
+            </a:r>
+            <a:r>
+              <a:rPr lang="ko-KR" altLang="en-US" sz="2400" dirty="0"/>
+              <a:t>사용자 상호간 평가 및 후기 등록</a:t>
+            </a:r>
+            <a:r>
+              <a:rPr lang="en-US" altLang="ko-KR" sz="2400" dirty="0"/>
+              <a:t>, </a:t>
+            </a:r>
+            <a:r>
+              <a:rPr lang="ko-KR" altLang="en-US" sz="2400" dirty="0"/>
+              <a:t>신고 기능</a:t>
+            </a:r>
+            <a:endParaRPr lang="en-US" altLang="ko-KR" sz="2400" dirty="0"/>
+          </a:p>
+          <a:p>
+            <a:endParaRPr lang="en-US" altLang="ko-KR" sz="2400" dirty="0"/>
+          </a:p>
+          <a:p>
+            <a:r>
+              <a:rPr lang="en-US" altLang="ko-KR" sz="2400" dirty="0"/>
+              <a:t>6. </a:t>
+            </a:r>
+            <a:r>
+              <a:rPr lang="ko-KR" altLang="en-US" sz="2400" dirty="0"/>
+              <a:t>예약 등록 및 수락</a:t>
+            </a:r>
+            <a:r>
+              <a:rPr lang="en-US" altLang="ko-KR" sz="2400" dirty="0"/>
+              <a:t>, </a:t>
+            </a:r>
+            <a:r>
+              <a:rPr lang="ko-KR" altLang="en-US" sz="2400" dirty="0"/>
+              <a:t>거절 기능</a:t>
+            </a:r>
+            <a:endParaRPr lang="en-US" altLang="ko-KR" sz="2400" dirty="0"/>
+          </a:p>
+          <a:p>
+            <a:endParaRPr lang="en-US" altLang="ko-KR" sz="2400" dirty="0"/>
+          </a:p>
+          <a:p>
+            <a:r>
+              <a:rPr lang="en-US" altLang="ko-KR" sz="2400" dirty="0"/>
+              <a:t>7. </a:t>
+            </a:r>
+            <a:r>
+              <a:rPr lang="ko-KR" altLang="en-US" sz="2400" dirty="0"/>
+              <a:t>예약 기록 조회 기능 구현</a:t>
             </a:r>
           </a:p>
         </p:txBody>
@@ -4164,6 +4168,589 @@
 </file>
 
 <file path=ppt/slides/slide11.xml><?xml version="1.0" encoding="utf-8"?>
+<p:sld xmlns:a="http://schemas.openxmlformats.org/drawingml/2006/main" xmlns:r="http://schemas.openxmlformats.org/officeDocument/2006/relationships" xmlns:p="http://schemas.openxmlformats.org/presentationml/2006/main">
+  <p:cSld>
+    <p:spTree>
+      <p:nvGrpSpPr>
+        <p:cNvPr id="1" name=""/>
+        <p:cNvGrpSpPr/>
+        <p:nvPr/>
+      </p:nvGrpSpPr>
+      <p:grpSpPr>
+        <a:xfrm>
+          <a:off x="0" y="0"/>
+          <a:ext cx="0" cy="0"/>
+          <a:chOff x="0" y="0"/>
+          <a:chExt cx="0" cy="0"/>
+        </a:xfrm>
+      </p:grpSpPr>
+      <p:sp>
+        <p:nvSpPr>
+          <p:cNvPr id="10" name="직사각형 8">
+            <a:extLst>
+              <a:ext uri="{FF2B5EF4-FFF2-40B4-BE49-F238E27FC236}">
+                <a16:creationId xmlns:a16="http://schemas.microsoft.com/office/drawing/2014/main" id="{B051D15F-B61E-4CE2-A829-885669CAFA57}"/>
+              </a:ext>
+            </a:extLst>
+          </p:cNvPr>
+          <p:cNvSpPr/>
+          <p:nvPr/>
+        </p:nvSpPr>
+        <p:spPr>
+          <a:xfrm>
+            <a:off x="-15041" y="1372292"/>
+            <a:ext cx="834325" cy="343501"/>
+          </a:xfrm>
+          <a:prstGeom prst="rect">
+            <a:avLst/>
+          </a:prstGeom>
+          <a:solidFill>
+            <a:srgbClr val="272123"/>
+          </a:solidFill>
+          <a:ln>
+            <a:noFill/>
+          </a:ln>
+        </p:spPr>
+        <p:style>
+          <a:lnRef idx="2">
+            <a:schemeClr val="accent1">
+              <a:shade val="50000"/>
+            </a:schemeClr>
+          </a:lnRef>
+          <a:fillRef idx="1">
+            <a:schemeClr val="accent1"/>
+          </a:fillRef>
+          <a:effectRef idx="0">
+            <a:schemeClr val="accent1"/>
+          </a:effectRef>
+          <a:fontRef idx="minor">
+            <a:schemeClr val="lt1"/>
+          </a:fontRef>
+        </p:style>
+        <p:txBody>
+          <a:bodyPr rtlCol="0" anchor="ctr"/>
+          <a:lstStyle/>
+          <a:p>
+            <a:pPr algn="ctr"/>
+            <a:endParaRPr lang="ko-KR" altLang="en-US"/>
+          </a:p>
+        </p:txBody>
+      </p:sp>
+      <p:sp>
+        <p:nvSpPr>
+          <p:cNvPr id="12" name="직각 삼각형 9">
+            <a:extLst>
+              <a:ext uri="{FF2B5EF4-FFF2-40B4-BE49-F238E27FC236}">
+                <a16:creationId xmlns:a16="http://schemas.microsoft.com/office/drawing/2014/main" id="{2C3941B6-B523-4AF5-A836-32877EB0CE20}"/>
+              </a:ext>
+            </a:extLst>
+          </p:cNvPr>
+          <p:cNvSpPr/>
+          <p:nvPr/>
+        </p:nvSpPr>
+        <p:spPr>
+          <a:xfrm rot="5400000">
+            <a:off x="696997" y="1702366"/>
+            <a:ext cx="81142" cy="108000"/>
+          </a:xfrm>
+          <a:prstGeom prst="rtTriangle">
+            <a:avLst/>
+          </a:prstGeom>
+          <a:solidFill>
+            <a:schemeClr val="tx1"/>
+          </a:solidFill>
+          <a:ln>
+            <a:solidFill>
+              <a:schemeClr val="tx1"/>
+            </a:solidFill>
+          </a:ln>
+        </p:spPr>
+        <p:style>
+          <a:lnRef idx="2">
+            <a:schemeClr val="accent1">
+              <a:shade val="50000"/>
+            </a:schemeClr>
+          </a:lnRef>
+          <a:fillRef idx="1">
+            <a:schemeClr val="accent1"/>
+          </a:fillRef>
+          <a:effectRef idx="0">
+            <a:schemeClr val="accent1"/>
+          </a:effectRef>
+          <a:fontRef idx="minor">
+            <a:schemeClr val="lt1"/>
+          </a:fontRef>
+        </p:style>
+        <p:txBody>
+          <a:bodyPr rtlCol="0" anchor="ctr"/>
+          <a:lstStyle/>
+          <a:p>
+            <a:pPr algn="ctr"/>
+            <a:endParaRPr lang="ko-KR" altLang="en-US"/>
+          </a:p>
+        </p:txBody>
+      </p:sp>
+      <p:cxnSp>
+        <p:nvCxnSpPr>
+          <p:cNvPr id="4" name="직선 연결선 3"/>
+          <p:cNvCxnSpPr/>
+          <p:nvPr/>
+        </p:nvCxnSpPr>
+        <p:spPr>
+          <a:xfrm>
+            <a:off x="683568" y="-371068"/>
+            <a:ext cx="0" cy="7472476"/>
+          </a:xfrm>
+          <a:prstGeom prst="line">
+            <a:avLst/>
+          </a:prstGeom>
+          <a:ln>
+            <a:solidFill>
+              <a:schemeClr val="bg1">
+                <a:lumMod val="65000"/>
+                <a:alpha val="50000"/>
+              </a:schemeClr>
+            </a:solidFill>
+          </a:ln>
+        </p:spPr>
+        <p:style>
+          <a:lnRef idx="1">
+            <a:schemeClr val="accent1"/>
+          </a:lnRef>
+          <a:fillRef idx="0">
+            <a:schemeClr val="accent1"/>
+          </a:fillRef>
+          <a:effectRef idx="0">
+            <a:schemeClr val="accent1"/>
+          </a:effectRef>
+          <a:fontRef idx="minor">
+            <a:schemeClr val="tx1"/>
+          </a:fontRef>
+        </p:style>
+      </p:cxnSp>
+      <p:cxnSp>
+        <p:nvCxnSpPr>
+          <p:cNvPr id="5" name="직선 연결선 4"/>
+          <p:cNvCxnSpPr/>
+          <p:nvPr/>
+        </p:nvCxnSpPr>
+        <p:spPr>
+          <a:xfrm flipH="1">
+            <a:off x="692540" y="548680"/>
+            <a:ext cx="9295796" cy="0"/>
+          </a:xfrm>
+          <a:prstGeom prst="line">
+            <a:avLst/>
+          </a:prstGeom>
+          <a:ln>
+            <a:solidFill>
+              <a:schemeClr val="bg1">
+                <a:lumMod val="65000"/>
+                <a:alpha val="50000"/>
+              </a:schemeClr>
+            </a:solidFill>
+          </a:ln>
+        </p:spPr>
+        <p:style>
+          <a:lnRef idx="1">
+            <a:schemeClr val="accent1"/>
+          </a:lnRef>
+          <a:fillRef idx="0">
+            <a:schemeClr val="accent1"/>
+          </a:fillRef>
+          <a:effectRef idx="0">
+            <a:schemeClr val="accent1"/>
+          </a:effectRef>
+          <a:fontRef idx="minor">
+            <a:schemeClr val="tx1"/>
+          </a:fontRef>
+        </p:style>
+      </p:cxnSp>
+      <p:sp>
+        <p:nvSpPr>
+          <p:cNvPr id="18" name="TextBox 17">
+            <a:extLst>
+              <a:ext uri="{FF2B5EF4-FFF2-40B4-BE49-F238E27FC236}">
+                <a16:creationId xmlns:a16="http://schemas.microsoft.com/office/drawing/2014/main" id="{75E4DE21-43AC-6B41-8AC8-C1DC7A3D0A3D}"/>
+              </a:ext>
+            </a:extLst>
+          </p:cNvPr>
+          <p:cNvSpPr txBox="1"/>
+          <p:nvPr/>
+        </p:nvSpPr>
+        <p:spPr>
+          <a:xfrm>
+            <a:off x="123549" y="882386"/>
+            <a:ext cx="541363" cy="338554"/>
+          </a:xfrm>
+          <a:prstGeom prst="rect">
+            <a:avLst/>
+          </a:prstGeom>
+          <a:noFill/>
+        </p:spPr>
+        <p:txBody>
+          <a:bodyPr wrap="square" rtlCol="0">
+            <a:spAutoFit/>
+          </a:bodyPr>
+          <a:lstStyle/>
+          <a:p>
+            <a:r>
+              <a:rPr lang="en-US" altLang="ko-KR" sz="1600" b="1" dirty="0">
+                <a:ln>
+                  <a:solidFill>
+                    <a:schemeClr val="bg1">
+                      <a:lumMod val="75000"/>
+                      <a:alpha val="30000"/>
+                    </a:schemeClr>
+                  </a:solidFill>
+                </a:ln>
+                <a:solidFill>
+                  <a:schemeClr val="bg1">
+                    <a:lumMod val="75000"/>
+                  </a:schemeClr>
+                </a:solidFill>
+                <a:latin typeface="Yoon 윤고딕 520_TT" pitchFamily="18" charset="-127"/>
+                <a:ea typeface="Yoon 윤고딕 520_TT" pitchFamily="18" charset="-127"/>
+              </a:rPr>
+              <a:t>01</a:t>
+            </a:r>
+          </a:p>
+        </p:txBody>
+      </p:sp>
+      <p:sp>
+        <p:nvSpPr>
+          <p:cNvPr id="11" name="TextBox 10">
+            <a:extLst>
+              <a:ext uri="{FF2B5EF4-FFF2-40B4-BE49-F238E27FC236}">
+                <a16:creationId xmlns:a16="http://schemas.microsoft.com/office/drawing/2014/main" id="{A23CC2CC-3876-4992-BCAB-D09487F6456C}"/>
+              </a:ext>
+            </a:extLst>
+          </p:cNvPr>
+          <p:cNvSpPr txBox="1"/>
+          <p:nvPr/>
+        </p:nvSpPr>
+        <p:spPr>
+          <a:xfrm>
+            <a:off x="123549" y="1406462"/>
+            <a:ext cx="541363" cy="338554"/>
+          </a:xfrm>
+          <a:prstGeom prst="rect">
+            <a:avLst/>
+          </a:prstGeom>
+          <a:noFill/>
+        </p:spPr>
+        <p:txBody>
+          <a:bodyPr wrap="square" rtlCol="0">
+            <a:spAutoFit/>
+          </a:bodyPr>
+          <a:lstStyle/>
+          <a:p>
+            <a:r>
+              <a:rPr lang="en-US" altLang="ko-KR" sz="1600" b="1" dirty="0">
+                <a:ln>
+                  <a:solidFill>
+                    <a:schemeClr val="bg1">
+                      <a:lumMod val="75000"/>
+                      <a:alpha val="30000"/>
+                    </a:schemeClr>
+                  </a:solidFill>
+                </a:ln>
+                <a:solidFill>
+                  <a:schemeClr val="bg1">
+                    <a:lumMod val="75000"/>
+                  </a:schemeClr>
+                </a:solidFill>
+                <a:latin typeface="Yoon 윤고딕 520_TT" pitchFamily="18" charset="-127"/>
+                <a:ea typeface="Yoon 윤고딕 520_TT" pitchFamily="18" charset="-127"/>
+              </a:rPr>
+              <a:t>02</a:t>
+            </a:r>
+          </a:p>
+        </p:txBody>
+      </p:sp>
+      <p:sp>
+        <p:nvSpPr>
+          <p:cNvPr id="13" name="TextBox 12">
+            <a:extLst>
+              <a:ext uri="{FF2B5EF4-FFF2-40B4-BE49-F238E27FC236}">
+                <a16:creationId xmlns:a16="http://schemas.microsoft.com/office/drawing/2014/main" id="{1541E159-712F-46E1-B900-977C39A2743A}"/>
+              </a:ext>
+            </a:extLst>
+          </p:cNvPr>
+          <p:cNvSpPr txBox="1"/>
+          <p:nvPr/>
+        </p:nvSpPr>
+        <p:spPr>
+          <a:xfrm>
+            <a:off x="1259632" y="1124744"/>
+            <a:ext cx="7632847" cy="4893647"/>
+          </a:xfrm>
+          <a:prstGeom prst="rect">
+            <a:avLst/>
+          </a:prstGeom>
+          <a:noFill/>
+        </p:spPr>
+        <p:txBody>
+          <a:bodyPr wrap="square" rtlCol="0">
+            <a:spAutoFit/>
+          </a:bodyPr>
+          <a:lstStyle/>
+          <a:p>
+            <a:pPr marL="457200" indent="-457200">
+              <a:buAutoNum type="arabicPeriod"/>
+            </a:pPr>
+            <a:r>
+              <a:rPr lang="en-US" altLang="ko-KR" sz="2400" dirty="0"/>
+              <a:t>Secure requirements</a:t>
+            </a:r>
+          </a:p>
+          <a:p>
+            <a:pPr marL="914400" lvl="1" indent="-457200">
+              <a:buAutoNum type="arabicPeriod"/>
+            </a:pPr>
+            <a:r>
+              <a:rPr lang="en-US" altLang="ko-KR" sz="2400" dirty="0"/>
+              <a:t> </a:t>
+            </a:r>
+            <a:r>
+              <a:rPr lang="ko-KR" altLang="en-US" sz="2400" dirty="0"/>
+              <a:t>장기간 미사용시 자동 로그아웃</a:t>
+            </a:r>
+            <a:endParaRPr lang="en-US" altLang="ko-KR" sz="2400" dirty="0"/>
+          </a:p>
+          <a:p>
+            <a:pPr marL="914400" lvl="1" indent="-457200">
+              <a:buAutoNum type="arabicPeriod"/>
+            </a:pPr>
+            <a:r>
+              <a:rPr lang="ko-KR" altLang="en-US" sz="2400" dirty="0"/>
+              <a:t>날짜 선택 시 유효 날짜 검사</a:t>
+            </a:r>
+            <a:endParaRPr lang="en-US" altLang="ko-KR" sz="2400" dirty="0"/>
+          </a:p>
+          <a:p>
+            <a:pPr marL="914400" lvl="1" indent="-457200">
+              <a:buAutoNum type="arabicPeriod"/>
+            </a:pPr>
+            <a:r>
+              <a:rPr lang="ko-KR" altLang="en-US" sz="2400" dirty="0"/>
+              <a:t>회원가입시 비밀번호 규칙 제한 및 확인</a:t>
+            </a:r>
+            <a:endParaRPr lang="en-US" altLang="ko-KR" sz="2400" dirty="0"/>
+          </a:p>
+          <a:p>
+            <a:pPr marL="914400" lvl="1" indent="-457200">
+              <a:buAutoNum type="arabicPeriod"/>
+            </a:pPr>
+            <a:r>
+              <a:rPr lang="ko-KR" altLang="en-US" sz="2400" dirty="0"/>
+              <a:t>회원가입시 비밀번호 및 이메일 확인 절차</a:t>
+            </a:r>
+            <a:endParaRPr lang="en-US" altLang="ko-KR" sz="2400" dirty="0"/>
+          </a:p>
+          <a:p>
+            <a:pPr marL="457200" indent="-457200">
+              <a:buAutoNum type="arabicPeriod"/>
+            </a:pPr>
+            <a:endParaRPr lang="en-US" altLang="ko-KR" sz="2400" dirty="0"/>
+          </a:p>
+          <a:p>
+            <a:pPr marL="457200" indent="-457200">
+              <a:buAutoNum type="arabicPeriod"/>
+            </a:pPr>
+            <a:r>
+              <a:rPr lang="en-US" altLang="ko-KR" sz="2400" dirty="0"/>
+              <a:t>Portability</a:t>
+            </a:r>
+            <a:r>
+              <a:rPr lang="ko-KR" altLang="en-US" sz="2400" dirty="0"/>
+              <a:t> </a:t>
+            </a:r>
+            <a:r>
+              <a:rPr lang="en-US" altLang="ko-KR" sz="2400" dirty="0"/>
+              <a:t>requirements</a:t>
+            </a:r>
+          </a:p>
+          <a:p>
+            <a:pPr marL="914400" lvl="1" indent="-457200">
+              <a:buAutoNum type="arabicPeriod"/>
+            </a:pPr>
+            <a:r>
+              <a:rPr lang="ko-KR" altLang="en-US" sz="2400" dirty="0"/>
+              <a:t>세가지 이상의 </a:t>
+            </a:r>
+            <a:r>
+              <a:rPr lang="en-US" altLang="ko-KR" sz="2400" dirty="0"/>
+              <a:t>Web browser</a:t>
+            </a:r>
+            <a:r>
+              <a:rPr lang="ko-KR" altLang="en-US" sz="2400" dirty="0"/>
+              <a:t>에서 동작</a:t>
+            </a:r>
+          </a:p>
+          <a:p>
+            <a:pPr marL="457200" indent="-457200">
+              <a:buAutoNum type="arabicPeriod"/>
+            </a:pPr>
+            <a:endParaRPr lang="en-US" altLang="ko-KR" sz="2400" dirty="0"/>
+          </a:p>
+          <a:p>
+            <a:pPr marL="457200" indent="-457200">
+              <a:buAutoNum type="arabicPeriod"/>
+            </a:pPr>
+            <a:r>
+              <a:rPr lang="en-US" altLang="ko-KR" sz="2400" dirty="0"/>
+              <a:t>Implements requirements</a:t>
+            </a:r>
+          </a:p>
+          <a:p>
+            <a:pPr marL="914400" lvl="1" indent="-457200">
+              <a:buAutoNum type="arabicPeriod"/>
+            </a:pPr>
+            <a:r>
+              <a:rPr lang="en-US" altLang="ko-KR" sz="2400" dirty="0"/>
+              <a:t>JSP</a:t>
+            </a:r>
+            <a:r>
+              <a:rPr lang="ko-KR" altLang="en-US" sz="2400" dirty="0"/>
+              <a:t>를 이용한 </a:t>
+            </a:r>
+            <a:r>
+              <a:rPr lang="en-US" altLang="ko-KR" sz="2400" dirty="0"/>
+              <a:t>Web Application</a:t>
+            </a:r>
+          </a:p>
+          <a:p>
+            <a:pPr marL="914400" lvl="1" indent="-457200">
+              <a:buAutoNum type="arabicPeriod"/>
+            </a:pPr>
+            <a:r>
+              <a:rPr lang="en-US" altLang="ko-KR" sz="2400" dirty="0" err="1"/>
+              <a:t>Mysql</a:t>
+            </a:r>
+            <a:r>
+              <a:rPr lang="en-US" altLang="ko-KR" sz="2400" dirty="0"/>
+              <a:t> </a:t>
+            </a:r>
+            <a:r>
+              <a:rPr lang="ko-KR" altLang="en-US" sz="2400" dirty="0"/>
+              <a:t>을 이용한 </a:t>
+            </a:r>
+            <a:r>
+              <a:rPr lang="en-US" altLang="ko-KR" sz="2400" dirty="0"/>
+              <a:t>DB </a:t>
+            </a:r>
+            <a:r>
+              <a:rPr lang="ko-KR" altLang="en-US" sz="2400" dirty="0"/>
+              <a:t>시스템</a:t>
+            </a:r>
+            <a:endParaRPr lang="en-US" altLang="ko-KR" sz="2400" dirty="0"/>
+          </a:p>
+          <a:p>
+            <a:pPr marL="914400" lvl="1" indent="-457200">
+              <a:buAutoNum type="arabicPeriod"/>
+            </a:pPr>
+            <a:r>
+              <a:rPr lang="en-US" altLang="ko-KR" sz="2400" dirty="0"/>
+              <a:t>Prototype </a:t>
+            </a:r>
+            <a:r>
+              <a:rPr lang="ko-KR" altLang="en-US" sz="2400" dirty="0"/>
+              <a:t>방식을 사용</a:t>
+            </a:r>
+            <a:endParaRPr lang="en-US" altLang="ko-KR" sz="2400" dirty="0"/>
+          </a:p>
+        </p:txBody>
+      </p:sp>
+      <p:sp>
+        <p:nvSpPr>
+          <p:cNvPr id="14" name="TextBox 13">
+            <a:extLst>
+              <a:ext uri="{FF2B5EF4-FFF2-40B4-BE49-F238E27FC236}">
+                <a16:creationId xmlns:a16="http://schemas.microsoft.com/office/drawing/2014/main" id="{54D7BC6B-225C-4ADC-92EA-1B6DDDB767BF}"/>
+              </a:ext>
+            </a:extLst>
+          </p:cNvPr>
+          <p:cNvSpPr txBox="1"/>
+          <p:nvPr/>
+        </p:nvSpPr>
+        <p:spPr>
+          <a:xfrm>
+            <a:off x="1043607" y="138482"/>
+            <a:ext cx="3672407" cy="369332"/>
+          </a:xfrm>
+          <a:prstGeom prst="rect">
+            <a:avLst/>
+          </a:prstGeom>
+          <a:noFill/>
+        </p:spPr>
+        <p:txBody>
+          <a:bodyPr wrap="square" rtlCol="0">
+            <a:spAutoFit/>
+          </a:bodyPr>
+          <a:lstStyle/>
+          <a:p>
+            <a:pPr algn="ctr"/>
+            <a:r>
+              <a:rPr lang="ko-KR" altLang="en-US" dirty="0">
+                <a:ln>
+                  <a:solidFill>
+                    <a:schemeClr val="tx1">
+                      <a:alpha val="30000"/>
+                    </a:schemeClr>
+                  </a:solidFill>
+                </a:ln>
+                <a:solidFill>
+                  <a:srgbClr val="272123"/>
+                </a:solidFill>
+                <a:latin typeface="Yoon 윤고딕 520_TT" pitchFamily="18" charset="-127"/>
+                <a:ea typeface="Yoon 윤고딕 520_TT" pitchFamily="18" charset="-127"/>
+              </a:rPr>
+              <a:t>비기능적 요구사항</a:t>
+            </a:r>
+            <a:endParaRPr lang="en-US" altLang="ko-KR" dirty="0">
+              <a:ln>
+                <a:solidFill>
+                  <a:schemeClr val="tx1">
+                    <a:alpha val="30000"/>
+                  </a:schemeClr>
+                </a:solidFill>
+              </a:ln>
+              <a:solidFill>
+                <a:srgbClr val="272123"/>
+              </a:solidFill>
+              <a:latin typeface="Yoon 윤고딕 520_TT" pitchFamily="18" charset="-127"/>
+              <a:ea typeface="Yoon 윤고딕 520_TT" pitchFamily="18" charset="-127"/>
+            </a:endParaRPr>
+          </a:p>
+        </p:txBody>
+      </p:sp>
+    </p:spTree>
+    <p:extLst>
+      <p:ext uri="{BB962C8B-B14F-4D97-AF65-F5344CB8AC3E}">
+        <p14:creationId xmlns:p14="http://schemas.microsoft.com/office/powerpoint/2010/main" val="3381368291"/>
+      </p:ext>
+    </p:extLst>
+  </p:cSld>
+  <p:clrMapOvr>
+    <a:masterClrMapping/>
+  </p:clrMapOvr>
+  <mc:AlternateContent xmlns:mc="http://schemas.openxmlformats.org/markup-compatibility/2006" xmlns:p14="http://schemas.microsoft.com/office/powerpoint/2010/main">
+    <mc:Choice Requires="p14">
+      <p:transition spd="med" p14:dur="700">
+        <p:fade/>
+      </p:transition>
+    </mc:Choice>
+    <mc:Fallback xmlns="">
+      <p:transition spd="med">
+        <p:fade/>
+      </p:transition>
+    </mc:Fallback>
+  </mc:AlternateContent>
+</p:sld>
+</file>
+
+<file path=ppt/slides/slide12.xml><?xml version="1.0" encoding="utf-8"?>
 <p:sld xmlns:a="http://schemas.openxmlformats.org/drawingml/2006/main" xmlns:r="http://schemas.openxmlformats.org/officeDocument/2006/relationships" xmlns:p="http://schemas.openxmlformats.org/presentationml/2006/main">
   <p:cSld>
     <p:bg>
@@ -4337,7 +4924,7 @@
 </p:sld>
 </file>
 
-<file path=ppt/slides/slide12.xml><?xml version="1.0" encoding="utf-8"?>
+<file path=ppt/slides/slide13.xml><?xml version="1.0" encoding="utf-8"?>
 <p:sld xmlns:a="http://schemas.openxmlformats.org/drawingml/2006/main" xmlns:r="http://schemas.openxmlformats.org/officeDocument/2006/relationships" xmlns:p="http://schemas.openxmlformats.org/presentationml/2006/main">
   <p:cSld>
     <p:spTree>
@@ -4789,7 +5376,7 @@
 </p:sld>
 </file>
 
-<file path=ppt/slides/slide13.xml><?xml version="1.0" encoding="utf-8"?>
+<file path=ppt/slides/slide14.xml><?xml version="1.0" encoding="utf-8"?>
 <p:sld xmlns:a="http://schemas.openxmlformats.org/drawingml/2006/main" xmlns:r="http://schemas.openxmlformats.org/officeDocument/2006/relationships" xmlns:p="http://schemas.openxmlformats.org/presentationml/2006/main">
   <p:cSld>
     <p:spTree>
@@ -5154,12 +5741,550 @@
           </a:p>
         </p:txBody>
       </p:sp>
+      <p:sp>
+        <p:nvSpPr>
+          <p:cNvPr id="2" name="직사각형 1">
+            <a:extLst>
+              <a:ext uri="{FF2B5EF4-FFF2-40B4-BE49-F238E27FC236}">
+                <a16:creationId xmlns:a16="http://schemas.microsoft.com/office/drawing/2014/main" id="{B4E06633-1BAE-4A9B-A5DB-AEE53D248CD9}"/>
+              </a:ext>
+            </a:extLst>
+          </p:cNvPr>
+          <p:cNvSpPr/>
+          <p:nvPr/>
+        </p:nvSpPr>
+        <p:spPr>
+          <a:xfrm>
+            <a:off x="1979713" y="1582677"/>
+            <a:ext cx="5400592" cy="4582611"/>
+          </a:xfrm>
+          <a:prstGeom prst="rect">
+            <a:avLst/>
+          </a:prstGeom>
+          <a:solidFill>
+            <a:srgbClr val="DBEFF4"/>
+          </a:solidFill>
+        </p:spPr>
+        <p:style>
+          <a:lnRef idx="2">
+            <a:schemeClr val="accent1">
+              <a:shade val="50000"/>
+            </a:schemeClr>
+          </a:lnRef>
+          <a:fillRef idx="1">
+            <a:schemeClr val="accent1"/>
+          </a:fillRef>
+          <a:effectRef idx="0">
+            <a:schemeClr val="accent1"/>
+          </a:effectRef>
+          <a:fontRef idx="minor">
+            <a:schemeClr val="lt1"/>
+          </a:fontRef>
+        </p:style>
+        <p:txBody>
+          <a:bodyPr rtlCol="0" anchor="ctr"/>
+          <a:lstStyle/>
+          <a:p>
+            <a:pPr algn="ctr"/>
+            <a:endParaRPr lang="ko-KR" altLang="en-US" dirty="0"/>
+          </a:p>
+        </p:txBody>
+      </p:sp>
+      <p:sp>
+        <p:nvSpPr>
+          <p:cNvPr id="3" name="타원 2">
+            <a:extLst>
+              <a:ext uri="{FF2B5EF4-FFF2-40B4-BE49-F238E27FC236}">
+                <a16:creationId xmlns:a16="http://schemas.microsoft.com/office/drawing/2014/main" id="{954FD4AB-97BB-462E-A040-DE4456142D03}"/>
+              </a:ext>
+            </a:extLst>
+          </p:cNvPr>
+          <p:cNvSpPr/>
+          <p:nvPr/>
+        </p:nvSpPr>
+        <p:spPr>
+          <a:xfrm>
+            <a:off x="3887924" y="1740956"/>
+            <a:ext cx="1368152" cy="432048"/>
+          </a:xfrm>
+          <a:prstGeom prst="ellipse">
+            <a:avLst/>
+          </a:prstGeom>
+          <a:solidFill>
+            <a:srgbClr val="1C365E"/>
+          </a:solidFill>
+        </p:spPr>
+        <p:style>
+          <a:lnRef idx="2">
+            <a:schemeClr val="accent1">
+              <a:shade val="50000"/>
+            </a:schemeClr>
+          </a:lnRef>
+          <a:fillRef idx="1">
+            <a:schemeClr val="accent1"/>
+          </a:fillRef>
+          <a:effectRef idx="0">
+            <a:schemeClr val="accent1"/>
+          </a:effectRef>
+          <a:fontRef idx="minor">
+            <a:schemeClr val="lt1"/>
+          </a:fontRef>
+        </p:style>
+        <p:txBody>
+          <a:bodyPr rtlCol="0" anchor="ctr"/>
+          <a:lstStyle/>
+          <a:p>
+            <a:pPr algn="ctr"/>
+            <a:r>
+              <a:rPr lang="ko-KR" altLang="en-US" sz="1500" dirty="0"/>
+              <a:t>회원가입</a:t>
+            </a:r>
+          </a:p>
+        </p:txBody>
+      </p:sp>
+      <p:sp>
+        <p:nvSpPr>
+          <p:cNvPr id="12" name="타원 11">
+            <a:extLst>
+              <a:ext uri="{FF2B5EF4-FFF2-40B4-BE49-F238E27FC236}">
+                <a16:creationId xmlns:a16="http://schemas.microsoft.com/office/drawing/2014/main" id="{51D79147-2FCC-46AA-BF1D-9105A5B3EBBD}"/>
+              </a:ext>
+            </a:extLst>
+          </p:cNvPr>
+          <p:cNvSpPr/>
+          <p:nvPr/>
+        </p:nvSpPr>
+        <p:spPr>
+          <a:xfrm>
+            <a:off x="3877630" y="2314089"/>
+            <a:ext cx="1368152" cy="432048"/>
+          </a:xfrm>
+          <a:prstGeom prst="ellipse">
+            <a:avLst/>
+          </a:prstGeom>
+          <a:solidFill>
+            <a:srgbClr val="1C365E"/>
+          </a:solidFill>
+        </p:spPr>
+        <p:style>
+          <a:lnRef idx="2">
+            <a:schemeClr val="accent1">
+              <a:shade val="50000"/>
+            </a:schemeClr>
+          </a:lnRef>
+          <a:fillRef idx="1">
+            <a:schemeClr val="accent1"/>
+          </a:fillRef>
+          <a:effectRef idx="0">
+            <a:schemeClr val="accent1"/>
+          </a:effectRef>
+          <a:fontRef idx="minor">
+            <a:schemeClr val="lt1"/>
+          </a:fontRef>
+        </p:style>
+        <p:txBody>
+          <a:bodyPr rtlCol="0" anchor="ctr"/>
+          <a:lstStyle/>
+          <a:p>
+            <a:pPr algn="ctr"/>
+            <a:r>
+              <a:rPr lang="ko-KR" altLang="en-US" sz="1500" dirty="0"/>
+              <a:t>로그인</a:t>
+            </a:r>
+          </a:p>
+        </p:txBody>
+      </p:sp>
+      <p:sp>
+        <p:nvSpPr>
+          <p:cNvPr id="13" name="타원 12">
+            <a:extLst>
+              <a:ext uri="{FF2B5EF4-FFF2-40B4-BE49-F238E27FC236}">
+                <a16:creationId xmlns:a16="http://schemas.microsoft.com/office/drawing/2014/main" id="{5A593E85-FD2C-4595-96DC-A582BFBB53BF}"/>
+              </a:ext>
+            </a:extLst>
+          </p:cNvPr>
+          <p:cNvSpPr/>
+          <p:nvPr/>
+        </p:nvSpPr>
+        <p:spPr>
+          <a:xfrm>
+            <a:off x="3387721" y="3209451"/>
+            <a:ext cx="1179472" cy="432048"/>
+          </a:xfrm>
+          <a:prstGeom prst="ellipse">
+            <a:avLst/>
+          </a:prstGeom>
+          <a:solidFill>
+            <a:srgbClr val="1C365E"/>
+          </a:solidFill>
+        </p:spPr>
+        <p:style>
+          <a:lnRef idx="2">
+            <a:schemeClr val="accent1">
+              <a:shade val="50000"/>
+            </a:schemeClr>
+          </a:lnRef>
+          <a:fillRef idx="1">
+            <a:schemeClr val="accent1"/>
+          </a:fillRef>
+          <a:effectRef idx="0">
+            <a:schemeClr val="accent1"/>
+          </a:effectRef>
+          <a:fontRef idx="minor">
+            <a:schemeClr val="lt1"/>
+          </a:fontRef>
+        </p:style>
+        <p:txBody>
+          <a:bodyPr rtlCol="0" anchor="ctr"/>
+          <a:lstStyle/>
+          <a:p>
+            <a:pPr algn="ctr"/>
+            <a:r>
+              <a:rPr lang="ko-KR" altLang="en-US" sz="1200" dirty="0"/>
+              <a:t>검색하기</a:t>
+            </a:r>
+            <a:endParaRPr lang="en-US" altLang="ko-KR" sz="1200" dirty="0"/>
+          </a:p>
+        </p:txBody>
+      </p:sp>
+      <p:sp>
+        <p:nvSpPr>
+          <p:cNvPr id="14" name="타원 13">
+            <a:extLst>
+              <a:ext uri="{FF2B5EF4-FFF2-40B4-BE49-F238E27FC236}">
+                <a16:creationId xmlns:a16="http://schemas.microsoft.com/office/drawing/2014/main" id="{D192179F-B86B-4B88-BCDE-E7AEA69B092B}"/>
+              </a:ext>
+            </a:extLst>
+          </p:cNvPr>
+          <p:cNvSpPr/>
+          <p:nvPr/>
+        </p:nvSpPr>
+        <p:spPr>
+          <a:xfrm>
+            <a:off x="2049105" y="3225600"/>
+            <a:ext cx="1179472" cy="432048"/>
+          </a:xfrm>
+          <a:prstGeom prst="ellipse">
+            <a:avLst/>
+          </a:prstGeom>
+          <a:solidFill>
+            <a:srgbClr val="1C365E"/>
+          </a:solidFill>
+        </p:spPr>
+        <p:style>
+          <a:lnRef idx="2">
+            <a:schemeClr val="accent1">
+              <a:shade val="50000"/>
+            </a:schemeClr>
+          </a:lnRef>
+          <a:fillRef idx="1">
+            <a:schemeClr val="accent1"/>
+          </a:fillRef>
+          <a:effectRef idx="0">
+            <a:schemeClr val="accent1"/>
+          </a:effectRef>
+          <a:fontRef idx="minor">
+            <a:schemeClr val="lt1"/>
+          </a:fontRef>
+        </p:style>
+        <p:txBody>
+          <a:bodyPr rtlCol="0" anchor="ctr"/>
+          <a:lstStyle/>
+          <a:p>
+            <a:pPr algn="ctr"/>
+            <a:r>
+              <a:rPr lang="ko-KR" altLang="en-US" sz="1200" dirty="0"/>
+              <a:t>예약하기</a:t>
+            </a:r>
+          </a:p>
+        </p:txBody>
+      </p:sp>
+      <p:sp>
+        <p:nvSpPr>
+          <p:cNvPr id="15" name="타원 14">
+            <a:extLst>
+              <a:ext uri="{FF2B5EF4-FFF2-40B4-BE49-F238E27FC236}">
+                <a16:creationId xmlns:a16="http://schemas.microsoft.com/office/drawing/2014/main" id="{6EF6A724-34CB-4FF2-86F3-A9DF3128FC4C}"/>
+              </a:ext>
+            </a:extLst>
+          </p:cNvPr>
+          <p:cNvSpPr/>
+          <p:nvPr/>
+        </p:nvSpPr>
+        <p:spPr>
+          <a:xfrm>
+            <a:off x="6051110" y="3209451"/>
+            <a:ext cx="1179472" cy="432048"/>
+          </a:xfrm>
+          <a:prstGeom prst="ellipse">
+            <a:avLst/>
+          </a:prstGeom>
+          <a:solidFill>
+            <a:srgbClr val="1C365E"/>
+          </a:solidFill>
+        </p:spPr>
+        <p:style>
+          <a:lnRef idx="2">
+            <a:schemeClr val="accent1">
+              <a:shade val="50000"/>
+            </a:schemeClr>
+          </a:lnRef>
+          <a:fillRef idx="1">
+            <a:schemeClr val="accent1"/>
+          </a:fillRef>
+          <a:effectRef idx="0">
+            <a:schemeClr val="accent1"/>
+          </a:effectRef>
+          <a:fontRef idx="minor">
+            <a:schemeClr val="lt1"/>
+          </a:fontRef>
+        </p:style>
+        <p:txBody>
+          <a:bodyPr rtlCol="0" anchor="ctr"/>
+          <a:lstStyle/>
+          <a:p>
+            <a:pPr algn="ctr"/>
+            <a:r>
+              <a:rPr lang="ko-KR" altLang="en-US" sz="1200" dirty="0"/>
+              <a:t>방 등록하기</a:t>
+            </a:r>
+          </a:p>
+        </p:txBody>
+      </p:sp>
+      <p:sp>
+        <p:nvSpPr>
+          <p:cNvPr id="16" name="타원 15">
+            <a:extLst>
+              <a:ext uri="{FF2B5EF4-FFF2-40B4-BE49-F238E27FC236}">
+                <a16:creationId xmlns:a16="http://schemas.microsoft.com/office/drawing/2014/main" id="{AFFC00BB-13F9-44EF-844A-FE4F76274E0F}"/>
+              </a:ext>
+            </a:extLst>
+          </p:cNvPr>
+          <p:cNvSpPr/>
+          <p:nvPr/>
+        </p:nvSpPr>
+        <p:spPr>
+          <a:xfrm>
+            <a:off x="4683865" y="3212976"/>
+            <a:ext cx="1179472" cy="792088"/>
+          </a:xfrm>
+          <a:prstGeom prst="ellipse">
+            <a:avLst/>
+          </a:prstGeom>
+          <a:solidFill>
+            <a:srgbClr val="1C365E"/>
+          </a:solidFill>
+        </p:spPr>
+        <p:style>
+          <a:lnRef idx="2">
+            <a:schemeClr val="accent1">
+              <a:shade val="50000"/>
+            </a:schemeClr>
+          </a:lnRef>
+          <a:fillRef idx="1">
+            <a:schemeClr val="accent1"/>
+          </a:fillRef>
+          <a:effectRef idx="0">
+            <a:schemeClr val="accent1"/>
+          </a:effectRef>
+          <a:fontRef idx="minor">
+            <a:schemeClr val="lt1"/>
+          </a:fontRef>
+        </p:style>
+        <p:txBody>
+          <a:bodyPr rtlCol="0" anchor="ctr"/>
+          <a:lstStyle/>
+          <a:p>
+            <a:pPr algn="ctr"/>
+            <a:r>
+              <a:rPr lang="ko-KR" altLang="en-US" sz="1200" dirty="0"/>
+              <a:t>예약</a:t>
+            </a:r>
+            <a:endParaRPr lang="en-US" altLang="ko-KR" sz="1200" dirty="0"/>
+          </a:p>
+          <a:p>
+            <a:pPr algn="ctr"/>
+            <a:r>
+              <a:rPr lang="ko-KR" altLang="en-US" sz="1200" dirty="0"/>
+              <a:t>허가 </a:t>
+            </a:r>
+            <a:endParaRPr lang="en-US" altLang="ko-KR" sz="1200" dirty="0"/>
+          </a:p>
+          <a:p>
+            <a:pPr algn="ctr"/>
+            <a:r>
+              <a:rPr lang="ko-KR" altLang="en-US" sz="1200" dirty="0"/>
+              <a:t>취소</a:t>
+            </a:r>
+          </a:p>
+        </p:txBody>
+      </p:sp>
+      <p:sp>
+        <p:nvSpPr>
+          <p:cNvPr id="7" name="직사각형 6">
+            <a:extLst>
+              <a:ext uri="{FF2B5EF4-FFF2-40B4-BE49-F238E27FC236}">
+                <a16:creationId xmlns:a16="http://schemas.microsoft.com/office/drawing/2014/main" id="{374ADEA8-FAAE-4171-89E8-270FE9E67BB8}"/>
+              </a:ext>
+            </a:extLst>
+          </p:cNvPr>
+          <p:cNvSpPr/>
+          <p:nvPr/>
+        </p:nvSpPr>
+        <p:spPr>
+          <a:xfrm>
+            <a:off x="3540238" y="1335821"/>
+            <a:ext cx="1967866" cy="324246"/>
+          </a:xfrm>
+          <a:prstGeom prst="rect">
+            <a:avLst/>
+          </a:prstGeom>
+          <a:solidFill>
+            <a:srgbClr val="DBEFF4"/>
+          </a:solidFill>
+        </p:spPr>
+        <p:style>
+          <a:lnRef idx="2">
+            <a:schemeClr val="accent1">
+              <a:shade val="50000"/>
+            </a:schemeClr>
+          </a:lnRef>
+          <a:fillRef idx="1">
+            <a:schemeClr val="accent1"/>
+          </a:fillRef>
+          <a:effectRef idx="0">
+            <a:schemeClr val="accent1"/>
+          </a:effectRef>
+          <a:fontRef idx="minor">
+            <a:schemeClr val="lt1"/>
+          </a:fontRef>
+        </p:style>
+        <p:txBody>
+          <a:bodyPr rtlCol="0" anchor="ctr"/>
+          <a:lstStyle/>
+          <a:p>
+            <a:pPr algn="ctr"/>
+            <a:r>
+              <a:rPr lang="ko-KR" altLang="en-US" b="1" dirty="0">
+                <a:solidFill>
+                  <a:schemeClr val="tx1"/>
+                </a:solidFill>
+              </a:rPr>
+              <a:t>방 공유 시스템</a:t>
+            </a:r>
+          </a:p>
+        </p:txBody>
+      </p:sp>
+      <p:sp>
+        <p:nvSpPr>
+          <p:cNvPr id="19" name="타원 18">
+            <a:extLst>
+              <a:ext uri="{FF2B5EF4-FFF2-40B4-BE49-F238E27FC236}">
+                <a16:creationId xmlns:a16="http://schemas.microsoft.com/office/drawing/2014/main" id="{3F1F619D-7737-42B2-996D-24F5BDD9484E}"/>
+              </a:ext>
+            </a:extLst>
+          </p:cNvPr>
+          <p:cNvSpPr/>
+          <p:nvPr/>
+        </p:nvSpPr>
+        <p:spPr>
+          <a:xfrm>
+            <a:off x="3916860" y="5008402"/>
+            <a:ext cx="1368152" cy="432048"/>
+          </a:xfrm>
+          <a:prstGeom prst="ellipse">
+            <a:avLst/>
+          </a:prstGeom>
+          <a:solidFill>
+            <a:srgbClr val="1C365E"/>
+          </a:solidFill>
+        </p:spPr>
+        <p:style>
+          <a:lnRef idx="2">
+            <a:schemeClr val="accent1">
+              <a:shade val="50000"/>
+            </a:schemeClr>
+          </a:lnRef>
+          <a:fillRef idx="1">
+            <a:schemeClr val="accent1"/>
+          </a:fillRef>
+          <a:effectRef idx="0">
+            <a:schemeClr val="accent1"/>
+          </a:effectRef>
+          <a:fontRef idx="minor">
+            <a:schemeClr val="lt1"/>
+          </a:fontRef>
+        </p:style>
+        <p:txBody>
+          <a:bodyPr rtlCol="0" anchor="ctr"/>
+          <a:lstStyle/>
+          <a:p>
+            <a:pPr algn="ctr"/>
+            <a:r>
+              <a:rPr lang="ko-KR" altLang="en-US" sz="1500" dirty="0"/>
+              <a:t>신고하기</a:t>
+            </a:r>
+          </a:p>
+        </p:txBody>
+      </p:sp>
+      <p:sp>
+        <p:nvSpPr>
+          <p:cNvPr id="21" name="타원 20">
+            <a:extLst>
+              <a:ext uri="{FF2B5EF4-FFF2-40B4-BE49-F238E27FC236}">
+                <a16:creationId xmlns:a16="http://schemas.microsoft.com/office/drawing/2014/main" id="{65226AF5-3D41-4807-B95E-FFDDD8792DD1}"/>
+              </a:ext>
+            </a:extLst>
+          </p:cNvPr>
+          <p:cNvSpPr/>
+          <p:nvPr/>
+        </p:nvSpPr>
+        <p:spPr>
+          <a:xfrm>
+            <a:off x="3916860" y="4452926"/>
+            <a:ext cx="1368152" cy="432048"/>
+          </a:xfrm>
+          <a:prstGeom prst="ellipse">
+            <a:avLst/>
+          </a:prstGeom>
+          <a:solidFill>
+            <a:srgbClr val="1C365E"/>
+          </a:solidFill>
+        </p:spPr>
+        <p:style>
+          <a:lnRef idx="2">
+            <a:schemeClr val="accent1">
+              <a:shade val="50000"/>
+            </a:schemeClr>
+          </a:lnRef>
+          <a:fillRef idx="1">
+            <a:schemeClr val="accent1"/>
+          </a:fillRef>
+          <a:effectRef idx="0">
+            <a:schemeClr val="accent1"/>
+          </a:effectRef>
+          <a:fontRef idx="minor">
+            <a:schemeClr val="lt1"/>
+          </a:fontRef>
+        </p:style>
+        <p:txBody>
+          <a:bodyPr rtlCol="0" anchor="ctr"/>
+          <a:lstStyle/>
+          <a:p>
+            <a:pPr algn="ctr"/>
+            <a:r>
+              <a:rPr lang="ko-KR" altLang="en-US" sz="1500" dirty="0"/>
+              <a:t>별점주기</a:t>
+            </a:r>
+          </a:p>
+        </p:txBody>
+      </p:sp>
       <p:pic>
         <p:nvPicPr>
-          <p:cNvPr id="6" name="Picture 5">
+          <p:cNvPr id="9" name="그래픽 8" descr="남자">
             <a:extLst>
               <a:ext uri="{FF2B5EF4-FFF2-40B4-BE49-F238E27FC236}">
-                <a16:creationId xmlns:a16="http://schemas.microsoft.com/office/drawing/2014/main" id="{E48BA83A-2299-CD48-BF70-E1FB8C1FDD63}"/>
+                <a16:creationId xmlns:a16="http://schemas.microsoft.com/office/drawing/2014/main" id="{E8F8EAFD-D809-48E6-9AE3-B73960687FFA}"/>
               </a:ext>
             </a:extLst>
           </p:cNvPr>
@@ -5174,6 +6299,9 @@
               <a:ext uri="{28A0092B-C50C-407E-A947-70E740481C1C}">
                 <a14:useLocalDpi xmlns:a14="http://schemas.microsoft.com/office/drawing/2010/main" val="0"/>
               </a:ext>
+              <a:ext uri="{96DAC541-7B7A-43D3-8B79-37D633B846F1}">
+                <asvg:svgBlip xmlns:asvg="http://schemas.microsoft.com/office/drawing/2016/SVG/main" r:embed="rId3"/>
+              </a:ext>
             </a:extLst>
           </a:blip>
           <a:stretch>
@@ -5182,14 +6310,629 @@
         </p:blipFill>
         <p:spPr>
           <a:xfrm>
-            <a:off x="1269999" y="1314449"/>
-            <a:ext cx="7262431" cy="4650749"/>
+            <a:off x="1136013" y="2953483"/>
+            <a:ext cx="914400" cy="914400"/>
           </a:xfrm>
           <a:prstGeom prst="rect">
             <a:avLst/>
           </a:prstGeom>
         </p:spPr>
       </p:pic>
+      <p:pic>
+        <p:nvPicPr>
+          <p:cNvPr id="24" name="그래픽 23" descr="남자">
+            <a:extLst>
+              <a:ext uri="{FF2B5EF4-FFF2-40B4-BE49-F238E27FC236}">
+                <a16:creationId xmlns:a16="http://schemas.microsoft.com/office/drawing/2014/main" id="{A07339D3-EC53-4028-BECA-7E101912E7D7}"/>
+              </a:ext>
+            </a:extLst>
+          </p:cNvPr>
+          <p:cNvPicPr>
+            <a:picLocks noChangeAspect="1"/>
+          </p:cNvPicPr>
+          <p:nvPr/>
+        </p:nvPicPr>
+        <p:blipFill>
+          <a:blip r:embed="rId2">
+            <a:extLst>
+              <a:ext uri="{28A0092B-C50C-407E-A947-70E740481C1C}">
+                <a14:useLocalDpi xmlns:a14="http://schemas.microsoft.com/office/drawing/2010/main" val="0"/>
+              </a:ext>
+              <a:ext uri="{96DAC541-7B7A-43D3-8B79-37D633B846F1}">
+                <asvg:svgBlip xmlns:asvg="http://schemas.microsoft.com/office/drawing/2016/SVG/main" r:embed="rId3"/>
+              </a:ext>
+            </a:extLst>
+          </a:blip>
+          <a:stretch>
+            <a:fillRect/>
+          </a:stretch>
+        </p:blipFill>
+        <p:spPr>
+          <a:xfrm>
+            <a:off x="7461534" y="2896317"/>
+            <a:ext cx="914400" cy="914400"/>
+          </a:xfrm>
+          <a:prstGeom prst="rect">
+            <a:avLst/>
+          </a:prstGeom>
+        </p:spPr>
+      </p:pic>
+      <p:sp>
+        <p:nvSpPr>
+          <p:cNvPr id="10" name="TextBox 9">
+            <a:extLst>
+              <a:ext uri="{FF2B5EF4-FFF2-40B4-BE49-F238E27FC236}">
+                <a16:creationId xmlns:a16="http://schemas.microsoft.com/office/drawing/2014/main" id="{88592D6B-6579-4A40-BC8A-9DC9A7F26732}"/>
+              </a:ext>
+            </a:extLst>
+          </p:cNvPr>
+          <p:cNvSpPr txBox="1"/>
+          <p:nvPr/>
+        </p:nvSpPr>
+        <p:spPr>
+          <a:xfrm>
+            <a:off x="7461534" y="3858322"/>
+            <a:ext cx="918921" cy="369332"/>
+          </a:xfrm>
+          <a:prstGeom prst="rect">
+            <a:avLst/>
+          </a:prstGeom>
+          <a:noFill/>
+        </p:spPr>
+        <p:txBody>
+          <a:bodyPr wrap="square" rtlCol="0">
+            <a:spAutoFit/>
+          </a:bodyPr>
+          <a:lstStyle/>
+          <a:p>
+            <a:r>
+              <a:rPr lang="ko-KR" altLang="en-US" dirty="0"/>
+              <a:t>공급자</a:t>
+            </a:r>
+          </a:p>
+        </p:txBody>
+      </p:sp>
+      <p:sp>
+        <p:nvSpPr>
+          <p:cNvPr id="17" name="TextBox 16">
+            <a:extLst>
+              <a:ext uri="{FF2B5EF4-FFF2-40B4-BE49-F238E27FC236}">
+                <a16:creationId xmlns:a16="http://schemas.microsoft.com/office/drawing/2014/main" id="{EE66D131-60B7-4F11-9CF8-51C633F1643F}"/>
+              </a:ext>
+            </a:extLst>
+          </p:cNvPr>
+          <p:cNvSpPr txBox="1"/>
+          <p:nvPr/>
+        </p:nvSpPr>
+        <p:spPr>
+          <a:xfrm>
+            <a:off x="1136013" y="3905311"/>
+            <a:ext cx="936102" cy="369332"/>
+          </a:xfrm>
+          <a:prstGeom prst="rect">
+            <a:avLst/>
+          </a:prstGeom>
+          <a:noFill/>
+        </p:spPr>
+        <p:txBody>
+          <a:bodyPr wrap="square" rtlCol="0">
+            <a:spAutoFit/>
+          </a:bodyPr>
+          <a:lstStyle/>
+          <a:p>
+            <a:r>
+              <a:rPr lang="ko-KR" altLang="en-US" dirty="0"/>
+              <a:t>수요자</a:t>
+            </a:r>
+          </a:p>
+        </p:txBody>
+      </p:sp>
+      <p:cxnSp>
+        <p:nvCxnSpPr>
+          <p:cNvPr id="52" name="연결선: 꺾임 51">
+            <a:extLst>
+              <a:ext uri="{FF2B5EF4-FFF2-40B4-BE49-F238E27FC236}">
+                <a16:creationId xmlns:a16="http://schemas.microsoft.com/office/drawing/2014/main" id="{00EA773E-0725-413A-9F80-B275E3945468}"/>
+              </a:ext>
+            </a:extLst>
+          </p:cNvPr>
+          <p:cNvCxnSpPr>
+            <a:stCxn id="9" idx="0"/>
+            <a:endCxn id="3" idx="2"/>
+          </p:cNvCxnSpPr>
+          <p:nvPr/>
+        </p:nvCxnSpPr>
+        <p:spPr>
+          <a:xfrm rot="5400000" flipH="1" flipV="1">
+            <a:off x="2242317" y="1307877"/>
+            <a:ext cx="996503" cy="2294711"/>
+          </a:xfrm>
+          <a:prstGeom prst="bentConnector2">
+            <a:avLst/>
+          </a:prstGeom>
+          <a:ln>
+            <a:tailEnd type="triangle"/>
+          </a:ln>
+        </p:spPr>
+        <p:style>
+          <a:lnRef idx="2">
+            <a:schemeClr val="dk1"/>
+          </a:lnRef>
+          <a:fillRef idx="0">
+            <a:schemeClr val="dk1"/>
+          </a:fillRef>
+          <a:effectRef idx="1">
+            <a:schemeClr val="dk1"/>
+          </a:effectRef>
+          <a:fontRef idx="minor">
+            <a:schemeClr val="tx1"/>
+          </a:fontRef>
+        </p:style>
+      </p:cxnSp>
+      <p:cxnSp>
+        <p:nvCxnSpPr>
+          <p:cNvPr id="54" name="연결선: 꺾임 53">
+            <a:extLst>
+              <a:ext uri="{FF2B5EF4-FFF2-40B4-BE49-F238E27FC236}">
+                <a16:creationId xmlns:a16="http://schemas.microsoft.com/office/drawing/2014/main" id="{161B4F58-0F95-47D7-92EE-CC08926756CA}"/>
+              </a:ext>
+            </a:extLst>
+          </p:cNvPr>
+          <p:cNvCxnSpPr>
+            <a:stCxn id="9" idx="0"/>
+            <a:endCxn id="12" idx="2"/>
+          </p:cNvCxnSpPr>
+          <p:nvPr/>
+        </p:nvCxnSpPr>
+        <p:spPr>
+          <a:xfrm rot="5400000" flipH="1" flipV="1">
+            <a:off x="2523736" y="1599590"/>
+            <a:ext cx="423370" cy="2284417"/>
+          </a:xfrm>
+          <a:prstGeom prst="bentConnector2">
+            <a:avLst/>
+          </a:prstGeom>
+          <a:ln>
+            <a:tailEnd type="triangle"/>
+          </a:ln>
+        </p:spPr>
+        <p:style>
+          <a:lnRef idx="2">
+            <a:schemeClr val="dk1"/>
+          </a:lnRef>
+          <a:fillRef idx="0">
+            <a:schemeClr val="dk1"/>
+          </a:fillRef>
+          <a:effectRef idx="1">
+            <a:schemeClr val="dk1"/>
+          </a:effectRef>
+          <a:fontRef idx="minor">
+            <a:schemeClr val="tx1"/>
+          </a:fontRef>
+        </p:style>
+      </p:cxnSp>
+      <p:cxnSp>
+        <p:nvCxnSpPr>
+          <p:cNvPr id="62" name="연결선: 꺾임 61">
+            <a:extLst>
+              <a:ext uri="{FF2B5EF4-FFF2-40B4-BE49-F238E27FC236}">
+                <a16:creationId xmlns:a16="http://schemas.microsoft.com/office/drawing/2014/main" id="{10193B1A-B463-4FB5-A4A3-64A4A0AE7D8F}"/>
+              </a:ext>
+            </a:extLst>
+          </p:cNvPr>
+          <p:cNvCxnSpPr>
+            <a:stCxn id="24" idx="0"/>
+            <a:endCxn id="3" idx="6"/>
+          </p:cNvCxnSpPr>
+          <p:nvPr/>
+        </p:nvCxnSpPr>
+        <p:spPr>
+          <a:xfrm rot="16200000" flipV="1">
+            <a:off x="6117737" y="1095320"/>
+            <a:ext cx="939337" cy="2662658"/>
+          </a:xfrm>
+          <a:prstGeom prst="bentConnector2">
+            <a:avLst/>
+          </a:prstGeom>
+          <a:ln>
+            <a:tailEnd type="triangle"/>
+          </a:ln>
+        </p:spPr>
+        <p:style>
+          <a:lnRef idx="2">
+            <a:schemeClr val="dk1"/>
+          </a:lnRef>
+          <a:fillRef idx="0">
+            <a:schemeClr val="dk1"/>
+          </a:fillRef>
+          <a:effectRef idx="1">
+            <a:schemeClr val="dk1"/>
+          </a:effectRef>
+          <a:fontRef idx="minor">
+            <a:schemeClr val="tx1"/>
+          </a:fontRef>
+        </p:style>
+      </p:cxnSp>
+      <p:cxnSp>
+        <p:nvCxnSpPr>
+          <p:cNvPr id="64" name="연결선: 꺾임 63">
+            <a:extLst>
+              <a:ext uri="{FF2B5EF4-FFF2-40B4-BE49-F238E27FC236}">
+                <a16:creationId xmlns:a16="http://schemas.microsoft.com/office/drawing/2014/main" id="{DDD46FCB-07A6-4F9B-8B45-782538E3B27E}"/>
+              </a:ext>
+            </a:extLst>
+          </p:cNvPr>
+          <p:cNvCxnSpPr>
+            <a:stCxn id="24" idx="0"/>
+            <a:endCxn id="12" idx="6"/>
+          </p:cNvCxnSpPr>
+          <p:nvPr/>
+        </p:nvCxnSpPr>
+        <p:spPr>
+          <a:xfrm rot="16200000" flipV="1">
+            <a:off x="6399156" y="1376739"/>
+            <a:ext cx="366204" cy="2672952"/>
+          </a:xfrm>
+          <a:prstGeom prst="bentConnector2">
+            <a:avLst/>
+          </a:prstGeom>
+          <a:ln>
+            <a:tailEnd type="triangle"/>
+          </a:ln>
+        </p:spPr>
+        <p:style>
+          <a:lnRef idx="2">
+            <a:schemeClr val="dk1"/>
+          </a:lnRef>
+          <a:fillRef idx="0">
+            <a:schemeClr val="dk1"/>
+          </a:fillRef>
+          <a:effectRef idx="1">
+            <a:schemeClr val="dk1"/>
+          </a:effectRef>
+          <a:fontRef idx="minor">
+            <a:schemeClr val="tx1"/>
+          </a:fontRef>
+        </p:style>
+      </p:cxnSp>
+      <p:cxnSp>
+        <p:nvCxnSpPr>
+          <p:cNvPr id="87" name="연결선: 꺾임 86">
+            <a:extLst>
+              <a:ext uri="{FF2B5EF4-FFF2-40B4-BE49-F238E27FC236}">
+                <a16:creationId xmlns:a16="http://schemas.microsoft.com/office/drawing/2014/main" id="{64975769-6AEB-49C1-B837-B000979DE45B}"/>
+              </a:ext>
+            </a:extLst>
+          </p:cNvPr>
+          <p:cNvCxnSpPr>
+            <a:stCxn id="12" idx="4"/>
+            <a:endCxn id="13" idx="0"/>
+          </p:cNvCxnSpPr>
+          <p:nvPr/>
+        </p:nvCxnSpPr>
+        <p:spPr>
+          <a:xfrm rot="5400000">
+            <a:off x="4037925" y="2685670"/>
+            <a:ext cx="463314" cy="584249"/>
+          </a:xfrm>
+          <a:prstGeom prst="bentConnector3">
+            <a:avLst/>
+          </a:prstGeom>
+          <a:ln>
+            <a:tailEnd type="triangle"/>
+          </a:ln>
+        </p:spPr>
+        <p:style>
+          <a:lnRef idx="2">
+            <a:schemeClr val="dk1"/>
+          </a:lnRef>
+          <a:fillRef idx="0">
+            <a:schemeClr val="dk1"/>
+          </a:fillRef>
+          <a:effectRef idx="1">
+            <a:schemeClr val="dk1"/>
+          </a:effectRef>
+          <a:fontRef idx="minor">
+            <a:schemeClr val="tx1"/>
+          </a:fontRef>
+        </p:style>
+      </p:cxnSp>
+      <p:cxnSp>
+        <p:nvCxnSpPr>
+          <p:cNvPr id="89" name="연결선: 꺾임 88">
+            <a:extLst>
+              <a:ext uri="{FF2B5EF4-FFF2-40B4-BE49-F238E27FC236}">
+                <a16:creationId xmlns:a16="http://schemas.microsoft.com/office/drawing/2014/main" id="{8A589E54-CDF4-4733-9AA4-3467DD9122A2}"/>
+              </a:ext>
+            </a:extLst>
+          </p:cNvPr>
+          <p:cNvCxnSpPr>
+            <a:endCxn id="16" idx="0"/>
+          </p:cNvCxnSpPr>
+          <p:nvPr/>
+        </p:nvCxnSpPr>
+        <p:spPr>
+          <a:xfrm>
+            <a:off x="4576809" y="2777404"/>
+            <a:ext cx="696792" cy="435572"/>
+          </a:xfrm>
+          <a:prstGeom prst="bentConnector2">
+            <a:avLst/>
+          </a:prstGeom>
+          <a:ln>
+            <a:tailEnd type="triangle"/>
+          </a:ln>
+        </p:spPr>
+        <p:style>
+          <a:lnRef idx="2">
+            <a:schemeClr val="dk1"/>
+          </a:lnRef>
+          <a:fillRef idx="0">
+            <a:schemeClr val="dk1"/>
+          </a:fillRef>
+          <a:effectRef idx="1">
+            <a:schemeClr val="dk1"/>
+          </a:effectRef>
+          <a:fontRef idx="minor">
+            <a:schemeClr val="tx1"/>
+          </a:fontRef>
+        </p:style>
+      </p:cxnSp>
+      <p:cxnSp>
+        <p:nvCxnSpPr>
+          <p:cNvPr id="91" name="연결선: 꺾임 90">
+            <a:extLst>
+              <a:ext uri="{FF2B5EF4-FFF2-40B4-BE49-F238E27FC236}">
+                <a16:creationId xmlns:a16="http://schemas.microsoft.com/office/drawing/2014/main" id="{1694DEDB-E49F-4A01-95A8-E464B73F8B6E}"/>
+              </a:ext>
+            </a:extLst>
+          </p:cNvPr>
+          <p:cNvCxnSpPr>
+            <a:endCxn id="14" idx="0"/>
+          </p:cNvCxnSpPr>
+          <p:nvPr/>
+        </p:nvCxnSpPr>
+        <p:spPr>
+          <a:xfrm rot="10800000" flipV="1">
+            <a:off x="2638841" y="2780928"/>
+            <a:ext cx="1943454" cy="444672"/>
+          </a:xfrm>
+          <a:prstGeom prst="bentConnector2">
+            <a:avLst/>
+          </a:prstGeom>
+          <a:ln>
+            <a:tailEnd type="triangle"/>
+          </a:ln>
+        </p:spPr>
+        <p:style>
+          <a:lnRef idx="2">
+            <a:schemeClr val="dk1"/>
+          </a:lnRef>
+          <a:fillRef idx="0">
+            <a:schemeClr val="dk1"/>
+          </a:fillRef>
+          <a:effectRef idx="1">
+            <a:schemeClr val="dk1"/>
+          </a:effectRef>
+          <a:fontRef idx="minor">
+            <a:schemeClr val="tx1"/>
+          </a:fontRef>
+        </p:style>
+      </p:cxnSp>
+      <p:cxnSp>
+        <p:nvCxnSpPr>
+          <p:cNvPr id="93" name="연결선: 꺾임 92">
+            <a:extLst>
+              <a:ext uri="{FF2B5EF4-FFF2-40B4-BE49-F238E27FC236}">
+                <a16:creationId xmlns:a16="http://schemas.microsoft.com/office/drawing/2014/main" id="{199147E5-6BBF-49AE-A333-013F3154A338}"/>
+              </a:ext>
+            </a:extLst>
+          </p:cNvPr>
+          <p:cNvCxnSpPr>
+            <a:endCxn id="15" idx="0"/>
+          </p:cNvCxnSpPr>
+          <p:nvPr/>
+        </p:nvCxnSpPr>
+        <p:spPr>
+          <a:xfrm>
+            <a:off x="4582295" y="2802230"/>
+            <a:ext cx="2058551" cy="407221"/>
+          </a:xfrm>
+          <a:prstGeom prst="bentConnector2">
+            <a:avLst/>
+          </a:prstGeom>
+          <a:ln>
+            <a:tailEnd type="triangle"/>
+          </a:ln>
+        </p:spPr>
+        <p:style>
+          <a:lnRef idx="2">
+            <a:schemeClr val="dk1"/>
+          </a:lnRef>
+          <a:fillRef idx="0">
+            <a:schemeClr val="dk1"/>
+          </a:fillRef>
+          <a:effectRef idx="1">
+            <a:schemeClr val="dk1"/>
+          </a:effectRef>
+          <a:fontRef idx="minor">
+            <a:schemeClr val="tx1"/>
+          </a:fontRef>
+        </p:style>
+      </p:cxnSp>
+      <p:cxnSp>
+        <p:nvCxnSpPr>
+          <p:cNvPr id="97" name="연결선: 꺾임 96">
+            <a:extLst>
+              <a:ext uri="{FF2B5EF4-FFF2-40B4-BE49-F238E27FC236}">
+                <a16:creationId xmlns:a16="http://schemas.microsoft.com/office/drawing/2014/main" id="{F9601256-5D89-479E-9327-15ECEB17BC39}"/>
+              </a:ext>
+            </a:extLst>
+          </p:cNvPr>
+          <p:cNvCxnSpPr>
+            <a:stCxn id="16" idx="4"/>
+            <a:endCxn id="21" idx="6"/>
+          </p:cNvCxnSpPr>
+          <p:nvPr/>
+        </p:nvCxnSpPr>
+        <p:spPr>
+          <a:xfrm rot="16200000" flipH="1">
+            <a:off x="4947363" y="4331301"/>
+            <a:ext cx="663886" cy="11411"/>
+          </a:xfrm>
+          <a:prstGeom prst="bentConnector4">
+            <a:avLst>
+              <a:gd name="adj1" fmla="val 33730"/>
+              <a:gd name="adj2" fmla="val 7171466"/>
+            </a:avLst>
+          </a:prstGeom>
+          <a:ln>
+            <a:tailEnd type="triangle"/>
+          </a:ln>
+        </p:spPr>
+        <p:style>
+          <a:lnRef idx="2">
+            <a:schemeClr val="dk1"/>
+          </a:lnRef>
+          <a:fillRef idx="0">
+            <a:schemeClr val="dk1"/>
+          </a:fillRef>
+          <a:effectRef idx="1">
+            <a:schemeClr val="dk1"/>
+          </a:effectRef>
+          <a:fontRef idx="minor">
+            <a:schemeClr val="tx1"/>
+          </a:fontRef>
+        </p:style>
+      </p:cxnSp>
+      <p:cxnSp>
+        <p:nvCxnSpPr>
+          <p:cNvPr id="101" name="연결선: 꺾임 100">
+            <a:extLst>
+              <a:ext uri="{FF2B5EF4-FFF2-40B4-BE49-F238E27FC236}">
+                <a16:creationId xmlns:a16="http://schemas.microsoft.com/office/drawing/2014/main" id="{AFC00CEE-CD0A-44D9-8490-B22F36419B1D}"/>
+              </a:ext>
+            </a:extLst>
+          </p:cNvPr>
+          <p:cNvCxnSpPr>
+            <a:endCxn id="19" idx="6"/>
+          </p:cNvCxnSpPr>
+          <p:nvPr/>
+        </p:nvCxnSpPr>
+        <p:spPr>
+          <a:xfrm rot="16200000" flipH="1">
+            <a:off x="4669625" y="4609038"/>
+            <a:ext cx="1219363" cy="11412"/>
+          </a:xfrm>
+          <a:prstGeom prst="bentConnector4">
+            <a:avLst>
+              <a:gd name="adj1" fmla="val 41142"/>
+              <a:gd name="adj2" fmla="val 2103155"/>
+            </a:avLst>
+          </a:prstGeom>
+          <a:ln>
+            <a:tailEnd type="triangle"/>
+          </a:ln>
+        </p:spPr>
+        <p:style>
+          <a:lnRef idx="2">
+            <a:schemeClr val="dk1"/>
+          </a:lnRef>
+          <a:fillRef idx="0">
+            <a:schemeClr val="dk1"/>
+          </a:fillRef>
+          <a:effectRef idx="1">
+            <a:schemeClr val="dk1"/>
+          </a:effectRef>
+          <a:fontRef idx="minor">
+            <a:schemeClr val="tx1"/>
+          </a:fontRef>
+        </p:style>
+      </p:cxnSp>
+      <p:cxnSp>
+        <p:nvCxnSpPr>
+          <p:cNvPr id="103" name="연결선: 꺾임 102">
+            <a:extLst>
+              <a:ext uri="{FF2B5EF4-FFF2-40B4-BE49-F238E27FC236}">
+                <a16:creationId xmlns:a16="http://schemas.microsoft.com/office/drawing/2014/main" id="{7C7665A1-766B-4A2B-ACCD-0EF760F08E93}"/>
+              </a:ext>
+            </a:extLst>
+          </p:cNvPr>
+          <p:cNvCxnSpPr>
+            <a:stCxn id="14" idx="4"/>
+            <a:endCxn id="21" idx="2"/>
+          </p:cNvCxnSpPr>
+          <p:nvPr/>
+        </p:nvCxnSpPr>
+        <p:spPr>
+          <a:xfrm rot="16200000" flipH="1">
+            <a:off x="2772199" y="3524289"/>
+            <a:ext cx="1011302" cy="1278019"/>
+          </a:xfrm>
+          <a:prstGeom prst="bentConnector2">
+            <a:avLst/>
+          </a:prstGeom>
+          <a:ln>
+            <a:tailEnd type="triangle"/>
+          </a:ln>
+        </p:spPr>
+        <p:style>
+          <a:lnRef idx="2">
+            <a:schemeClr val="dk1"/>
+          </a:lnRef>
+          <a:fillRef idx="0">
+            <a:schemeClr val="dk1"/>
+          </a:fillRef>
+          <a:effectRef idx="1">
+            <a:schemeClr val="dk1"/>
+          </a:effectRef>
+          <a:fontRef idx="minor">
+            <a:schemeClr val="tx1"/>
+          </a:fontRef>
+        </p:style>
+      </p:cxnSp>
+      <p:cxnSp>
+        <p:nvCxnSpPr>
+          <p:cNvPr id="105" name="연결선: 꺾임 104">
+            <a:extLst>
+              <a:ext uri="{FF2B5EF4-FFF2-40B4-BE49-F238E27FC236}">
+                <a16:creationId xmlns:a16="http://schemas.microsoft.com/office/drawing/2014/main" id="{606DA976-5FC8-4045-BBF7-BD3319710240}"/>
+              </a:ext>
+            </a:extLst>
+          </p:cNvPr>
+          <p:cNvCxnSpPr>
+            <a:stCxn id="14" idx="4"/>
+            <a:endCxn id="19" idx="2"/>
+          </p:cNvCxnSpPr>
+          <p:nvPr/>
+        </p:nvCxnSpPr>
+        <p:spPr>
+          <a:xfrm rot="16200000" flipH="1">
+            <a:off x="2494461" y="3802027"/>
+            <a:ext cx="1566778" cy="1278019"/>
+          </a:xfrm>
+          <a:prstGeom prst="bentConnector2">
+            <a:avLst/>
+          </a:prstGeom>
+          <a:ln>
+            <a:tailEnd type="triangle"/>
+          </a:ln>
+        </p:spPr>
+        <p:style>
+          <a:lnRef idx="2">
+            <a:schemeClr val="dk1"/>
+          </a:lnRef>
+          <a:fillRef idx="0">
+            <a:schemeClr val="dk1"/>
+          </a:fillRef>
+          <a:effectRef idx="1">
+            <a:schemeClr val="dk1"/>
+          </a:effectRef>
+          <a:fontRef idx="minor">
+            <a:schemeClr val="tx1"/>
+          </a:fontRef>
+        </p:style>
+      </p:cxnSp>
     </p:spTree>
     <p:extLst>
       <p:ext uri="{BB962C8B-B14F-4D97-AF65-F5344CB8AC3E}">
@@ -5215,7 +6958,7 @@
 </p:sld>
 </file>
 
-<file path=ppt/slides/slide14.xml><?xml version="1.0" encoding="utf-8"?>
+<file path=ppt/slides/slide15.xml><?xml version="1.0" encoding="utf-8"?>
 <p:sld xmlns:a="http://schemas.openxmlformats.org/drawingml/2006/main" xmlns:r="http://schemas.openxmlformats.org/officeDocument/2006/relationships" xmlns:p="http://schemas.openxmlformats.org/presentationml/2006/main">
   <p:cSld>
     <p:bg>
@@ -5351,7 +7094,7 @@
 </p:sld>
 </file>
 
-<file path=ppt/slides/slide15.xml><?xml version="1.0" encoding="utf-8"?>
+<file path=ppt/slides/slide16.xml><?xml version="1.0" encoding="utf-8"?>
 <p:sld xmlns:a="http://schemas.openxmlformats.org/drawingml/2006/main" xmlns:r="http://schemas.openxmlformats.org/officeDocument/2006/relationships" xmlns:p="http://schemas.openxmlformats.org/presentationml/2006/main">
   <p:cSld>
     <p:spTree>
@@ -5837,7 +7580,7 @@
                   <a:srgbClr val="C00000"/>
                 </a:solidFill>
               </a:rPr>
-              <a:t>=&gt; </a:t>
+              <a:t>	  =&gt; </a:t>
             </a:r>
             <a:r>
               <a:rPr lang="ko-KR" altLang="en-US" sz="2400" dirty="0">
@@ -5890,8 +7633,8 @@
         </p:nvGrpSpPr>
         <p:grpSpPr>
           <a:xfrm>
-            <a:off x="1763688" y="2051578"/>
-            <a:ext cx="3103022" cy="3136906"/>
+            <a:off x="1763687" y="2051578"/>
+            <a:ext cx="6552727" cy="3136906"/>
             <a:chOff x="2405112" y="2564904"/>
             <a:chExt cx="3103022" cy="3136906"/>
           </a:xfrm>
@@ -6037,7 +7780,7 @@
                     </a:schemeClr>
                   </a:solidFill>
                 </a:rPr>
-                <a:t>User interface management</a:t>
+                <a:t>User interface management, Web function</a:t>
               </a:r>
             </a:p>
             <a:p>
@@ -6051,7 +7794,7 @@
                     </a:schemeClr>
                   </a:solidFill>
                 </a:rPr>
-                <a:t>(</a:t>
+                <a:t>(Java servlet + apache + tomcat + </a:t>
               </a:r>
               <a:r>
                 <a:rPr lang="en-US" dirty="0" err="1">
@@ -6062,7 +7805,7 @@
                     </a:schemeClr>
                   </a:solidFill>
                 </a:rPr>
-                <a:t>javascript</a:t>
+                <a:t>jsp</a:t>
               </a:r>
               <a:r>
                 <a:rPr lang="en-US" dirty="0">
@@ -6439,7 +8182,7 @@
 </p:sld>
 </file>
 
-<file path=ppt/slides/slide16.xml><?xml version="1.0" encoding="utf-8"?>
+<file path=ppt/slides/slide17.xml><?xml version="1.0" encoding="utf-8"?>
 <p:sld xmlns:a="http://schemas.openxmlformats.org/drawingml/2006/main" xmlns:r="http://schemas.openxmlformats.org/officeDocument/2006/relationships" xmlns:p="http://schemas.openxmlformats.org/presentationml/2006/main">
   <p:cSld>
     <p:bg>
@@ -6473,7 +8216,7 @@
         <p:spPr>
           <a:xfrm>
             <a:off x="1835696" y="2929071"/>
-            <a:ext cx="5112569" cy="1477328"/>
+            <a:ext cx="5112569" cy="553998"/>
           </a:xfrm>
           <a:prstGeom prst="rect">
             <a:avLst/>
@@ -6545,13 +8288,10 @@
                 <a:latin typeface="Yoon 윤고딕 520_TT" pitchFamily="18" charset="-127"/>
                 <a:ea typeface="Yoon 윤고딕 520_TT" pitchFamily="18" charset="-127"/>
               </a:rPr>
-              <a:t>Model</a:t>
-            </a:r>
-          </a:p>
-          <a:p>
-            <a:pPr algn="ctr"/>
-            <a:r>
-              <a:rPr lang="en-US" altLang="ko-KR" sz="3000" b="1" dirty="0">
+              <a:t>Model </a:t>
+            </a:r>
+            <a:r>
+              <a:rPr lang="ko-KR" altLang="en-US" sz="3000" b="1" dirty="0">
                 <a:ln>
                   <a:solidFill>
                     <a:schemeClr val="bg1">
@@ -6568,31 +8308,25 @@
                 <a:latin typeface="Yoon 윤고딕 520_TT" pitchFamily="18" charset="-127"/>
                 <a:ea typeface="Yoon 윤고딕 520_TT" pitchFamily="18" charset="-127"/>
               </a:rPr>
-              <a:t>&amp;</a:t>
-            </a:r>
-          </a:p>
-          <a:p>
-            <a:pPr algn="ctr"/>
-            <a:r>
-              <a:rPr lang="en-US" altLang="ko-KR" sz="3000" b="1" dirty="0">
-                <a:ln>
-                  <a:solidFill>
-                    <a:schemeClr val="bg1">
-                      <a:lumMod val="85000"/>
-                      <a:alpha val="30000"/>
-                    </a:schemeClr>
-                  </a:solidFill>
-                </a:ln>
+              <a:t>및 개발 단계</a:t>
+            </a:r>
+            <a:endParaRPr lang="en-US" altLang="ko-KR" sz="3000" b="1" dirty="0">
+              <a:ln>
                 <a:solidFill>
                   <a:schemeClr val="bg1">
-                    <a:lumMod val="95000"/>
+                    <a:lumMod val="85000"/>
+                    <a:alpha val="30000"/>
                   </a:schemeClr>
                 </a:solidFill>
-                <a:latin typeface="Yoon 윤고딕 520_TT" pitchFamily="18" charset="-127"/>
-                <a:ea typeface="Yoon 윤고딕 520_TT" pitchFamily="18" charset="-127"/>
-              </a:rPr>
-              <a:t>Plan</a:t>
-            </a:r>
+              </a:ln>
+              <a:solidFill>
+                <a:schemeClr val="bg1">
+                  <a:lumMod val="95000"/>
+                </a:schemeClr>
+              </a:solidFill>
+              <a:latin typeface="Yoon 윤고딕 520_TT" pitchFamily="18" charset="-127"/>
+              <a:ea typeface="Yoon 윤고딕 520_TT" pitchFamily="18" charset="-127"/>
+            </a:endParaRPr>
           </a:p>
         </p:txBody>
       </p:sp>
@@ -6600,1003 +8334,6 @@
     <p:extLst>
       <p:ext uri="{BB962C8B-B14F-4D97-AF65-F5344CB8AC3E}">
         <p14:creationId xmlns:p14="http://schemas.microsoft.com/office/powerpoint/2010/main" val="2818201740"/>
-      </p:ext>
-    </p:extLst>
-  </p:cSld>
-  <p:clrMapOvr>
-    <a:masterClrMapping/>
-  </p:clrMapOvr>
-  <mc:AlternateContent xmlns:mc="http://schemas.openxmlformats.org/markup-compatibility/2006" xmlns:p14="http://schemas.microsoft.com/office/powerpoint/2010/main">
-    <mc:Choice Requires="p14">
-      <p:transition spd="med" p14:dur="700">
-        <p:fade/>
-      </p:transition>
-    </mc:Choice>
-    <mc:Fallback xmlns="">
-      <p:transition spd="med">
-        <p:fade/>
-      </p:transition>
-    </mc:Fallback>
-  </mc:AlternateContent>
-</p:sld>
-</file>
-
-<file path=ppt/slides/slide17.xml><?xml version="1.0" encoding="utf-8"?>
-<p:sld xmlns:a="http://schemas.openxmlformats.org/drawingml/2006/main" xmlns:r="http://schemas.openxmlformats.org/officeDocument/2006/relationships" xmlns:p="http://schemas.openxmlformats.org/presentationml/2006/main">
-  <p:cSld>
-    <p:spTree>
-      <p:nvGrpSpPr>
-        <p:cNvPr id="1" name=""/>
-        <p:cNvGrpSpPr/>
-        <p:nvPr/>
-      </p:nvGrpSpPr>
-      <p:grpSpPr>
-        <a:xfrm>
-          <a:off x="0" y="0"/>
-          <a:ext cx="0" cy="0"/>
-          <a:chOff x="0" y="0"/>
-          <a:chExt cx="0" cy="0"/>
-        </a:xfrm>
-      </p:grpSpPr>
-      <p:cxnSp>
-        <p:nvCxnSpPr>
-          <p:cNvPr id="4" name="직선 연결선 3"/>
-          <p:cNvCxnSpPr/>
-          <p:nvPr/>
-        </p:nvCxnSpPr>
-        <p:spPr>
-          <a:xfrm>
-            <a:off x="679558" y="-307239"/>
-            <a:ext cx="0" cy="7472476"/>
-          </a:xfrm>
-          <a:prstGeom prst="line">
-            <a:avLst/>
-          </a:prstGeom>
-          <a:ln>
-            <a:solidFill>
-              <a:schemeClr val="bg1">
-                <a:lumMod val="65000"/>
-                <a:alpha val="50000"/>
-              </a:schemeClr>
-            </a:solidFill>
-          </a:ln>
-        </p:spPr>
-        <p:style>
-          <a:lnRef idx="1">
-            <a:schemeClr val="accent1"/>
-          </a:lnRef>
-          <a:fillRef idx="0">
-            <a:schemeClr val="accent1"/>
-          </a:fillRef>
-          <a:effectRef idx="0">
-            <a:schemeClr val="accent1"/>
-          </a:effectRef>
-          <a:fontRef idx="minor">
-            <a:schemeClr val="tx1"/>
-          </a:fontRef>
-        </p:style>
-      </p:cxnSp>
-      <p:cxnSp>
-        <p:nvCxnSpPr>
-          <p:cNvPr id="5" name="직선 연결선 4"/>
-          <p:cNvCxnSpPr/>
-          <p:nvPr/>
-        </p:nvCxnSpPr>
-        <p:spPr>
-          <a:xfrm flipH="1">
-            <a:off x="683568" y="548680"/>
-            <a:ext cx="9295796" cy="0"/>
-          </a:xfrm>
-          <a:prstGeom prst="line">
-            <a:avLst/>
-          </a:prstGeom>
-          <a:ln>
-            <a:solidFill>
-              <a:schemeClr val="bg1">
-                <a:lumMod val="65000"/>
-                <a:alpha val="50000"/>
-              </a:schemeClr>
-            </a:solidFill>
-          </a:ln>
-        </p:spPr>
-        <p:style>
-          <a:lnRef idx="1">
-            <a:schemeClr val="accent1"/>
-          </a:lnRef>
-          <a:fillRef idx="0">
-            <a:schemeClr val="accent1"/>
-          </a:fillRef>
-          <a:effectRef idx="0">
-            <a:schemeClr val="accent1"/>
-          </a:effectRef>
-          <a:fontRef idx="minor">
-            <a:schemeClr val="tx1"/>
-          </a:fontRef>
-        </p:style>
-      </p:cxnSp>
-      <p:sp>
-        <p:nvSpPr>
-          <p:cNvPr id="6" name="TextBox 5"/>
-          <p:cNvSpPr txBox="1"/>
-          <p:nvPr/>
-        </p:nvSpPr>
-        <p:spPr>
-          <a:xfrm>
-            <a:off x="856948" y="161536"/>
-            <a:ext cx="2880313" cy="369332"/>
-          </a:xfrm>
-          <a:prstGeom prst="rect">
-            <a:avLst/>
-          </a:prstGeom>
-          <a:noFill/>
-        </p:spPr>
-        <p:txBody>
-          <a:bodyPr wrap="square" rtlCol="0">
-            <a:spAutoFit/>
-          </a:bodyPr>
-          <a:lstStyle/>
-          <a:p>
-            <a:pPr algn="ctr"/>
-            <a:r>
-              <a:rPr lang="en-US" altLang="ko-KR" dirty="0">
-                <a:ln>
-                  <a:solidFill>
-                    <a:schemeClr val="tx1">
-                      <a:alpha val="30000"/>
-                    </a:schemeClr>
-                  </a:solidFill>
-                </a:ln>
-                <a:solidFill>
-                  <a:srgbClr val="272123"/>
-                </a:solidFill>
-                <a:latin typeface="Yoon 윤고딕 520_TT" pitchFamily="18" charset="-127"/>
-                <a:ea typeface="Yoon 윤고딕 520_TT" pitchFamily="18" charset="-127"/>
-              </a:rPr>
-              <a:t>Process</a:t>
-            </a:r>
-            <a:r>
-              <a:rPr lang="ko-KR" altLang="en-US" dirty="0">
-                <a:ln>
-                  <a:solidFill>
-                    <a:schemeClr val="tx1">
-                      <a:alpha val="30000"/>
-                    </a:schemeClr>
-                  </a:solidFill>
-                </a:ln>
-                <a:solidFill>
-                  <a:srgbClr val="272123"/>
-                </a:solidFill>
-                <a:latin typeface="Yoon 윤고딕 520_TT" pitchFamily="18" charset="-127"/>
-                <a:ea typeface="Yoon 윤고딕 520_TT" pitchFamily="18" charset="-127"/>
-              </a:rPr>
-              <a:t> </a:t>
-            </a:r>
-            <a:r>
-              <a:rPr lang="en-US" altLang="ko-KR" dirty="0">
-                <a:ln>
-                  <a:solidFill>
-                    <a:schemeClr val="tx1">
-                      <a:alpha val="30000"/>
-                    </a:schemeClr>
-                  </a:solidFill>
-                </a:ln>
-                <a:solidFill>
-                  <a:srgbClr val="272123"/>
-                </a:solidFill>
-                <a:latin typeface="Yoon 윤고딕 520_TT" pitchFamily="18" charset="-127"/>
-                <a:ea typeface="Yoon 윤고딕 520_TT" pitchFamily="18" charset="-127"/>
-              </a:rPr>
-              <a:t>model</a:t>
-            </a:r>
-          </a:p>
-        </p:txBody>
-      </p:sp>
-      <p:sp>
-        <p:nvSpPr>
-          <p:cNvPr id="9" name="직사각형 8"/>
-          <p:cNvSpPr/>
-          <p:nvPr/>
-        </p:nvSpPr>
-        <p:spPr>
-          <a:xfrm>
-            <a:off x="2433" y="882386"/>
-            <a:ext cx="834325" cy="343501"/>
-          </a:xfrm>
-          <a:prstGeom prst="rect">
-            <a:avLst/>
-          </a:prstGeom>
-          <a:solidFill>
-            <a:srgbClr val="272123"/>
-          </a:solidFill>
-          <a:ln>
-            <a:noFill/>
-          </a:ln>
-        </p:spPr>
-        <p:style>
-          <a:lnRef idx="2">
-            <a:schemeClr val="accent1">
-              <a:shade val="50000"/>
-            </a:schemeClr>
-          </a:lnRef>
-          <a:fillRef idx="1">
-            <a:schemeClr val="accent1"/>
-          </a:fillRef>
-          <a:effectRef idx="0">
-            <a:schemeClr val="accent1"/>
-          </a:effectRef>
-          <a:fontRef idx="minor">
-            <a:schemeClr val="lt1"/>
-          </a:fontRef>
-        </p:style>
-        <p:txBody>
-          <a:bodyPr rtlCol="0" anchor="ctr"/>
-          <a:lstStyle/>
-          <a:p>
-            <a:pPr algn="ctr"/>
-            <a:endParaRPr lang="ko-KR" altLang="en-US"/>
-          </a:p>
-        </p:txBody>
-      </p:sp>
-      <p:sp>
-        <p:nvSpPr>
-          <p:cNvPr id="10" name="직각 삼각형 9"/>
-          <p:cNvSpPr/>
-          <p:nvPr/>
-        </p:nvSpPr>
-        <p:spPr>
-          <a:xfrm rot="5400000">
-            <a:off x="718128" y="1210699"/>
-            <a:ext cx="81142" cy="108000"/>
-          </a:xfrm>
-          <a:prstGeom prst="rtTriangle">
-            <a:avLst/>
-          </a:prstGeom>
-          <a:solidFill>
-            <a:schemeClr val="tx1"/>
-          </a:solidFill>
-          <a:ln>
-            <a:solidFill>
-              <a:schemeClr val="tx1"/>
-            </a:solidFill>
-          </a:ln>
-        </p:spPr>
-        <p:style>
-          <a:lnRef idx="2">
-            <a:schemeClr val="accent1">
-              <a:shade val="50000"/>
-            </a:schemeClr>
-          </a:lnRef>
-          <a:fillRef idx="1">
-            <a:schemeClr val="accent1"/>
-          </a:fillRef>
-          <a:effectRef idx="0">
-            <a:schemeClr val="accent1"/>
-          </a:effectRef>
-          <a:fontRef idx="minor">
-            <a:schemeClr val="lt1"/>
-          </a:fontRef>
-        </p:style>
-        <p:txBody>
-          <a:bodyPr rtlCol="0" anchor="ctr"/>
-          <a:lstStyle/>
-          <a:p>
-            <a:pPr algn="ctr"/>
-            <a:endParaRPr lang="ko-KR" altLang="en-US"/>
-          </a:p>
-        </p:txBody>
-      </p:sp>
-      <p:sp>
-        <p:nvSpPr>
-          <p:cNvPr id="24" name="TextBox 23"/>
-          <p:cNvSpPr txBox="1"/>
-          <p:nvPr/>
-        </p:nvSpPr>
-        <p:spPr>
-          <a:xfrm>
-            <a:off x="123549" y="882386"/>
-            <a:ext cx="541363" cy="338554"/>
-          </a:xfrm>
-          <a:prstGeom prst="rect">
-            <a:avLst/>
-          </a:prstGeom>
-          <a:noFill/>
-        </p:spPr>
-        <p:txBody>
-          <a:bodyPr wrap="square" rtlCol="0">
-            <a:spAutoFit/>
-          </a:bodyPr>
-          <a:lstStyle/>
-          <a:p>
-            <a:r>
-              <a:rPr lang="en-US" altLang="ko-KR" sz="1600" b="1" dirty="0">
-                <a:ln>
-                  <a:solidFill>
-                    <a:schemeClr val="tx1">
-                      <a:alpha val="30000"/>
-                    </a:schemeClr>
-                  </a:solidFill>
-                </a:ln>
-                <a:solidFill>
-                  <a:schemeClr val="bg1">
-                    <a:lumMod val="85000"/>
-                  </a:schemeClr>
-                </a:solidFill>
-                <a:latin typeface="Yoon 윤고딕 520_TT" pitchFamily="18" charset="-127"/>
-                <a:ea typeface="Yoon 윤고딕 520_TT" pitchFamily="18" charset="-127"/>
-              </a:rPr>
-              <a:t>01</a:t>
-            </a:r>
-          </a:p>
-        </p:txBody>
-      </p:sp>
-      <p:sp>
-        <p:nvSpPr>
-          <p:cNvPr id="12" name="TextBox 11">
-            <a:extLst>
-              <a:ext uri="{FF2B5EF4-FFF2-40B4-BE49-F238E27FC236}">
-                <a16:creationId xmlns:a16="http://schemas.microsoft.com/office/drawing/2014/main" id="{59E25418-175A-451B-A1AF-6F2DEB26B125}"/>
-              </a:ext>
-            </a:extLst>
-          </p:cNvPr>
-          <p:cNvSpPr txBox="1"/>
-          <p:nvPr/>
-        </p:nvSpPr>
-        <p:spPr>
-          <a:xfrm>
-            <a:off x="946157" y="724142"/>
-            <a:ext cx="8074285" cy="5791778"/>
-          </a:xfrm>
-          <a:prstGeom prst="rect">
-            <a:avLst/>
-          </a:prstGeom>
-          <a:noFill/>
-        </p:spPr>
-        <p:txBody>
-          <a:bodyPr wrap="square" rtlCol="0">
-            <a:spAutoFit/>
-          </a:bodyPr>
-          <a:lstStyle/>
-          <a:p>
-            <a:pPr marL="342900" indent="-342900">
-              <a:lnSpc>
-                <a:spcPct val="150000"/>
-              </a:lnSpc>
-              <a:buFont typeface="Arial" panose="020B0604020202020204" pitchFamily="34" charset="0"/>
-              <a:buChar char="•"/>
-            </a:pPr>
-            <a:r>
-              <a:rPr lang="ko-KR" altLang="en-US" sz="2400" dirty="0"/>
-              <a:t>사용 </a:t>
-            </a:r>
-            <a:r>
-              <a:rPr lang="en-US" altLang="ko-KR" sz="2400" dirty="0"/>
-              <a:t>Waterfall</a:t>
-            </a:r>
-          </a:p>
-          <a:p>
-            <a:pPr>
-              <a:lnSpc>
-                <a:spcPct val="150000"/>
-              </a:lnSpc>
-            </a:pPr>
-            <a:endParaRPr lang="en-US" altLang="ko-KR" sz="1000" dirty="0"/>
-          </a:p>
-          <a:p>
-            <a:pPr>
-              <a:lnSpc>
-                <a:spcPct val="150000"/>
-              </a:lnSpc>
-            </a:pPr>
-            <a:r>
-              <a:rPr lang="ko-KR" altLang="en-US" sz="2400" dirty="0">
-                <a:highlight>
-                  <a:srgbClr val="C0C0C0"/>
-                </a:highlight>
-              </a:rPr>
-              <a:t>단계별 개발 내용</a:t>
-            </a:r>
-            <a:endParaRPr lang="en-US" altLang="ko-KR" sz="2400" dirty="0">
-              <a:highlight>
-                <a:srgbClr val="C0C0C0"/>
-              </a:highlight>
-            </a:endParaRPr>
-          </a:p>
-          <a:p>
-            <a:pPr marL="457200" indent="-457200">
-              <a:lnSpc>
-                <a:spcPct val="150000"/>
-              </a:lnSpc>
-              <a:buAutoNum type="arabicPeriod"/>
-            </a:pPr>
-            <a:r>
-              <a:rPr lang="ko-KR" altLang="en-US" sz="2400" dirty="0"/>
-              <a:t>기존 프로그램의 문제점 분석 및 목표 정의 </a:t>
-            </a:r>
-            <a:endParaRPr lang="en-US" altLang="ko-KR" sz="2400" dirty="0"/>
-          </a:p>
-          <a:p>
-            <a:pPr>
-              <a:lnSpc>
-                <a:spcPct val="150000"/>
-              </a:lnSpc>
-            </a:pPr>
-            <a:r>
-              <a:rPr lang="en-US" altLang="ko-KR" sz="2400" dirty="0"/>
-              <a:t>2.</a:t>
-            </a:r>
-            <a:r>
-              <a:rPr lang="ko-KR" altLang="en-US" sz="2400" dirty="0"/>
-              <a:t> </a:t>
-            </a:r>
-            <a:r>
-              <a:rPr lang="en-US" altLang="ko-KR" sz="2400" dirty="0"/>
-              <a:t> </a:t>
-            </a:r>
-            <a:r>
-              <a:rPr lang="ko-KR" altLang="en-US" sz="2400" dirty="0"/>
-              <a:t>기존 프로그램 </a:t>
-            </a:r>
-            <a:r>
-              <a:rPr lang="en-US" altLang="ko-KR" sz="2400" dirty="0"/>
-              <a:t>web</a:t>
-            </a:r>
-            <a:r>
-              <a:rPr lang="ko-KR" altLang="en-US" sz="2400" dirty="0"/>
-              <a:t>기반으로 재구성</a:t>
-            </a:r>
-            <a:r>
-              <a:rPr lang="en-US" altLang="ko-KR" sz="2400" dirty="0"/>
-              <a:t> (</a:t>
-            </a:r>
-            <a:r>
-              <a:rPr lang="ko-KR" altLang="en-US" sz="2400" dirty="0"/>
-              <a:t>게시판 구분</a:t>
-            </a:r>
-            <a:r>
-              <a:rPr lang="en-US" altLang="ko-KR" sz="2400" dirty="0"/>
-              <a:t>)</a:t>
-            </a:r>
-            <a:r>
-              <a:rPr lang="ko-KR" altLang="en-US" sz="2400" dirty="0"/>
-              <a:t> </a:t>
-            </a:r>
-            <a:r>
-              <a:rPr lang="en-US" altLang="ko-KR" sz="1200" dirty="0"/>
-              <a:t>~5.20</a:t>
-            </a:r>
-            <a:endParaRPr lang="en-US" altLang="ko-KR" sz="2400" dirty="0"/>
-          </a:p>
-          <a:p>
-            <a:pPr>
-              <a:lnSpc>
-                <a:spcPct val="150000"/>
-              </a:lnSpc>
-            </a:pPr>
-            <a:r>
-              <a:rPr lang="en-US" altLang="ko-KR" sz="2400" dirty="0"/>
-              <a:t>3.</a:t>
-            </a:r>
-            <a:r>
-              <a:rPr lang="ko-KR" altLang="en-US" sz="2400" dirty="0"/>
-              <a:t> </a:t>
-            </a:r>
-            <a:r>
-              <a:rPr lang="en-US" altLang="ko-KR" sz="2400" dirty="0"/>
-              <a:t> </a:t>
-            </a:r>
-            <a:r>
-              <a:rPr lang="ko-KR" altLang="en-US" sz="2400" dirty="0"/>
-              <a:t>기존의 </a:t>
-            </a:r>
-            <a:r>
-              <a:rPr lang="en-US" altLang="ko-KR" sz="2400" dirty="0"/>
-              <a:t>file</a:t>
-            </a:r>
-            <a:r>
-              <a:rPr lang="ko-KR" altLang="en-US" sz="2400" dirty="0"/>
-              <a:t> </a:t>
-            </a:r>
-            <a:r>
-              <a:rPr lang="en-US" altLang="ko-KR" sz="2400" dirty="0"/>
-              <a:t>system</a:t>
-            </a:r>
-            <a:r>
-              <a:rPr lang="ko-KR" altLang="en-US" sz="2400" dirty="0"/>
-              <a:t>을 데이터베이스 기반으로 변경</a:t>
-            </a:r>
-            <a:r>
-              <a:rPr lang="en-US" altLang="ko-KR" sz="2400" dirty="0"/>
-              <a:t> </a:t>
-            </a:r>
-            <a:r>
-              <a:rPr lang="en-US" altLang="ko-KR" sz="1200" dirty="0"/>
-              <a:t>~5.22</a:t>
-            </a:r>
-          </a:p>
-          <a:p>
-            <a:pPr>
-              <a:lnSpc>
-                <a:spcPct val="150000"/>
-              </a:lnSpc>
-            </a:pPr>
-            <a:r>
-              <a:rPr lang="en-US" altLang="ko-KR" sz="2400" dirty="0"/>
-              <a:t>4.</a:t>
-            </a:r>
-            <a:r>
-              <a:rPr lang="ko-KR" altLang="en-US" sz="2400" dirty="0"/>
-              <a:t> </a:t>
-            </a:r>
-            <a:r>
-              <a:rPr lang="en-US" altLang="ko-KR" sz="2400" dirty="0"/>
-              <a:t> </a:t>
-            </a:r>
-            <a:r>
-              <a:rPr lang="ko-KR" altLang="en-US" sz="2400" dirty="0"/>
-              <a:t>추가 기능</a:t>
-            </a:r>
-            <a:r>
-              <a:rPr lang="en-US" altLang="ko-KR" sz="2400" dirty="0"/>
-              <a:t>(</a:t>
-            </a:r>
-            <a:r>
-              <a:rPr lang="ko-KR" altLang="en-US" sz="2400" dirty="0"/>
-              <a:t>신고 기능</a:t>
-            </a:r>
-            <a:r>
-              <a:rPr lang="en-US" altLang="ko-KR" sz="2400" dirty="0"/>
-              <a:t>,</a:t>
-            </a:r>
-            <a:r>
-              <a:rPr lang="ko-KR" altLang="en-US" sz="2400" dirty="0"/>
-              <a:t> 고객간 평가</a:t>
-            </a:r>
-            <a:r>
-              <a:rPr lang="en-US" altLang="ko-KR" sz="2400" dirty="0"/>
-              <a:t>)</a:t>
-            </a:r>
-            <a:r>
-              <a:rPr lang="ko-KR" altLang="en-US" sz="2400" dirty="0"/>
-              <a:t> </a:t>
-            </a:r>
-            <a:r>
-              <a:rPr lang="en-US" altLang="ko-KR" sz="1200" dirty="0"/>
-              <a:t>~5.28</a:t>
-            </a:r>
-          </a:p>
-          <a:p>
-            <a:pPr>
-              <a:lnSpc>
-                <a:spcPct val="150000"/>
-              </a:lnSpc>
-            </a:pPr>
-            <a:r>
-              <a:rPr lang="en-US" altLang="ko-KR" sz="2400" dirty="0"/>
-              <a:t>5.</a:t>
-            </a:r>
-            <a:r>
-              <a:rPr lang="ko-KR" altLang="en-US" sz="2400" dirty="0"/>
-              <a:t> </a:t>
-            </a:r>
-            <a:r>
-              <a:rPr lang="en-US" altLang="ko-KR" sz="2400" dirty="0"/>
-              <a:t> </a:t>
-            </a:r>
-            <a:r>
-              <a:rPr lang="ko-KR" altLang="en-US" sz="2400" dirty="0"/>
-              <a:t>트랜잭션 처리</a:t>
-            </a:r>
-            <a:r>
-              <a:rPr lang="en-US" altLang="ko-KR" sz="2400" dirty="0"/>
-              <a:t>(5</a:t>
-            </a:r>
-            <a:r>
-              <a:rPr lang="ko-KR" altLang="en-US" sz="2400" dirty="0"/>
-              <a:t>명까지 동시접속</a:t>
-            </a:r>
-            <a:r>
-              <a:rPr lang="en-US" altLang="ko-KR" sz="2400" dirty="0"/>
-              <a:t>)</a:t>
-            </a:r>
-            <a:r>
-              <a:rPr lang="ko-KR" altLang="en-US" sz="2400" dirty="0"/>
-              <a:t> </a:t>
-            </a:r>
-            <a:r>
-              <a:rPr lang="en-US" altLang="ko-KR" sz="1200" dirty="0"/>
-              <a:t>~5.30</a:t>
-            </a:r>
-          </a:p>
-          <a:p>
-            <a:pPr>
-              <a:lnSpc>
-                <a:spcPct val="150000"/>
-              </a:lnSpc>
-            </a:pPr>
-            <a:r>
-              <a:rPr lang="en-US" altLang="ko-KR" sz="2400" dirty="0"/>
-              <a:t>6.</a:t>
-            </a:r>
-            <a:r>
-              <a:rPr lang="ko-KR" altLang="en-US" sz="2400" dirty="0"/>
-              <a:t> </a:t>
-            </a:r>
-            <a:r>
-              <a:rPr lang="en-US" altLang="ko-KR" sz="2400" dirty="0"/>
-              <a:t> </a:t>
-            </a:r>
-            <a:r>
-              <a:rPr lang="ko-KR" altLang="en-US" sz="2400" dirty="0"/>
-              <a:t>코트 통합 및 </a:t>
-            </a:r>
-            <a:r>
-              <a:rPr lang="en-US" altLang="ko-KR" sz="2400" dirty="0"/>
-              <a:t>refactoring</a:t>
-            </a:r>
-            <a:r>
-              <a:rPr lang="ko-KR" altLang="en-US" sz="2400" dirty="0"/>
-              <a:t> </a:t>
-            </a:r>
-            <a:r>
-              <a:rPr lang="en-US" altLang="ko-KR" sz="1200" dirty="0"/>
-              <a:t>~6.3</a:t>
-            </a:r>
-          </a:p>
-          <a:p>
-            <a:pPr>
-              <a:lnSpc>
-                <a:spcPct val="150000"/>
-              </a:lnSpc>
-            </a:pPr>
-            <a:r>
-              <a:rPr lang="en-US" altLang="ko-KR" sz="2400" dirty="0"/>
-              <a:t>7.  Testing</a:t>
-            </a:r>
-            <a:r>
-              <a:rPr lang="ko-KR" altLang="en-US" sz="2400" dirty="0"/>
-              <a:t> </a:t>
-            </a:r>
-            <a:r>
-              <a:rPr lang="en-US" altLang="ko-KR" sz="2400" dirty="0"/>
-              <a:t>(</a:t>
-            </a:r>
-            <a:r>
-              <a:rPr lang="ko-KR" altLang="en-US" sz="2400" dirty="0"/>
-              <a:t>각 기능별 </a:t>
-            </a:r>
-            <a:r>
-              <a:rPr lang="en-US" altLang="ko-KR" sz="2400" dirty="0"/>
-              <a:t>5</a:t>
-            </a:r>
-            <a:r>
-              <a:rPr lang="ko-KR" altLang="en-US" sz="2400" dirty="0"/>
-              <a:t>개</a:t>
-            </a:r>
-            <a:r>
-              <a:rPr lang="en-US" altLang="ko-KR" sz="2400" dirty="0"/>
-              <a:t> </a:t>
-            </a:r>
-            <a:r>
-              <a:rPr lang="ko-KR" altLang="en-US" sz="2400" dirty="0"/>
-              <a:t>이상의 </a:t>
-            </a:r>
-            <a:r>
-              <a:rPr lang="en-US" altLang="ko-KR" sz="2400" dirty="0"/>
-              <a:t>testing case) </a:t>
-            </a:r>
-            <a:r>
-              <a:rPr lang="en-US" altLang="ko-KR" sz="1200" dirty="0"/>
-              <a:t>~6.12</a:t>
-            </a:r>
-          </a:p>
-          <a:p>
-            <a:pPr marL="457200" indent="-457200">
-              <a:lnSpc>
-                <a:spcPct val="150000"/>
-              </a:lnSpc>
-              <a:buAutoNum type="arabicPeriod"/>
-            </a:pPr>
-            <a:endParaRPr lang="en-US" altLang="ko-KR" sz="2400" dirty="0"/>
-          </a:p>
-        </p:txBody>
-      </p:sp>
-      <p:sp>
-        <p:nvSpPr>
-          <p:cNvPr id="15" name="직각 삼각형 9">
-            <a:extLst>
-              <a:ext uri="{FF2B5EF4-FFF2-40B4-BE49-F238E27FC236}">
-                <a16:creationId xmlns:a16="http://schemas.microsoft.com/office/drawing/2014/main" id="{D6F347D8-005C-364C-814F-71D065263CD6}"/>
-              </a:ext>
-            </a:extLst>
-          </p:cNvPr>
-          <p:cNvSpPr/>
-          <p:nvPr/>
-        </p:nvSpPr>
-        <p:spPr>
-          <a:xfrm rot="5400000">
-            <a:off x="718128" y="1210699"/>
-            <a:ext cx="81142" cy="108000"/>
-          </a:xfrm>
-          <a:prstGeom prst="rtTriangle">
-            <a:avLst/>
-          </a:prstGeom>
-          <a:solidFill>
-            <a:schemeClr val="tx1"/>
-          </a:solidFill>
-          <a:ln>
-            <a:solidFill>
-              <a:schemeClr val="tx1"/>
-            </a:solidFill>
-          </a:ln>
-        </p:spPr>
-        <p:style>
-          <a:lnRef idx="2">
-            <a:schemeClr val="accent1">
-              <a:shade val="50000"/>
-            </a:schemeClr>
-          </a:lnRef>
-          <a:fillRef idx="1">
-            <a:schemeClr val="accent1"/>
-          </a:fillRef>
-          <a:effectRef idx="0">
-            <a:schemeClr val="accent1"/>
-          </a:effectRef>
-          <a:fontRef idx="minor">
-            <a:schemeClr val="lt1"/>
-          </a:fontRef>
-        </p:style>
-        <p:txBody>
-          <a:bodyPr rtlCol="0" anchor="ctr"/>
-          <a:lstStyle/>
-          <a:p>
-            <a:pPr algn="ctr"/>
-            <a:endParaRPr lang="ko-KR" altLang="en-US"/>
-          </a:p>
-        </p:txBody>
-      </p:sp>
-      <p:sp>
-        <p:nvSpPr>
-          <p:cNvPr id="16" name="직사각형 8">
-            <a:extLst>
-              <a:ext uri="{FF2B5EF4-FFF2-40B4-BE49-F238E27FC236}">
-                <a16:creationId xmlns:a16="http://schemas.microsoft.com/office/drawing/2014/main" id="{64E60828-18F5-4E46-AC15-EC67238BC9C4}"/>
-              </a:ext>
-            </a:extLst>
-          </p:cNvPr>
-          <p:cNvSpPr/>
-          <p:nvPr/>
-        </p:nvSpPr>
-        <p:spPr>
-          <a:xfrm>
-            <a:off x="-9283" y="877188"/>
-            <a:ext cx="834325" cy="343501"/>
-          </a:xfrm>
-          <a:prstGeom prst="rect">
-            <a:avLst/>
-          </a:prstGeom>
-          <a:solidFill>
-            <a:srgbClr val="272123"/>
-          </a:solidFill>
-          <a:ln>
-            <a:noFill/>
-          </a:ln>
-        </p:spPr>
-        <p:style>
-          <a:lnRef idx="2">
-            <a:schemeClr val="accent1">
-              <a:shade val="50000"/>
-            </a:schemeClr>
-          </a:lnRef>
-          <a:fillRef idx="1">
-            <a:schemeClr val="accent1"/>
-          </a:fillRef>
-          <a:effectRef idx="0">
-            <a:schemeClr val="accent1"/>
-          </a:effectRef>
-          <a:fontRef idx="minor">
-            <a:schemeClr val="lt1"/>
-          </a:fontRef>
-        </p:style>
-        <p:txBody>
-          <a:bodyPr rtlCol="0" anchor="ctr"/>
-          <a:lstStyle/>
-          <a:p>
-            <a:pPr algn="ctr"/>
-            <a:endParaRPr lang="ko-KR" altLang="en-US"/>
-          </a:p>
-        </p:txBody>
-      </p:sp>
-      <p:sp>
-        <p:nvSpPr>
-          <p:cNvPr id="17" name="직각 삼각형 9">
-            <a:extLst>
-              <a:ext uri="{FF2B5EF4-FFF2-40B4-BE49-F238E27FC236}">
-                <a16:creationId xmlns:a16="http://schemas.microsoft.com/office/drawing/2014/main" id="{B29C3B39-7473-6646-B89A-75919E19EA7A}"/>
-              </a:ext>
-            </a:extLst>
-          </p:cNvPr>
-          <p:cNvSpPr/>
-          <p:nvPr/>
-        </p:nvSpPr>
-        <p:spPr>
-          <a:xfrm rot="5400000">
-            <a:off x="702755" y="1207262"/>
-            <a:ext cx="81142" cy="108000"/>
-          </a:xfrm>
-          <a:prstGeom prst="rtTriangle">
-            <a:avLst/>
-          </a:prstGeom>
-          <a:solidFill>
-            <a:schemeClr val="tx1"/>
-          </a:solidFill>
-          <a:ln>
-            <a:solidFill>
-              <a:schemeClr val="tx1"/>
-            </a:solidFill>
-          </a:ln>
-        </p:spPr>
-        <p:style>
-          <a:lnRef idx="2">
-            <a:schemeClr val="accent1">
-              <a:shade val="50000"/>
-            </a:schemeClr>
-          </a:lnRef>
-          <a:fillRef idx="1">
-            <a:schemeClr val="accent1"/>
-          </a:fillRef>
-          <a:effectRef idx="0">
-            <a:schemeClr val="accent1"/>
-          </a:effectRef>
-          <a:fontRef idx="minor">
-            <a:schemeClr val="lt1"/>
-          </a:fontRef>
-        </p:style>
-        <p:txBody>
-          <a:bodyPr rtlCol="0" anchor="ctr"/>
-          <a:lstStyle/>
-          <a:p>
-            <a:pPr algn="ctr"/>
-            <a:endParaRPr lang="ko-KR" altLang="en-US"/>
-          </a:p>
-        </p:txBody>
-      </p:sp>
-      <p:sp>
-        <p:nvSpPr>
-          <p:cNvPr id="18" name="TextBox 17">
-            <a:extLst>
-              <a:ext uri="{FF2B5EF4-FFF2-40B4-BE49-F238E27FC236}">
-                <a16:creationId xmlns:a16="http://schemas.microsoft.com/office/drawing/2014/main" id="{23DCE065-8AF2-1F4D-B9A8-EA49531452B0}"/>
-              </a:ext>
-            </a:extLst>
-          </p:cNvPr>
-          <p:cNvSpPr txBox="1"/>
-          <p:nvPr/>
-        </p:nvSpPr>
-        <p:spPr>
-          <a:xfrm>
-            <a:off x="123549" y="882386"/>
-            <a:ext cx="541363" cy="338554"/>
-          </a:xfrm>
-          <a:prstGeom prst="rect">
-            <a:avLst/>
-          </a:prstGeom>
-          <a:noFill/>
-        </p:spPr>
-        <p:txBody>
-          <a:bodyPr wrap="square" rtlCol="0">
-            <a:spAutoFit/>
-          </a:bodyPr>
-          <a:lstStyle/>
-          <a:p>
-            <a:r>
-              <a:rPr lang="en-US" altLang="ko-KR" sz="1600" b="1" dirty="0">
-                <a:ln>
-                  <a:solidFill>
-                    <a:schemeClr val="bg1">
-                      <a:lumMod val="75000"/>
-                      <a:alpha val="30000"/>
-                    </a:schemeClr>
-                  </a:solidFill>
-                </a:ln>
-                <a:solidFill>
-                  <a:schemeClr val="bg1">
-                    <a:lumMod val="75000"/>
-                  </a:schemeClr>
-                </a:solidFill>
-                <a:latin typeface="Yoon 윤고딕 520_TT" pitchFamily="18" charset="-127"/>
-                <a:ea typeface="Yoon 윤고딕 520_TT" pitchFamily="18" charset="-127"/>
-              </a:rPr>
-              <a:t>01</a:t>
-            </a:r>
-          </a:p>
-        </p:txBody>
-      </p:sp>
-      <p:sp>
-        <p:nvSpPr>
-          <p:cNvPr id="19" name="TextBox 18">
-            <a:extLst>
-              <a:ext uri="{FF2B5EF4-FFF2-40B4-BE49-F238E27FC236}">
-                <a16:creationId xmlns:a16="http://schemas.microsoft.com/office/drawing/2014/main" id="{38DB7CBD-7C4B-5A42-9254-C2AE331A2BDD}"/>
-              </a:ext>
-            </a:extLst>
-          </p:cNvPr>
-          <p:cNvSpPr txBox="1"/>
-          <p:nvPr/>
-        </p:nvSpPr>
-        <p:spPr>
-          <a:xfrm>
-            <a:off x="107504" y="1340768"/>
-            <a:ext cx="450395" cy="338554"/>
-          </a:xfrm>
-          <a:prstGeom prst="rect">
-            <a:avLst/>
-          </a:prstGeom>
-          <a:noFill/>
-        </p:spPr>
-        <p:txBody>
-          <a:bodyPr wrap="square" rtlCol="0">
-            <a:spAutoFit/>
-          </a:bodyPr>
-          <a:lstStyle/>
-          <a:p>
-            <a:r>
-              <a:rPr lang="en-US" altLang="ko-KR" sz="1600" b="1" dirty="0">
-                <a:ln>
-                  <a:solidFill>
-                    <a:schemeClr val="tx1">
-                      <a:alpha val="30000"/>
-                    </a:schemeClr>
-                  </a:solidFill>
-                </a:ln>
-                <a:solidFill>
-                  <a:schemeClr val="bg1">
-                    <a:lumMod val="85000"/>
-                  </a:schemeClr>
-                </a:solidFill>
-                <a:latin typeface="Yoon 윤고딕 520_TT" pitchFamily="18" charset="-127"/>
-                <a:ea typeface="Yoon 윤고딕 520_TT" pitchFamily="18" charset="-127"/>
-              </a:rPr>
-              <a:t>02</a:t>
-            </a:r>
-          </a:p>
-        </p:txBody>
-      </p:sp>
-      <p:sp>
-        <p:nvSpPr>
-          <p:cNvPr id="2" name="TextBox 1">
-            <a:extLst>
-              <a:ext uri="{FF2B5EF4-FFF2-40B4-BE49-F238E27FC236}">
-                <a16:creationId xmlns:a16="http://schemas.microsoft.com/office/drawing/2014/main" id="{FB631A25-A95D-4F42-989D-374FFE0B204B}"/>
-              </a:ext>
-            </a:extLst>
-          </p:cNvPr>
-          <p:cNvSpPr txBox="1"/>
-          <p:nvPr/>
-        </p:nvSpPr>
-        <p:spPr>
-          <a:xfrm>
-            <a:off x="954593" y="4280598"/>
-            <a:ext cx="184731" cy="369332"/>
-          </a:xfrm>
-          <a:prstGeom prst="rect">
-            <a:avLst/>
-          </a:prstGeom>
-          <a:noFill/>
-        </p:spPr>
-        <p:txBody>
-          <a:bodyPr wrap="none" rtlCol="0">
-            <a:spAutoFit/>
-          </a:bodyPr>
-          <a:lstStyle/>
-          <a:p>
-            <a:endParaRPr lang="en-US" dirty="0"/>
-          </a:p>
-        </p:txBody>
-      </p:sp>
-    </p:spTree>
-    <p:extLst>
-      <p:ext uri="{BB962C8B-B14F-4D97-AF65-F5344CB8AC3E}">
-        <p14:creationId xmlns:p14="http://schemas.microsoft.com/office/powerpoint/2010/main" val="370233019"/>
       </p:ext>
     </p:extLst>
   </p:cSld>
@@ -8066,13 +8803,14 @@
               <a:buChar char="•"/>
             </a:pPr>
             <a:r>
-              <a:rPr lang="ko-KR" altLang="en-US" sz="2400" dirty="0"/>
-              <a:t>사용 </a:t>
-            </a:r>
-            <a:r>
               <a:rPr lang="en-US" altLang="ko-KR" sz="2400" dirty="0"/>
               <a:t>Prototyping </a:t>
             </a:r>
+            <a:r>
+              <a:rPr lang="ko-KR" altLang="en-US" sz="2400" dirty="0"/>
+              <a:t>사용</a:t>
+            </a:r>
+            <a:endParaRPr lang="en-US" altLang="ko-KR" sz="2400" dirty="0"/>
           </a:p>
           <a:p>
             <a:pPr>
@@ -8111,7 +8849,24 @@
             </a:pPr>
             <a:r>
               <a:rPr lang="ko-KR" altLang="en-US" sz="2400" dirty="0"/>
-              <a:t>기존 프로그램의 문제점 분석 및 목표 정의 </a:t>
+              <a:t>기존 프로그램 분석</a:t>
+            </a:r>
+            <a:endParaRPr lang="en-US" altLang="ko-KR" sz="2400" dirty="0"/>
+          </a:p>
+          <a:p>
+            <a:pPr marL="457200" indent="-457200">
+              <a:lnSpc>
+                <a:spcPct val="150000"/>
+              </a:lnSpc>
+              <a:buAutoNum type="arabicPeriod" startAt="2"/>
+            </a:pPr>
+            <a:r>
+              <a:rPr lang="en-US" altLang="ko-KR" sz="2400" dirty="0"/>
+              <a:t>web </a:t>
+            </a:r>
+            <a:r>
+              <a:rPr lang="ko-KR" altLang="en-US" sz="2400" dirty="0"/>
+              <a:t>기반의 인터페이스 구성</a:t>
             </a:r>
             <a:endParaRPr lang="en-US" altLang="ko-KR" sz="2400" dirty="0"/>
           </a:p>
@@ -8123,7 +8878,7 @@
             </a:pPr>
             <a:r>
               <a:rPr lang="en-US" altLang="ko-KR" sz="2400" dirty="0"/>
-              <a:t>2.</a:t>
+              <a:t>3.</a:t>
             </a:r>
             <a:r>
               <a:rPr lang="ko-KR" altLang="en-US" sz="2400" dirty="0"/>
@@ -8131,88 +8886,13 @@
             </a:r>
             <a:r>
               <a:rPr lang="en-US" altLang="ko-KR" sz="2400" dirty="0"/>
-              <a:t> </a:t>
+              <a:t> DB </a:t>
             </a:r>
             <a:r>
               <a:rPr lang="ko-KR" altLang="en-US" sz="2400" dirty="0"/>
-              <a:t>기존 프로그램 </a:t>
-            </a:r>
-            <a:r>
-              <a:rPr lang="en-US" altLang="ko-KR" sz="2400" dirty="0"/>
-              <a:t>web</a:t>
-            </a:r>
-            <a:r>
-              <a:rPr lang="ko-KR" altLang="en-US" sz="2400" dirty="0"/>
-              <a:t>기반으로 재구성</a:t>
-            </a:r>
-            <a:r>
-              <a:rPr lang="en-US" altLang="ko-KR" sz="2400" dirty="0"/>
-              <a:t> (</a:t>
-            </a:r>
-            <a:r>
-              <a:rPr lang="ko-KR" altLang="en-US" sz="2400" dirty="0"/>
-              <a:t>게시판 구분</a:t>
-            </a:r>
-            <a:r>
-              <a:rPr lang="en-US" altLang="ko-KR" sz="2400" dirty="0"/>
-              <a:t>)</a:t>
-            </a:r>
-            <a:r>
-              <a:rPr lang="ko-KR" altLang="en-US" sz="2400" dirty="0"/>
-              <a:t> </a:t>
-            </a:r>
-            <a:r>
-              <a:rPr lang="en-US" altLang="ko-KR" sz="1200" dirty="0"/>
-              <a:t>~5.20</a:t>
-            </a:r>
-            <a:endParaRPr lang="en-US" altLang="ko-KR" sz="2400" dirty="0"/>
-          </a:p>
-          <a:p>
-            <a:pPr>
-              <a:lnSpc>
-                <a:spcPct val="150000"/>
-              </a:lnSpc>
-            </a:pPr>
-            <a:r>
-              <a:rPr lang="en-US" altLang="ko-KR" sz="2400" dirty="0"/>
-              <a:t>3.</a:t>
-            </a:r>
-            <a:r>
-              <a:rPr lang="ko-KR" altLang="en-US" sz="2400" dirty="0"/>
-              <a:t> </a:t>
-            </a:r>
-            <a:r>
-              <a:rPr lang="en-US" altLang="ko-KR" sz="2400" dirty="0"/>
-              <a:t> </a:t>
-            </a:r>
-            <a:r>
-              <a:rPr lang="ko-KR" altLang="en-US" sz="2400" dirty="0"/>
-              <a:t>기존의 </a:t>
-            </a:r>
-            <a:r>
-              <a:rPr lang="en-US" altLang="ko-KR" sz="2400" dirty="0"/>
-              <a:t>file</a:t>
-            </a:r>
-            <a:r>
-              <a:rPr lang="ko-KR" altLang="en-US" sz="2400" dirty="0"/>
-              <a:t> </a:t>
-            </a:r>
-            <a:r>
-              <a:rPr lang="en-US" altLang="ko-KR" sz="2400" dirty="0"/>
-              <a:t>system</a:t>
-            </a:r>
-            <a:r>
-              <a:rPr lang="ko-KR" altLang="en-US" sz="2400" dirty="0"/>
-              <a:t>을 데이터베이스 기반으로 변경</a:t>
-            </a:r>
-            <a:r>
-              <a:rPr lang="en-US" altLang="ko-KR" sz="2400" dirty="0"/>
-              <a:t> </a:t>
-            </a:r>
-            <a:r>
-              <a:rPr lang="en-US" altLang="ko-KR" sz="1200" dirty="0"/>
-              <a:t>~5.22</a:t>
-            </a:r>
+              <a:t>모델 설계 및 구현</a:t>
+            </a:r>
+            <a:endParaRPr lang="en-US" altLang="ko-KR" sz="1200" dirty="0"/>
           </a:p>
           <a:p>
             <a:pPr marL="457200" indent="-457200">
@@ -8222,28 +8902,20 @@
               <a:buAutoNum type="arabicPeriod" startAt="4"/>
             </a:pPr>
             <a:r>
+              <a:rPr lang="en-US" altLang="ko-KR" sz="2400" dirty="0"/>
+              <a:t>Web</a:t>
+            </a:r>
+            <a:r>
               <a:rPr lang="ko-KR" altLang="en-US" sz="2400" dirty="0"/>
-              <a:t>기본적인 웹의 기능 구현과 데이터 베이스 구현을 </a:t>
-            </a:r>
-            <a:r>
-              <a:rPr lang="ko-KR" altLang="en-US" sz="2400" dirty="0" err="1"/>
-              <a:t>완</a:t>
+              <a:t>프로그램의 기능 구현 및 </a:t>
             </a:r>
             <a:r>
               <a:rPr lang="en-US" altLang="ko-KR" sz="2400" dirty="0"/>
-              <a:t>	</a:t>
+              <a:t>DB </a:t>
             </a:r>
             <a:r>
               <a:rPr lang="ko-KR" altLang="en-US" sz="2400" dirty="0"/>
-              <a:t>료한 이후 추가 기능은 버전 별로 구현해 마지막 버</a:t>
-            </a:r>
-            <a:r>
-              <a:rPr lang="en-US" altLang="ko-KR" sz="2400" dirty="0"/>
-              <a:t>	</a:t>
-            </a:r>
-            <a:r>
-              <a:rPr lang="ko-KR" altLang="en-US" sz="2400" dirty="0"/>
-              <a:t>전을 제출할 예정</a:t>
+              <a:t>연결</a:t>
             </a:r>
             <a:endParaRPr lang="en-US" altLang="ko-KR" sz="2400" dirty="0"/>
           </a:p>
@@ -8255,73 +8927,74 @@
               <a:buAutoNum type="arabicPeriod" startAt="4"/>
             </a:pPr>
             <a:r>
+              <a:rPr lang="ko-KR" altLang="en-US" sz="2400" dirty="0"/>
+              <a:t>추가 기능 구현</a:t>
+            </a:r>
+            <a:endParaRPr lang="en-US" altLang="ko-KR" sz="2400" dirty="0"/>
+          </a:p>
+          <a:p>
+            <a:pPr lvl="1">
+              <a:lnSpc>
+                <a:spcPct val="150000"/>
+              </a:lnSpc>
+            </a:pPr>
+            <a:r>
+              <a:rPr lang="en-US" altLang="ko-KR" sz="2400" dirty="0"/>
+              <a:t>1. </a:t>
+            </a:r>
+            <a:r>
+              <a:rPr lang="ko-KR" altLang="en-US" sz="2400" dirty="0"/>
+              <a:t>회원가입 및 로그인</a:t>
+            </a:r>
+            <a:endParaRPr lang="en-US" altLang="ko-KR" sz="2400" dirty="0"/>
+          </a:p>
+          <a:p>
+            <a:pPr lvl="1">
+              <a:lnSpc>
+                <a:spcPct val="150000"/>
+              </a:lnSpc>
+            </a:pPr>
+            <a:r>
+              <a:rPr lang="en-US" altLang="ko-KR" sz="2400" dirty="0"/>
+              <a:t>2. </a:t>
+            </a:r>
+            <a:r>
+              <a:rPr lang="ko-KR" altLang="en-US" sz="2400" dirty="0"/>
+              <a:t>검색</a:t>
+            </a:r>
+            <a:r>
+              <a:rPr lang="en-US" altLang="ko-KR" sz="2400" dirty="0"/>
+              <a:t>, </a:t>
+            </a:r>
+            <a:r>
               <a:rPr lang="ko-KR" altLang="en-US" sz="2400" dirty="0" err="1"/>
-              <a:t>추가기능</a:t>
+              <a:t>별점</a:t>
+            </a:r>
+            <a:r>
+              <a:rPr lang="en-US" altLang="ko-KR" sz="2400" dirty="0"/>
+              <a:t>, </a:t>
             </a:r>
             <a:r>
               <a:rPr lang="ko-KR" altLang="en-US" sz="2400" dirty="0"/>
-              <a:t> </a:t>
-            </a:r>
+              <a:t>후기</a:t>
+            </a:r>
+            <a:endParaRPr lang="en-US" altLang="ko-KR" sz="2400" dirty="0"/>
+          </a:p>
+          <a:p>
+            <a:pPr lvl="1">
+              <a:lnSpc>
+                <a:spcPct val="150000"/>
+              </a:lnSpc>
+            </a:pPr>
             <a:r>
               <a:rPr lang="en-US" altLang="ko-KR" sz="2400" dirty="0"/>
-              <a:t>(1-</a:t>
+              <a:t>3. </a:t>
             </a:r>
             <a:r>
               <a:rPr lang="ko-KR" altLang="en-US" sz="2400" dirty="0"/>
-              <a:t> </a:t>
-            </a:r>
-            <a:r>
-              <a:rPr lang="ko-KR" altLang="en-US" sz="2400" dirty="0" err="1"/>
-              <a:t>신고기능</a:t>
-            </a:r>
-            <a:r>
-              <a:rPr lang="en-US" altLang="ko-KR" sz="2400" dirty="0"/>
-              <a:t>,</a:t>
-            </a:r>
-            <a:r>
-              <a:rPr lang="ko-KR" altLang="en-US" sz="2400" dirty="0"/>
-              <a:t> </a:t>
-            </a:r>
-            <a:r>
-              <a:rPr lang="en-US" altLang="ko-KR" sz="2400" dirty="0"/>
-              <a:t>2-</a:t>
-            </a:r>
-            <a:r>
-              <a:rPr lang="ko-KR" altLang="en-US" sz="2400" dirty="0"/>
-              <a:t> </a:t>
-            </a:r>
-            <a:r>
-              <a:rPr lang="ko-KR" altLang="en-US" sz="2400" dirty="0" err="1"/>
-              <a:t>별점기능</a:t>
-            </a:r>
-            <a:r>
-              <a:rPr lang="en-US" altLang="ko-KR" sz="2400" dirty="0"/>
-              <a:t>,</a:t>
-            </a:r>
-            <a:r>
-              <a:rPr lang="ko-KR" altLang="en-US" sz="2400" dirty="0"/>
-              <a:t> </a:t>
-            </a:r>
-            <a:r>
-              <a:rPr lang="en-US" altLang="ko-KR" sz="2400" dirty="0"/>
-              <a:t>3-</a:t>
-            </a:r>
-            <a:r>
-              <a:rPr lang="ko-KR" altLang="en-US" sz="2400" dirty="0"/>
-              <a:t> 사용자와 소비자간 후기 전송 기능</a:t>
-            </a:r>
-            <a:r>
-              <a:rPr lang="en-US" altLang="ko-KR" sz="2400" dirty="0"/>
-              <a:t>, 4- </a:t>
-            </a:r>
-            <a:r>
-              <a:rPr lang="ko-KR" altLang="en-US" sz="2400" dirty="0"/>
-              <a:t>라이브 채팅</a:t>
-            </a:r>
-            <a:r>
-              <a:rPr lang="en-US" altLang="ko-KR" sz="2400" dirty="0"/>
-              <a:t>)</a:t>
-            </a:r>
+              <a:t>신고하기</a:t>
+            </a:r>
+            <a:endParaRPr lang="en-US" altLang="ko-KR" sz="2400" dirty="0"/>
           </a:p>
         </p:txBody>
       </p:sp>
@@ -8538,56 +9211,6 @@
       </p:sp>
       <p:sp>
         <p:nvSpPr>
-          <p:cNvPr id="15" name="TextBox 14">
-            <a:extLst>
-              <a:ext uri="{FF2B5EF4-FFF2-40B4-BE49-F238E27FC236}">
-                <a16:creationId xmlns:a16="http://schemas.microsoft.com/office/drawing/2014/main" id="{1E636E77-8628-2F44-9550-15CC07BADBD2}"/>
-              </a:ext>
-            </a:extLst>
-          </p:cNvPr>
-          <p:cNvSpPr txBox="1"/>
-          <p:nvPr/>
-        </p:nvSpPr>
-        <p:spPr>
-          <a:xfrm>
-            <a:off x="107504" y="1340768"/>
-            <a:ext cx="450395" cy="338554"/>
-          </a:xfrm>
-          <a:prstGeom prst="rect">
-            <a:avLst/>
-          </a:prstGeom>
-          <a:noFill/>
-        </p:spPr>
-        <p:txBody>
-          <a:bodyPr wrap="square" rtlCol="0">
-            <a:spAutoFit/>
-          </a:bodyPr>
-          <a:lstStyle/>
-          <a:p>
-            <a:r>
-              <a:rPr lang="en-US" altLang="ko-KR" sz="1600" b="1" dirty="0">
-                <a:ln>
-                  <a:solidFill>
-                    <a:schemeClr val="tx1">
-                      <a:alpha val="30000"/>
-                    </a:schemeClr>
-                  </a:solidFill>
-                </a:ln>
-                <a:solidFill>
-                  <a:schemeClr val="bg1">
-                    <a:lumMod val="85000"/>
-                  </a:schemeClr>
-                </a:solidFill>
-                <a:latin typeface="Yoon 윤고딕 520_TT" pitchFamily="18" charset="-127"/>
-                <a:ea typeface="Yoon 윤고딕 520_TT" pitchFamily="18" charset="-127"/>
-              </a:rPr>
-              <a:t>02</a:t>
-            </a:r>
-          </a:p>
-        </p:txBody>
-      </p:sp>
-      <p:sp>
-        <p:nvSpPr>
           <p:cNvPr id="16" name="TextBox 15">
             <a:extLst>
               <a:ext uri="{FF2B5EF4-FFF2-40B4-BE49-F238E27FC236}">
@@ -8634,6 +9257,14 @@
 <file path=ppt/slides/slide19.xml><?xml version="1.0" encoding="utf-8"?>
 <p:sld xmlns:a="http://schemas.openxmlformats.org/drawingml/2006/main" xmlns:r="http://schemas.openxmlformats.org/officeDocument/2006/relationships" xmlns:p="http://schemas.openxmlformats.org/presentationml/2006/main">
   <p:cSld>
+    <p:bg>
+      <p:bgPr>
+        <a:solidFill>
+          <a:srgbClr val="272123"/>
+        </a:solidFill>
+        <a:effectLst/>
+      </p:bgPr>
+    </p:bg>
     <p:spTree>
       <p:nvGrpSpPr>
         <p:cNvPr id="1" name=""/>
@@ -8648,98 +9279,16 @@
           <a:chExt cx="0" cy="0"/>
         </a:xfrm>
       </p:grpSpPr>
-      <p:cxnSp>
-        <p:nvCxnSpPr>
-          <p:cNvPr id="4" name="직선 연결선 3"/>
-          <p:cNvCxnSpPr/>
-          <p:nvPr/>
-        </p:nvCxnSpPr>
-        <p:spPr>
-          <a:xfrm>
-            <a:off x="683568" y="-371068"/>
-            <a:ext cx="0" cy="7472476"/>
-          </a:xfrm>
-          <a:prstGeom prst="line">
-            <a:avLst/>
-          </a:prstGeom>
-          <a:ln>
-            <a:solidFill>
-              <a:schemeClr val="bg1">
-                <a:lumMod val="65000"/>
-                <a:alpha val="50000"/>
-              </a:schemeClr>
-            </a:solidFill>
-          </a:ln>
-        </p:spPr>
-        <p:style>
-          <a:lnRef idx="1">
-            <a:schemeClr val="accent1"/>
-          </a:lnRef>
-          <a:fillRef idx="0">
-            <a:schemeClr val="accent1"/>
-          </a:fillRef>
-          <a:effectRef idx="0">
-            <a:schemeClr val="accent1"/>
-          </a:effectRef>
-          <a:fontRef idx="minor">
-            <a:schemeClr val="tx1"/>
-          </a:fontRef>
-        </p:style>
-      </p:cxnSp>
-      <p:cxnSp>
-        <p:nvCxnSpPr>
-          <p:cNvPr id="5" name="직선 연결선 4"/>
-          <p:cNvCxnSpPr/>
-          <p:nvPr/>
-        </p:nvCxnSpPr>
-        <p:spPr>
-          <a:xfrm flipH="1">
-            <a:off x="692540" y="548680"/>
-            <a:ext cx="9295796" cy="0"/>
-          </a:xfrm>
-          <a:prstGeom prst="line">
-            <a:avLst/>
-          </a:prstGeom>
-          <a:ln>
-            <a:solidFill>
-              <a:schemeClr val="bg1">
-                <a:lumMod val="65000"/>
-                <a:alpha val="50000"/>
-              </a:schemeClr>
-            </a:solidFill>
-          </a:ln>
-        </p:spPr>
-        <p:style>
-          <a:lnRef idx="1">
-            <a:schemeClr val="accent1"/>
-          </a:lnRef>
-          <a:fillRef idx="0">
-            <a:schemeClr val="accent1"/>
-          </a:fillRef>
-          <a:effectRef idx="0">
-            <a:schemeClr val="accent1"/>
-          </a:effectRef>
-          <a:fontRef idx="minor">
-            <a:schemeClr val="tx1"/>
-          </a:fontRef>
-        </p:style>
-      </p:cxnSp>
-      <p:sp>
-        <p:nvSpPr>
-          <p:cNvPr id="11" name="TextBox 10">
-            <a:extLst>
-              <a:ext uri="{FF2B5EF4-FFF2-40B4-BE49-F238E27FC236}">
-                <a16:creationId xmlns:a16="http://schemas.microsoft.com/office/drawing/2014/main" id="{A70519F6-9568-4265-8053-2BA1DA3677DE}"/>
-              </a:ext>
-            </a:extLst>
-          </p:cNvPr>
+      <p:sp>
+        <p:nvSpPr>
+          <p:cNvPr id="4" name="TextBox 3"/>
           <p:cNvSpPr txBox="1"/>
           <p:nvPr/>
         </p:nvSpPr>
         <p:spPr>
           <a:xfrm>
-            <a:off x="1043607" y="138482"/>
-            <a:ext cx="2448267" cy="369332"/>
+            <a:off x="683568" y="3075057"/>
+            <a:ext cx="3333024" cy="707886"/>
           </a:xfrm>
           <a:prstGeom prst="rect">
             <a:avLst/>
@@ -8752,746 +9301,33 @@
           </a:bodyPr>
           <a:lstStyle/>
           <a:p>
-            <a:pPr algn="ctr"/>
-            <a:r>
-              <a:rPr lang="en-US" altLang="ko-KR" dirty="0">
+            <a:r>
+              <a:rPr lang="en-US" altLang="ko-KR" sz="4000" b="1" dirty="0">
                 <a:ln>
                   <a:solidFill>
-                    <a:schemeClr val="tx1">
-                      <a:alpha val="30000"/>
-                    </a:schemeClr>
-                  </a:solidFill>
-                </a:ln>
-                <a:solidFill>
-                  <a:srgbClr val="272123"/>
-                </a:solidFill>
-                <a:latin typeface="+mj-ea"/>
-                <a:ea typeface="+mj-ea"/>
-              </a:rPr>
-              <a:t>Plan</a:t>
-            </a:r>
-          </a:p>
-        </p:txBody>
-      </p:sp>
-      <p:sp>
-        <p:nvSpPr>
-          <p:cNvPr id="20" name="직사각형 8">
-            <a:extLst>
-              <a:ext uri="{FF2B5EF4-FFF2-40B4-BE49-F238E27FC236}">
-                <a16:creationId xmlns:a16="http://schemas.microsoft.com/office/drawing/2014/main" id="{7E7B29A2-2799-854F-91CF-96D16758CC97}"/>
-              </a:ext>
-            </a:extLst>
-          </p:cNvPr>
-          <p:cNvSpPr/>
-          <p:nvPr/>
-        </p:nvSpPr>
-        <p:spPr>
-          <a:xfrm>
-            <a:off x="0" y="1335821"/>
-            <a:ext cx="834325" cy="343501"/>
-          </a:xfrm>
-          <a:prstGeom prst="rect">
-            <a:avLst/>
-          </a:prstGeom>
-          <a:solidFill>
-            <a:srgbClr val="272123"/>
-          </a:solidFill>
-          <a:ln>
-            <a:noFill/>
-          </a:ln>
-        </p:spPr>
-        <p:style>
-          <a:lnRef idx="2">
-            <a:schemeClr val="accent1">
-              <a:shade val="50000"/>
-            </a:schemeClr>
-          </a:lnRef>
-          <a:fillRef idx="1">
-            <a:schemeClr val="accent1"/>
-          </a:fillRef>
-          <a:effectRef idx="0">
-            <a:schemeClr val="accent1"/>
-          </a:effectRef>
-          <a:fontRef idx="minor">
-            <a:schemeClr val="lt1"/>
-          </a:fontRef>
-        </p:style>
-        <p:txBody>
-          <a:bodyPr rtlCol="0" anchor="ctr"/>
-          <a:lstStyle/>
-          <a:p>
-            <a:pPr algn="ctr"/>
-            <a:endParaRPr lang="ko-KR" altLang="en-US"/>
-          </a:p>
-        </p:txBody>
-      </p:sp>
-      <p:sp>
-        <p:nvSpPr>
-          <p:cNvPr id="22" name="직각 삼각형 9">
-            <a:extLst>
-              <a:ext uri="{FF2B5EF4-FFF2-40B4-BE49-F238E27FC236}">
-                <a16:creationId xmlns:a16="http://schemas.microsoft.com/office/drawing/2014/main" id="{3A2FB131-1C3B-DB4D-930D-47B4FDAA3331}"/>
-              </a:ext>
-            </a:extLst>
-          </p:cNvPr>
-          <p:cNvSpPr/>
-          <p:nvPr/>
-        </p:nvSpPr>
-        <p:spPr>
-          <a:xfrm rot="5400000">
-            <a:off x="714667" y="1665893"/>
-            <a:ext cx="81142" cy="108000"/>
-          </a:xfrm>
-          <a:prstGeom prst="rtTriangle">
-            <a:avLst/>
-          </a:prstGeom>
-          <a:solidFill>
-            <a:schemeClr val="tx1"/>
-          </a:solidFill>
-          <a:ln>
-            <a:solidFill>
-              <a:schemeClr val="tx1"/>
-            </a:solidFill>
-          </a:ln>
-        </p:spPr>
-        <p:style>
-          <a:lnRef idx="2">
-            <a:schemeClr val="accent1">
-              <a:shade val="50000"/>
-            </a:schemeClr>
-          </a:lnRef>
-          <a:fillRef idx="1">
-            <a:schemeClr val="accent1"/>
-          </a:fillRef>
-          <a:effectRef idx="0">
-            <a:schemeClr val="accent1"/>
-          </a:effectRef>
-          <a:fontRef idx="minor">
-            <a:schemeClr val="lt1"/>
-          </a:fontRef>
-        </p:style>
-        <p:txBody>
-          <a:bodyPr rtlCol="0" anchor="ctr"/>
-          <a:lstStyle/>
-          <a:p>
-            <a:pPr algn="ctr"/>
-            <a:endParaRPr lang="ko-KR" altLang="en-US"/>
-          </a:p>
-        </p:txBody>
-      </p:sp>
-      <p:sp>
-        <p:nvSpPr>
-          <p:cNvPr id="23" name="TextBox 22">
-            <a:extLst>
-              <a:ext uri="{FF2B5EF4-FFF2-40B4-BE49-F238E27FC236}">
-                <a16:creationId xmlns:a16="http://schemas.microsoft.com/office/drawing/2014/main" id="{8558390B-E969-9E4A-BEBB-31168A1B7CB0}"/>
-              </a:ext>
-            </a:extLst>
-          </p:cNvPr>
-          <p:cNvSpPr txBox="1"/>
-          <p:nvPr/>
-        </p:nvSpPr>
-        <p:spPr>
-          <a:xfrm>
-            <a:off x="107504" y="1340768"/>
-            <a:ext cx="450395" cy="338554"/>
-          </a:xfrm>
-          <a:prstGeom prst="rect">
-            <a:avLst/>
-          </a:prstGeom>
-          <a:noFill/>
-        </p:spPr>
-        <p:txBody>
-          <a:bodyPr wrap="square" rtlCol="0">
-            <a:spAutoFit/>
-          </a:bodyPr>
-          <a:lstStyle/>
-          <a:p>
-            <a:r>
-              <a:rPr lang="en-US" altLang="ko-KR" sz="1600" b="1" dirty="0">
-                <a:ln>
-                  <a:solidFill>
-                    <a:schemeClr val="tx1">
+                    <a:schemeClr val="bg1">
+                      <a:lumMod val="85000"/>
                       <a:alpha val="30000"/>
                     </a:schemeClr>
                   </a:solidFill>
                 </a:ln>
                 <a:solidFill>
                   <a:schemeClr val="bg1">
-                    <a:lumMod val="85000"/>
+                    <a:lumMod val="95000"/>
                   </a:schemeClr>
                 </a:solidFill>
                 <a:latin typeface="Yoon 윤고딕 520_TT" pitchFamily="18" charset="-127"/>
                 <a:ea typeface="Yoon 윤고딕 520_TT" pitchFamily="18" charset="-127"/>
               </a:rPr>
-              <a:t>02</a:t>
-            </a:r>
-          </a:p>
-        </p:txBody>
-      </p:sp>
-      <p:sp>
-        <p:nvSpPr>
-          <p:cNvPr id="25" name="TextBox 24">
-            <a:extLst>
-              <a:ext uri="{FF2B5EF4-FFF2-40B4-BE49-F238E27FC236}">
-                <a16:creationId xmlns:a16="http://schemas.microsoft.com/office/drawing/2014/main" id="{0DB68B22-8832-E444-8CF3-1C3B88BD0AFF}"/>
-              </a:ext>
-            </a:extLst>
-          </p:cNvPr>
-          <p:cNvSpPr txBox="1"/>
-          <p:nvPr/>
-        </p:nvSpPr>
-        <p:spPr>
-          <a:xfrm>
-            <a:off x="123549" y="882386"/>
-            <a:ext cx="541363" cy="338554"/>
-          </a:xfrm>
-          <a:prstGeom prst="rect">
-            <a:avLst/>
-          </a:prstGeom>
-          <a:noFill/>
-        </p:spPr>
-        <p:txBody>
-          <a:bodyPr wrap="square" rtlCol="0">
-            <a:spAutoFit/>
-          </a:bodyPr>
-          <a:lstStyle/>
-          <a:p>
-            <a:r>
-              <a:rPr lang="en-US" altLang="ko-KR" sz="1600" b="1" dirty="0">
-                <a:ln>
-                  <a:solidFill>
-                    <a:schemeClr val="tx1">
-                      <a:alpha val="30000"/>
-                    </a:schemeClr>
-                  </a:solidFill>
-                </a:ln>
-                <a:solidFill>
-                  <a:schemeClr val="bg1">
-                    <a:lumMod val="75000"/>
-                  </a:schemeClr>
-                </a:solidFill>
-                <a:latin typeface="Yoon 윤고딕 520_TT" pitchFamily="18" charset="-127"/>
-                <a:ea typeface="Yoon 윤고딕 520_TT" pitchFamily="18" charset="-127"/>
-              </a:rPr>
-              <a:t>01</a:t>
-            </a:r>
-          </a:p>
-        </p:txBody>
-      </p:sp>
-      <p:graphicFrame>
-        <p:nvGraphicFramePr>
-          <p:cNvPr id="2" name="Table 1">
-            <a:extLst>
-              <a:ext uri="{FF2B5EF4-FFF2-40B4-BE49-F238E27FC236}">
-                <a16:creationId xmlns:a16="http://schemas.microsoft.com/office/drawing/2014/main" id="{F9EEAD52-BEFF-B84D-BB76-B071ED8A1D9A}"/>
-              </a:ext>
-            </a:extLst>
-          </p:cNvPr>
-          <p:cNvGraphicFramePr>
-            <a:graphicFrameLocks noGrp="1"/>
-          </p:cNvGraphicFramePr>
-          <p:nvPr>
-            <p:extLst>
-              <p:ext uri="{D42A27DB-BD31-4B8C-83A1-F6EECF244321}">
-                <p14:modId xmlns:p14="http://schemas.microsoft.com/office/powerpoint/2010/main" val="348346540"/>
-              </p:ext>
-            </p:extLst>
-          </p:nvPr>
-        </p:nvGraphicFramePr>
-        <p:xfrm>
-          <a:off x="1246258" y="1040943"/>
-          <a:ext cx="7399148" cy="4851299"/>
-        </p:xfrm>
-        <a:graphic>
-          <a:graphicData uri="http://schemas.openxmlformats.org/drawingml/2006/table">
-            <a:tbl>
-              <a:tblPr firstRow="1" bandRow="1">
-                <a:tableStyleId>{7E9639D4-E3E2-4D34-9284-5A2195B3D0D7}</a:tableStyleId>
-              </a:tblPr>
-              <a:tblGrid>
-                <a:gridCol w="1597550">
-                  <a:extLst>
-                    <a:ext uri="{9D8B030D-6E8A-4147-A177-3AD203B41FA5}">
-                      <a16:colId xmlns:a16="http://schemas.microsoft.com/office/drawing/2014/main" val="3138227247"/>
-                    </a:ext>
-                  </a:extLst>
-                </a:gridCol>
-                <a:gridCol w="1656184">
-                  <a:extLst>
-                    <a:ext uri="{9D8B030D-6E8A-4147-A177-3AD203B41FA5}">
-                      <a16:colId xmlns:a16="http://schemas.microsoft.com/office/drawing/2014/main" val="408559333"/>
-                    </a:ext>
-                  </a:extLst>
-                </a:gridCol>
-                <a:gridCol w="1800200">
-                  <a:extLst>
-                    <a:ext uri="{9D8B030D-6E8A-4147-A177-3AD203B41FA5}">
-                      <a16:colId xmlns:a16="http://schemas.microsoft.com/office/drawing/2014/main" val="2996239491"/>
-                    </a:ext>
-                  </a:extLst>
-                </a:gridCol>
-                <a:gridCol w="2345214">
-                  <a:extLst>
-                    <a:ext uri="{9D8B030D-6E8A-4147-A177-3AD203B41FA5}">
-                      <a16:colId xmlns:a16="http://schemas.microsoft.com/office/drawing/2014/main" val="3462538696"/>
-                    </a:ext>
-                  </a:extLst>
-                </a:gridCol>
-              </a:tblGrid>
-              <a:tr h="542616">
-                <a:tc>
-                  <a:txBody>
-                    <a:bodyPr/>
-                    <a:lstStyle/>
-                    <a:p>
-                      <a:pPr algn="ctr"/>
-                      <a:r>
-                        <a:rPr lang="en-US" altLang="ko-KR" dirty="0"/>
-                        <a:t>3</a:t>
-                      </a:r>
-                      <a:r>
-                        <a:rPr lang="ko-KR" altLang="en-US" dirty="0"/>
-                        <a:t>월</a:t>
-                      </a:r>
-                      <a:endParaRPr lang="en-US" dirty="0"/>
-                    </a:p>
-                  </a:txBody>
-                  <a:tcPr anchor="ctr"/>
-                </a:tc>
-                <a:tc>
-                  <a:txBody>
-                    <a:bodyPr/>
-                    <a:lstStyle/>
-                    <a:p>
-                      <a:pPr algn="ctr"/>
-                      <a:r>
-                        <a:rPr lang="en-US" altLang="ko-KR" dirty="0"/>
-                        <a:t>4</a:t>
-                      </a:r>
-                      <a:r>
-                        <a:rPr lang="ko-KR" altLang="en-US" dirty="0"/>
-                        <a:t>월</a:t>
-                      </a:r>
-                      <a:endParaRPr lang="en-US" dirty="0"/>
-                    </a:p>
-                  </a:txBody>
-                  <a:tcPr anchor="ctr"/>
-                </a:tc>
-                <a:tc>
-                  <a:txBody>
-                    <a:bodyPr/>
-                    <a:lstStyle/>
-                    <a:p>
-                      <a:pPr algn="ctr"/>
-                      <a:r>
-                        <a:rPr lang="en-US" altLang="ko-KR" dirty="0"/>
-                        <a:t>5</a:t>
-                      </a:r>
-                      <a:r>
-                        <a:rPr lang="ko-KR" altLang="en-US" dirty="0"/>
-                        <a:t>월</a:t>
-                      </a:r>
-                      <a:endParaRPr lang="en-US" dirty="0"/>
-                    </a:p>
-                  </a:txBody>
-                  <a:tcPr anchor="ctr"/>
-                </a:tc>
-                <a:tc>
-                  <a:txBody>
-                    <a:bodyPr/>
-                    <a:lstStyle/>
-                    <a:p>
-                      <a:pPr algn="ctr"/>
-                      <a:r>
-                        <a:rPr lang="en-US" altLang="ko-KR" dirty="0"/>
-                        <a:t>6</a:t>
-                      </a:r>
-                      <a:r>
-                        <a:rPr lang="ko-KR" altLang="en-US" dirty="0"/>
-                        <a:t>월</a:t>
-                      </a:r>
-                      <a:endParaRPr lang="en-US" dirty="0"/>
-                    </a:p>
-                  </a:txBody>
-                  <a:tcPr anchor="ctr"/>
-                </a:tc>
-                <a:extLst>
-                  <a:ext uri="{0D108BD9-81ED-4DB2-BD59-A6C34878D82A}">
-                    <a16:rowId xmlns:a16="http://schemas.microsoft.com/office/drawing/2014/main" val="681651350"/>
-                  </a:ext>
-                </a:extLst>
-              </a:tr>
-              <a:tr h="879999">
-                <a:tc>
-                  <a:txBody>
-                    <a:bodyPr/>
-                    <a:lstStyle/>
-                    <a:p>
-                      <a:pPr algn="ctr"/>
-                      <a:r>
-                        <a:rPr lang="ko-KR" altLang="en-US" dirty="0"/>
-                        <a:t>프로젝트 </a:t>
-                      </a:r>
-                      <a:endParaRPr lang="en-US" altLang="ko-KR" dirty="0"/>
-                    </a:p>
-                    <a:p>
-                      <a:pPr algn="ctr"/>
-                      <a:r>
-                        <a:rPr lang="ko-KR" altLang="en-US" dirty="0"/>
-                        <a:t>주제 선정</a:t>
-                      </a:r>
-                      <a:endParaRPr lang="en-US" dirty="0"/>
-                    </a:p>
-                  </a:txBody>
-                  <a:tcPr anchor="ctr"/>
-                </a:tc>
-                <a:tc>
-                  <a:txBody>
-                    <a:bodyPr/>
-                    <a:lstStyle/>
-                    <a:p>
-                      <a:pPr algn="ctr"/>
-                      <a:r>
-                        <a:rPr lang="ko-KR" altLang="en-US" dirty="0"/>
-                        <a:t>재사용 검토</a:t>
-                      </a:r>
-                      <a:endParaRPr lang="en-US" dirty="0"/>
-                    </a:p>
-                  </a:txBody>
-                  <a:tcPr anchor="ctr"/>
-                </a:tc>
-                <a:tc>
-                  <a:txBody>
-                    <a:bodyPr/>
-                    <a:lstStyle/>
-                    <a:p>
-                      <a:pPr algn="ctr"/>
-                      <a:r>
-                        <a:rPr lang="en-US" dirty="0"/>
-                        <a:t>UI </a:t>
-                      </a:r>
-                      <a:r>
-                        <a:rPr lang="ko-KR" altLang="en-US" dirty="0"/>
-                        <a:t>구현</a:t>
-                      </a:r>
-                      <a:endParaRPr lang="en-US" altLang="ko-KR" dirty="0"/>
-                    </a:p>
-                    <a:p>
-                      <a:pPr algn="ctr"/>
-                      <a:r>
-                        <a:rPr lang="en-US" altLang="ko-KR" dirty="0"/>
-                        <a:t>4.27~5.12</a:t>
-                      </a:r>
-                      <a:endParaRPr lang="en-US" dirty="0"/>
-                    </a:p>
-                  </a:txBody>
-                  <a:tcPr anchor="ctr"/>
-                </a:tc>
-                <a:tc>
-                  <a:txBody>
-                    <a:bodyPr/>
-                    <a:lstStyle/>
-                    <a:p>
-                      <a:pPr algn="ctr"/>
-                      <a:r>
-                        <a:rPr lang="ko-KR" altLang="en-US" dirty="0" err="1"/>
-                        <a:t>추가기능</a:t>
-                      </a:r>
-                      <a:r>
-                        <a:rPr lang="ko-KR" altLang="en-US" dirty="0"/>
-                        <a:t> 구현</a:t>
-                      </a:r>
-                      <a:endParaRPr lang="en-US" altLang="ko-KR" dirty="0"/>
-                    </a:p>
-                    <a:p>
-                      <a:pPr algn="ctr"/>
-                      <a:r>
-                        <a:rPr lang="en-US" altLang="ko-KR" dirty="0"/>
-                        <a:t>&amp; code refactoring</a:t>
-                      </a:r>
-                    </a:p>
-                    <a:p>
-                      <a:pPr algn="ctr"/>
-                      <a:r>
-                        <a:rPr lang="en-US" altLang="ko-KR" dirty="0"/>
-                        <a:t>~6.2</a:t>
-                      </a:r>
-                      <a:endParaRPr lang="en-US" dirty="0"/>
-                    </a:p>
-                  </a:txBody>
-                  <a:tcPr anchor="ctr"/>
-                </a:tc>
-                <a:extLst>
-                  <a:ext uri="{0D108BD9-81ED-4DB2-BD59-A6C34878D82A}">
-                    <a16:rowId xmlns:a16="http://schemas.microsoft.com/office/drawing/2014/main" val="3253912225"/>
-                  </a:ext>
-                </a:extLst>
-              </a:tr>
-              <a:tr h="1257142">
-                <a:tc>
-                  <a:txBody>
-                    <a:bodyPr/>
-                    <a:lstStyle/>
-                    <a:p>
-                      <a:pPr algn="ctr"/>
-                      <a:r>
-                        <a:rPr lang="ko-KR" altLang="en-US" dirty="0"/>
-                        <a:t>프로젝트 </a:t>
-                      </a:r>
-                      <a:endParaRPr lang="en-US" altLang="ko-KR" dirty="0"/>
-                    </a:p>
-                    <a:p>
-                      <a:pPr algn="ctr"/>
-                      <a:r>
-                        <a:rPr lang="ko-KR" altLang="en-US" dirty="0" err="1"/>
-                        <a:t>타당성분석</a:t>
-                      </a:r>
-                      <a:r>
-                        <a:rPr lang="ko-KR" altLang="en-US" dirty="0"/>
-                        <a:t> </a:t>
-                      </a:r>
-                      <a:r>
-                        <a:rPr lang="en-US" altLang="ko-KR" dirty="0"/>
-                        <a:t>~3/31</a:t>
-                      </a:r>
-                      <a:endParaRPr lang="en-US" dirty="0"/>
-                    </a:p>
-                  </a:txBody>
-                  <a:tcPr anchor="ctr"/>
-                </a:tc>
-                <a:tc>
-                  <a:txBody>
-                    <a:bodyPr/>
-                    <a:lstStyle/>
-                    <a:p>
-                      <a:pPr algn="ctr"/>
-                      <a:r>
-                        <a:rPr lang="ko-KR" altLang="en-US" dirty="0"/>
-                        <a:t>역할 분담</a:t>
-                      </a:r>
-                      <a:endParaRPr lang="en-US" altLang="ko-KR" dirty="0"/>
-                    </a:p>
-                    <a:p>
-                      <a:pPr algn="ctr"/>
-                      <a:r>
-                        <a:rPr lang="en-US" altLang="ko-KR" dirty="0"/>
-                        <a:t>~4.19</a:t>
-                      </a:r>
-                    </a:p>
-                  </a:txBody>
-                  <a:tcPr anchor="ctr"/>
-                </a:tc>
-                <a:tc>
-                  <a:txBody>
-                    <a:bodyPr/>
-                    <a:lstStyle/>
-                    <a:p>
-                      <a:pPr algn="ctr"/>
-                      <a:r>
-                        <a:rPr lang="en-US" dirty="0"/>
-                        <a:t>Database </a:t>
-                      </a:r>
-                      <a:r>
-                        <a:rPr lang="ko-KR" altLang="en-US" dirty="0"/>
-                        <a:t>생성</a:t>
-                      </a:r>
-                      <a:endParaRPr lang="en-US" altLang="ko-KR" dirty="0"/>
-                    </a:p>
-                    <a:p>
-                      <a:pPr algn="ctr"/>
-                      <a:r>
-                        <a:rPr lang="en-US" altLang="ko-KR" dirty="0"/>
-                        <a:t>4.27~5.12</a:t>
-                      </a:r>
-                      <a:endParaRPr lang="en-US" dirty="0"/>
-                    </a:p>
-                  </a:txBody>
-                  <a:tcPr anchor="ctr"/>
-                </a:tc>
-                <a:tc>
-                  <a:txBody>
-                    <a:bodyPr/>
-                    <a:lstStyle/>
-                    <a:p>
-                      <a:pPr algn="ctr"/>
-                      <a:r>
-                        <a:rPr lang="ko-KR" altLang="en-US" dirty="0" err="1"/>
-                        <a:t>테스팅</a:t>
-                      </a:r>
-                      <a:endParaRPr lang="en-US" altLang="ko-KR" dirty="0"/>
-                    </a:p>
-                    <a:p>
-                      <a:pPr algn="ctr"/>
-                      <a:r>
-                        <a:rPr lang="en-US" altLang="ko-KR" dirty="0"/>
-                        <a:t>6.2~6.12</a:t>
-                      </a:r>
-                      <a:endParaRPr lang="en-US" dirty="0"/>
-                    </a:p>
-                  </a:txBody>
-                  <a:tcPr anchor="ctr"/>
-                </a:tc>
-                <a:extLst>
-                  <a:ext uri="{0D108BD9-81ED-4DB2-BD59-A6C34878D82A}">
-                    <a16:rowId xmlns:a16="http://schemas.microsoft.com/office/drawing/2014/main" val="3700713682"/>
-                  </a:ext>
-                </a:extLst>
-              </a:tr>
-              <a:tr h="1257142">
-                <a:tc>
-                  <a:txBody>
-                    <a:bodyPr/>
-                    <a:lstStyle/>
-                    <a:p>
-                      <a:pPr algn="ctr"/>
-                      <a:endParaRPr lang="en-US" dirty="0"/>
-                    </a:p>
-                  </a:txBody>
-                  <a:tcPr anchor="ctr"/>
-                </a:tc>
-                <a:tc>
-                  <a:txBody>
-                    <a:bodyPr/>
-                    <a:lstStyle/>
-                    <a:p>
-                      <a:pPr algn="ctr"/>
-                      <a:r>
-                        <a:rPr lang="ko-KR" altLang="en-US" dirty="0"/>
-                        <a:t>프로그램 계발 계획 설정</a:t>
-                      </a:r>
-                      <a:endParaRPr lang="en-US" dirty="0"/>
-                    </a:p>
-                  </a:txBody>
-                  <a:tcPr anchor="ctr"/>
-                </a:tc>
-                <a:tc>
-                  <a:txBody>
-                    <a:bodyPr/>
-                    <a:lstStyle/>
-                    <a:p>
-                      <a:pPr algn="ctr"/>
-                      <a:r>
-                        <a:rPr lang="en-US" dirty="0"/>
-                        <a:t>Database </a:t>
-                      </a:r>
-                      <a:r>
-                        <a:rPr lang="ko-KR" altLang="en-US" dirty="0"/>
-                        <a:t>와 </a:t>
-                      </a:r>
-                      <a:endParaRPr lang="en-US" altLang="ko-KR" dirty="0"/>
-                    </a:p>
-                    <a:p>
-                      <a:pPr algn="ctr"/>
-                      <a:r>
-                        <a:rPr lang="en-US" altLang="ko-KR" dirty="0"/>
-                        <a:t>UI</a:t>
-                      </a:r>
-                      <a:r>
-                        <a:rPr lang="ko-KR" altLang="en-US" dirty="0"/>
-                        <a:t>연동</a:t>
-                      </a:r>
-                      <a:endParaRPr lang="en-US" altLang="ko-KR" dirty="0"/>
-                    </a:p>
-                    <a:p>
-                      <a:pPr algn="ctr"/>
-                      <a:r>
-                        <a:rPr lang="en-US" altLang="ko-KR" dirty="0"/>
-                        <a:t>5.12~16</a:t>
-                      </a:r>
-                      <a:endParaRPr lang="en-US" dirty="0"/>
-                    </a:p>
-                  </a:txBody>
-                  <a:tcPr anchor="ctr"/>
-                </a:tc>
-                <a:tc>
-                  <a:txBody>
-                    <a:bodyPr/>
-                    <a:lstStyle/>
-                    <a:p>
-                      <a:pPr algn="ctr"/>
-                      <a:endParaRPr lang="en-US" dirty="0"/>
-                    </a:p>
-                  </a:txBody>
-                  <a:tcPr anchor="ctr"/>
-                </a:tc>
-                <a:extLst>
-                  <a:ext uri="{0D108BD9-81ED-4DB2-BD59-A6C34878D82A}">
-                    <a16:rowId xmlns:a16="http://schemas.microsoft.com/office/drawing/2014/main" val="1946270963"/>
-                  </a:ext>
-                </a:extLst>
-              </a:tr>
-              <a:tr h="879999">
-                <a:tc>
-                  <a:txBody>
-                    <a:bodyPr/>
-                    <a:lstStyle/>
-                    <a:p>
-                      <a:pPr algn="ctr"/>
-                      <a:endParaRPr lang="en-US" dirty="0"/>
-                    </a:p>
-                  </a:txBody>
-                  <a:tcPr anchor="ctr"/>
-                </a:tc>
-                <a:tc>
-                  <a:txBody>
-                    <a:bodyPr/>
-                    <a:lstStyle/>
-                    <a:p>
-                      <a:pPr algn="ctr"/>
-                      <a:endParaRPr lang="en-US" dirty="0"/>
-                    </a:p>
-                  </a:txBody>
-                  <a:tcPr anchor="ctr"/>
-                </a:tc>
-                <a:tc>
-                  <a:txBody>
-                    <a:bodyPr/>
-                    <a:lstStyle/>
-                    <a:p>
-                      <a:pPr algn="ctr"/>
-                      <a:r>
-                        <a:rPr lang="ko-KR" altLang="en-US" dirty="0"/>
-                        <a:t>추가 기능 구현</a:t>
-                      </a:r>
-                      <a:endParaRPr lang="en-US" altLang="ko-KR" dirty="0"/>
-                    </a:p>
-                    <a:p>
-                      <a:pPr algn="ctr"/>
-                      <a:r>
-                        <a:rPr lang="en-US" altLang="ko-KR" dirty="0"/>
-                        <a:t>5.16~</a:t>
-                      </a:r>
-                      <a:endParaRPr lang="en-US" dirty="0"/>
-                    </a:p>
-                  </a:txBody>
-                  <a:tcPr anchor="ctr"/>
-                </a:tc>
-                <a:tc>
-                  <a:txBody>
-                    <a:bodyPr/>
-                    <a:lstStyle/>
-                    <a:p>
-                      <a:pPr algn="ctr"/>
-                      <a:endParaRPr lang="en-US" dirty="0"/>
-                    </a:p>
-                  </a:txBody>
-                  <a:tcPr anchor="ctr"/>
-                </a:tc>
-                <a:extLst>
-                  <a:ext uri="{0D108BD9-81ED-4DB2-BD59-A6C34878D82A}">
-                    <a16:rowId xmlns:a16="http://schemas.microsoft.com/office/drawing/2014/main" val="786530931"/>
-                  </a:ext>
-                </a:extLst>
-              </a:tr>
-            </a:tbl>
-          </a:graphicData>
-        </a:graphic>
-      </p:graphicFrame>
+              <a:t>Thank you</a:t>
+            </a:r>
+          </a:p>
+        </p:txBody>
+      </p:sp>
     </p:spTree>
     <p:extLst>
       <p:ext uri="{BB962C8B-B14F-4D97-AF65-F5344CB8AC3E}">
-        <p14:creationId xmlns:p14="http://schemas.microsoft.com/office/powerpoint/2010/main" val="699006633"/>
+        <p14:creationId xmlns:p14="http://schemas.microsoft.com/office/powerpoint/2010/main" val="2970008273"/>
       </p:ext>
     </p:extLst>
   </p:cSld>
@@ -9538,7 +9374,7 @@
         </p:nvSpPr>
         <p:spPr>
           <a:xfrm>
-            <a:off x="567084" y="2913187"/>
+            <a:off x="639092" y="2012638"/>
             <a:ext cx="3333024" cy="815608"/>
           </a:xfrm>
           <a:prstGeom prst="rect">
@@ -9580,7 +9416,7 @@
         </p:nvSpPr>
         <p:spPr>
           <a:xfrm>
-            <a:off x="611559" y="2767280"/>
+            <a:off x="683567" y="1866731"/>
             <a:ext cx="3333024" cy="276999"/>
           </a:xfrm>
           <a:prstGeom prst="rect">
@@ -9652,8 +9488,8 @@
         </p:nvCxnSpPr>
         <p:spPr>
           <a:xfrm>
-            <a:off x="3923928" y="2780928"/>
-            <a:ext cx="0" cy="2232248"/>
+            <a:off x="3995936" y="1880379"/>
+            <a:ext cx="0" cy="3096101"/>
           </a:xfrm>
           <a:prstGeom prst="line">
             <a:avLst/>
@@ -9689,8 +9525,8 @@
         </p:nvSpPr>
         <p:spPr>
           <a:xfrm>
-            <a:off x="4355976" y="1737261"/>
-            <a:ext cx="3904508" cy="4107343"/>
+            <a:off x="4427984" y="1484784"/>
+            <a:ext cx="3904508" cy="3362780"/>
           </a:xfrm>
           <a:prstGeom prst="rect">
             <a:avLst/>
@@ -9711,7 +9547,7 @@
               <a:buChar char="•"/>
             </a:pPr>
             <a:r>
-              <a:rPr lang="ko-KR" altLang="en-US" sz="1600" dirty="0">
+              <a:rPr lang="ko-KR" altLang="en-US" dirty="0">
                 <a:ln>
                   <a:solidFill>
                     <a:schemeClr val="tx1">
@@ -9726,7 +9562,7 @@
               </a:rPr>
               <a:t>팀원 소개</a:t>
             </a:r>
-            <a:endParaRPr lang="en-US" altLang="ko-KR" sz="1600" dirty="0">
+            <a:endParaRPr lang="en-US" altLang="ko-KR" dirty="0">
               <a:ln>
                 <a:solidFill>
                   <a:schemeClr val="tx1">
@@ -9749,7 +9585,7 @@
               <a:buChar char="•"/>
             </a:pPr>
             <a:r>
-              <a:rPr lang="ko-KR" altLang="en-US" sz="1600" dirty="0">
+              <a:rPr lang="ko-KR" altLang="en-US" dirty="0">
                 <a:ln>
                   <a:solidFill>
                     <a:schemeClr val="tx1">
@@ -9762,9 +9598,9 @@
                 </a:solidFill>
                 <a:latin typeface="+mn-ea"/>
               </a:rPr>
-              <a:t>프로젝트 주제 소개</a:t>
-            </a:r>
-            <a:endParaRPr lang="en-US" altLang="ko-KR" sz="1600" dirty="0">
+              <a:t>프로젝트 주제 및 완료 현황</a:t>
+            </a:r>
+            <a:endParaRPr lang="en-US" altLang="ko-KR" dirty="0">
               <a:ln>
                 <a:solidFill>
                   <a:schemeClr val="tx1">
@@ -9787,7 +9623,7 @@
               <a:buChar char="•"/>
             </a:pPr>
             <a:r>
-              <a:rPr lang="ko-KR" altLang="en-US" sz="1600" dirty="0">
+              <a:rPr lang="ko-KR" altLang="en-US" dirty="0">
                 <a:ln>
                   <a:solidFill>
                     <a:schemeClr val="tx1">
@@ -9803,7 +9639,7 @@
               <a:t>프로젝트 </a:t>
             </a:r>
             <a:r>
-              <a:rPr lang="en-US" altLang="ko-KR" sz="1600" dirty="0">
+              <a:rPr lang="en-US" altLang="ko-KR" dirty="0">
                 <a:ln>
                   <a:solidFill>
                     <a:schemeClr val="tx1">
@@ -9816,111 +9652,7 @@
                 </a:solidFill>
                 <a:latin typeface="+mn-ea"/>
               </a:rPr>
-              <a:t>requirement </a:t>
-            </a:r>
-            <a:r>
-              <a:rPr lang="ko-KR" altLang="en-US" sz="1600" dirty="0">
-                <a:ln>
-                  <a:solidFill>
-                    <a:schemeClr val="tx1">
-                      <a:alpha val="30000"/>
-                    </a:schemeClr>
-                  </a:solidFill>
-                </a:ln>
-                <a:solidFill>
-                  <a:srgbClr val="272123"/>
-                </a:solidFill>
-                <a:latin typeface="+mn-ea"/>
-              </a:rPr>
-              <a:t>소개</a:t>
-            </a:r>
-            <a:endParaRPr lang="en-US" altLang="ko-KR" sz="1600" dirty="0">
-              <a:ln>
-                <a:solidFill>
-                  <a:schemeClr val="tx1">
-                    <a:alpha val="30000"/>
-                  </a:schemeClr>
-                </a:solidFill>
-              </a:ln>
-              <a:solidFill>
-                <a:srgbClr val="272123"/>
-              </a:solidFill>
-              <a:latin typeface="+mn-ea"/>
-            </a:endParaRPr>
-          </a:p>
-          <a:p>
-            <a:pPr marL="742950" lvl="1" indent="-285750">
-              <a:lnSpc>
-                <a:spcPct val="150000"/>
-              </a:lnSpc>
-              <a:buFont typeface="Arial" pitchFamily="34" charset="0"/>
-              <a:buChar char="•"/>
-            </a:pPr>
-            <a:r>
-              <a:rPr lang="en-US" altLang="ko-KR" sz="1600" dirty="0">
-                <a:ln>
-                  <a:solidFill>
-                    <a:schemeClr val="tx1">
-                      <a:alpha val="30000"/>
-                    </a:schemeClr>
-                  </a:solidFill>
-                </a:ln>
-                <a:solidFill>
-                  <a:srgbClr val="272123"/>
-                </a:solidFill>
-                <a:latin typeface="+mn-ea"/>
-              </a:rPr>
-              <a:t>Performance requirement</a:t>
-            </a:r>
-          </a:p>
-          <a:p>
-            <a:pPr marL="742950" lvl="1" indent="-285750">
-              <a:lnSpc>
-                <a:spcPct val="150000"/>
-              </a:lnSpc>
-              <a:buFont typeface="Arial" pitchFamily="34" charset="0"/>
-              <a:buChar char="•"/>
-            </a:pPr>
-            <a:r>
-              <a:rPr lang="en-US" altLang="ko-KR" sz="1600" dirty="0">
-                <a:ln>
-                  <a:solidFill>
-                    <a:schemeClr val="tx1">
-                      <a:alpha val="30000"/>
-                    </a:schemeClr>
-                  </a:solidFill>
-                </a:ln>
-                <a:solidFill>
-                  <a:srgbClr val="272123"/>
-                </a:solidFill>
-                <a:latin typeface="+mn-ea"/>
-              </a:rPr>
-              <a:t>Safety requirement</a:t>
-            </a:r>
-          </a:p>
-          <a:p>
-            <a:pPr marL="742950" lvl="1" indent="-285750">
-              <a:lnSpc>
-                <a:spcPct val="150000"/>
-              </a:lnSpc>
-              <a:buFont typeface="Arial" pitchFamily="34" charset="0"/>
-              <a:buChar char="•"/>
-            </a:pPr>
-            <a:r>
-              <a:rPr lang="en-US" altLang="ko-KR" sz="1600" dirty="0">
-                <a:ln>
-                  <a:solidFill>
-                    <a:schemeClr val="tx1">
-                      <a:alpha val="30000"/>
-                    </a:schemeClr>
-                  </a:solidFill>
-                </a:ln>
-                <a:solidFill>
-                  <a:srgbClr val="272123"/>
-                </a:solidFill>
-                <a:latin typeface="+mn-ea"/>
-              </a:rPr>
-              <a:t>Secure requirement</a:t>
+              <a:t>requirement</a:t>
             </a:r>
           </a:p>
           <a:p>
@@ -9932,7 +9664,7 @@
               <a:buChar char="•"/>
             </a:pPr>
             <a:r>
-              <a:rPr lang="en-US" altLang="ko-KR" sz="1600" dirty="0">
+              <a:rPr lang="en-US" altLang="ko-KR" dirty="0">
                 <a:ln>
                   <a:solidFill>
                     <a:schemeClr val="tx1">
@@ -9957,7 +9689,7 @@
               <a:buChar char="•"/>
             </a:pPr>
             <a:r>
-              <a:rPr lang="en-US" altLang="ko-KR" sz="1600" dirty="0">
+              <a:rPr lang="en-US" altLang="ko-KR" dirty="0">
                 <a:ln>
                   <a:solidFill>
                     <a:schemeClr val="tx1">
@@ -9982,7 +9714,7 @@
               <a:buChar char="•"/>
             </a:pPr>
             <a:r>
-              <a:rPr lang="en-US" altLang="ko-KR" sz="1600" dirty="0">
+              <a:rPr lang="en-US" altLang="ko-KR" dirty="0">
                 <a:ln>
                   <a:solidFill>
                     <a:schemeClr val="tx1">
@@ -10007,7 +9739,7 @@
               <a:buChar char="•"/>
             </a:pPr>
             <a:r>
-              <a:rPr lang="en-US" altLang="ko-KR" sz="1600" dirty="0">
+              <a:rPr lang="en-US" altLang="ko-KR" dirty="0">
                 <a:ln>
                   <a:solidFill>
                     <a:schemeClr val="tx1">
@@ -10032,7 +9764,7 @@
               <a:buChar char="•"/>
             </a:pPr>
             <a:r>
-              <a:rPr lang="en-US" altLang="ko-KR" sz="1600" dirty="0">
+              <a:rPr lang="en-US" altLang="ko-KR" dirty="0">
                 <a:ln>
                   <a:solidFill>
                     <a:schemeClr val="tx1">
@@ -10045,8 +9777,37 @@
                 </a:solidFill>
                 <a:latin typeface="+mn-ea"/>
               </a:rPr>
-              <a:t>Process model</a:t>
-            </a:r>
+              <a:t>Process model </a:t>
+            </a:r>
+            <a:r>
+              <a:rPr lang="ko-KR" altLang="en-US" dirty="0">
+                <a:ln>
+                  <a:solidFill>
+                    <a:schemeClr val="tx1">
+                      <a:alpha val="30000"/>
+                    </a:schemeClr>
+                  </a:solidFill>
+                </a:ln>
+                <a:solidFill>
+                  <a:srgbClr val="272123"/>
+                </a:solidFill>
+                <a:latin typeface="+mn-ea"/>
+              </a:rPr>
+              <a:t>개발 단계</a:t>
+            </a:r>
+            <a:endParaRPr lang="en-US" altLang="ko-KR" dirty="0">
+              <a:ln>
+                <a:solidFill>
+                  <a:schemeClr val="tx1">
+                    <a:alpha val="30000"/>
+                  </a:schemeClr>
+                </a:solidFill>
+              </a:ln>
+              <a:solidFill>
+                <a:srgbClr val="272123"/>
+              </a:solidFill>
+              <a:latin typeface="+mn-ea"/>
+            </a:endParaRPr>
           </a:p>
         </p:txBody>
       </p:sp>
@@ -10059,7 +9820,7 @@
         <p:spPr>
           <a:xfrm>
             <a:off x="-435778" y="6697496"/>
-            <a:ext cx="10015557" cy="165100"/>
+            <a:ext cx="10015557" cy="228992"/>
           </a:xfrm>
           <a:prstGeom prst="rect">
             <a:avLst/>
@@ -10178,101 +9939,6 @@
     <p:extLst>
       <p:ext uri="{BB962C8B-B14F-4D97-AF65-F5344CB8AC3E}">
         <p14:creationId xmlns:p14="http://schemas.microsoft.com/office/powerpoint/2010/main" val="855986350"/>
-      </p:ext>
-    </p:extLst>
-  </p:cSld>
-  <p:clrMapOvr>
-    <a:masterClrMapping/>
-  </p:clrMapOvr>
-  <mc:AlternateContent xmlns:mc="http://schemas.openxmlformats.org/markup-compatibility/2006" xmlns:p14="http://schemas.microsoft.com/office/powerpoint/2010/main">
-    <mc:Choice Requires="p14">
-      <p:transition spd="med" p14:dur="700">
-        <p:fade/>
-      </p:transition>
-    </mc:Choice>
-    <mc:Fallback xmlns="">
-      <p:transition spd="med">
-        <p:fade/>
-      </p:transition>
-    </mc:Fallback>
-  </mc:AlternateContent>
-</p:sld>
-</file>
-
-<file path=ppt/slides/slide20.xml><?xml version="1.0" encoding="utf-8"?>
-<p:sld xmlns:a="http://schemas.openxmlformats.org/drawingml/2006/main" xmlns:r="http://schemas.openxmlformats.org/officeDocument/2006/relationships" xmlns:p="http://schemas.openxmlformats.org/presentationml/2006/main">
-  <p:cSld>
-    <p:bg>
-      <p:bgPr>
-        <a:solidFill>
-          <a:srgbClr val="272123"/>
-        </a:solidFill>
-        <a:effectLst/>
-      </p:bgPr>
-    </p:bg>
-    <p:spTree>
-      <p:nvGrpSpPr>
-        <p:cNvPr id="1" name=""/>
-        <p:cNvGrpSpPr/>
-        <p:nvPr/>
-      </p:nvGrpSpPr>
-      <p:grpSpPr>
-        <a:xfrm>
-          <a:off x="0" y="0"/>
-          <a:ext cx="0" cy="0"/>
-          <a:chOff x="0" y="0"/>
-          <a:chExt cx="0" cy="0"/>
-        </a:xfrm>
-      </p:grpSpPr>
-      <p:sp>
-        <p:nvSpPr>
-          <p:cNvPr id="4" name="TextBox 3"/>
-          <p:cNvSpPr txBox="1"/>
-          <p:nvPr/>
-        </p:nvSpPr>
-        <p:spPr>
-          <a:xfrm>
-            <a:off x="683568" y="3075057"/>
-            <a:ext cx="3333024" cy="707886"/>
-          </a:xfrm>
-          <a:prstGeom prst="rect">
-            <a:avLst/>
-          </a:prstGeom>
-          <a:noFill/>
-        </p:spPr>
-        <p:txBody>
-          <a:bodyPr wrap="square" rtlCol="0">
-            <a:spAutoFit/>
-          </a:bodyPr>
-          <a:lstStyle/>
-          <a:p>
-            <a:r>
-              <a:rPr lang="en-US" altLang="ko-KR" sz="4000" b="1" dirty="0">
-                <a:ln>
-                  <a:solidFill>
-                    <a:schemeClr val="bg1">
-                      <a:lumMod val="85000"/>
-                      <a:alpha val="30000"/>
-                    </a:schemeClr>
-                  </a:solidFill>
-                </a:ln>
-                <a:solidFill>
-                  <a:schemeClr val="bg1">
-                    <a:lumMod val="95000"/>
-                  </a:schemeClr>
-                </a:solidFill>
-                <a:latin typeface="Yoon 윤고딕 520_TT" pitchFamily="18" charset="-127"/>
-                <a:ea typeface="Yoon 윤고딕 520_TT" pitchFamily="18" charset="-127"/>
-              </a:rPr>
-              <a:t>Thank you</a:t>
-            </a:r>
-          </a:p>
-        </p:txBody>
-      </p:sp>
-    </p:spTree>
-    <p:extLst>
-      <p:ext uri="{BB962C8B-B14F-4D97-AF65-F5344CB8AC3E}">
-        <p14:creationId xmlns:p14="http://schemas.microsoft.com/office/powerpoint/2010/main" val="2970008273"/>
       </p:ext>
     </p:extLst>
   </p:cSld>
@@ -10771,10 +10437,10 @@
         </p:nvGrpSpPr>
         <p:grpSpPr>
           <a:xfrm>
-            <a:off x="1547672" y="1412782"/>
-            <a:ext cx="6552720" cy="4464490"/>
-            <a:chOff x="1331648" y="1196758"/>
-            <a:chExt cx="6552720" cy="4464490"/>
+            <a:off x="1376420" y="1628800"/>
+            <a:ext cx="6552718" cy="2016221"/>
+            <a:chOff x="1331650" y="1196758"/>
+            <a:chExt cx="6552718" cy="806485"/>
           </a:xfrm>
         </p:grpSpPr>
         <p:sp>
@@ -10792,7 +10458,7 @@
           <p:spPr>
             <a:xfrm>
               <a:off x="1331650" y="1196758"/>
-              <a:ext cx="2664296" cy="1692323"/>
+              <a:ext cx="2664296" cy="806484"/>
             </a:xfrm>
             <a:prstGeom prst="roundRect">
               <a:avLst/>
@@ -10866,7 +10532,7 @@
                     <a:schemeClr val="tx1"/>
                   </a:solidFill>
                 </a:rPr>
-                <a:t>-database part</a:t>
+                <a:t>-database design</a:t>
               </a:r>
             </a:p>
             <a:p>
@@ -10889,10 +10555,10 @@
         </p:sp>
         <p:sp>
           <p:nvSpPr>
-            <p:cNvPr id="11" name="사각형: 둥근 모서리 10">
+            <p:cNvPr id="12" name="사각형: 둥근 모서리 11">
               <a:extLst>
                 <a:ext uri="{FF2B5EF4-FFF2-40B4-BE49-F238E27FC236}">
-                  <a16:creationId xmlns:a16="http://schemas.microsoft.com/office/drawing/2014/main" id="{9C2567C6-45B2-4498-B93F-169FDF9E920E}"/>
+                  <a16:creationId xmlns:a16="http://schemas.microsoft.com/office/drawing/2014/main" id="{8C6244AD-C634-4FBD-AF93-410A8C097532}"/>
                 </a:ext>
               </a:extLst>
             </p:cNvPr>
@@ -10901,8 +10567,8 @@
           </p:nvSpPr>
           <p:spPr>
             <a:xfrm>
-              <a:off x="1331648" y="3968919"/>
-              <a:ext cx="2664277" cy="1692329"/>
+              <a:off x="5220081" y="1196758"/>
+              <a:ext cx="2664287" cy="806485"/>
             </a:xfrm>
             <a:prstGeom prst="roundRect">
               <a:avLst/>
@@ -10935,12 +10601,117 @@
             <a:lstStyle/>
             <a:p>
               <a:pPr algn="ctr"/>
+              <a:r>
+                <a:rPr lang="ko-KR" altLang="en-US" dirty="0" err="1">
+                  <a:solidFill>
+                    <a:schemeClr val="tx1"/>
+                  </a:solidFill>
+                </a:rPr>
+                <a:t>윤다은</a:t>
+              </a:r>
               <a:endParaRPr lang="en-US" altLang="ko-KR" dirty="0">
                 <a:solidFill>
                   <a:schemeClr val="tx1"/>
                 </a:solidFill>
               </a:endParaRPr>
             </a:p>
+            <a:p>
+              <a:pPr marL="285750" indent="-285750" algn="ctr">
+                <a:buFontTx/>
+                <a:buChar char="-"/>
+              </a:pPr>
+              <a:r>
+                <a:rPr lang="en-US" altLang="ko-KR" dirty="0">
+                  <a:solidFill>
+                    <a:schemeClr val="tx1"/>
+                  </a:solidFill>
+                </a:rPr>
+                <a:t>Web design</a:t>
+              </a:r>
+            </a:p>
+            <a:p>
+              <a:pPr marL="285750" indent="-285750" algn="ctr">
+                <a:buFontTx/>
+                <a:buChar char="-"/>
+              </a:pPr>
+              <a:r>
+                <a:rPr lang="en-US" altLang="ko-KR" dirty="0">
+                  <a:solidFill>
+                    <a:schemeClr val="tx1"/>
+                  </a:solidFill>
+                </a:rPr>
+                <a:t>Additional functions</a:t>
+              </a:r>
+            </a:p>
+          </p:txBody>
+        </p:sp>
+      </p:grpSp>
+      <p:grpSp>
+        <p:nvGrpSpPr>
+          <p:cNvPr id="5" name="그룹 4">
+            <a:extLst>
+              <a:ext uri="{FF2B5EF4-FFF2-40B4-BE49-F238E27FC236}">
+                <a16:creationId xmlns:a16="http://schemas.microsoft.com/office/drawing/2014/main" id="{39538239-37D8-4F9D-B343-B54364C71F3D}"/>
+              </a:ext>
+            </a:extLst>
+          </p:cNvPr>
+          <p:cNvGrpSpPr/>
+          <p:nvPr/>
+        </p:nvGrpSpPr>
+        <p:grpSpPr>
+          <a:xfrm>
+            <a:off x="1412046" y="4077072"/>
+            <a:ext cx="6552718" cy="2016221"/>
+            <a:chOff x="1412046" y="4077072"/>
+            <a:chExt cx="6552718" cy="2016221"/>
+          </a:xfrm>
+        </p:grpSpPr>
+        <p:sp>
+          <p:nvSpPr>
+            <p:cNvPr id="16" name="사각형: 둥근 모서리 15">
+              <a:extLst>
+                <a:ext uri="{FF2B5EF4-FFF2-40B4-BE49-F238E27FC236}">
+                  <a16:creationId xmlns:a16="http://schemas.microsoft.com/office/drawing/2014/main" id="{30DDEFF2-49ED-46A6-A15B-37345DD30E09}"/>
+                </a:ext>
+              </a:extLst>
+            </p:cNvPr>
+            <p:cNvSpPr/>
+            <p:nvPr/>
+          </p:nvSpPr>
+          <p:spPr>
+            <a:xfrm>
+              <a:off x="1412046" y="4077072"/>
+              <a:ext cx="2664296" cy="2016216"/>
+            </a:xfrm>
+            <a:prstGeom prst="roundRect">
+              <a:avLst/>
+            </a:prstGeom>
+            <a:noFill/>
+            <a:ln>
+              <a:solidFill>
+                <a:schemeClr val="tx1"/>
+              </a:solidFill>
+            </a:ln>
+          </p:spPr>
+          <p:style>
+            <a:lnRef idx="2">
+              <a:schemeClr val="accent1">
+                <a:shade val="50000"/>
+              </a:schemeClr>
+            </a:lnRef>
+            <a:fillRef idx="1">
+              <a:schemeClr val="accent1"/>
+            </a:fillRef>
+            <a:effectRef idx="0">
+              <a:schemeClr val="accent1"/>
+            </a:effectRef>
+            <a:fontRef idx="minor">
+              <a:schemeClr val="lt1"/>
+            </a:fontRef>
+          </p:style>
+          <p:txBody>
+            <a:bodyPr rtlCol="0" anchor="ctr"/>
+            <a:lstStyle/>
             <a:p>
               <a:pPr algn="ctr"/>
               <a:r>
@@ -10951,41 +10722,6 @@
                 </a:rPr>
                 <a:t>이강일</a:t>
               </a:r>
-              <a:endParaRPr lang="en-US" altLang="ko-KR" dirty="0">
-                <a:solidFill>
-                  <a:schemeClr val="tx1"/>
-                </a:solidFill>
-              </a:endParaRPr>
-            </a:p>
-            <a:p>
-              <a:pPr algn="ctr"/>
-              <a:r>
-                <a:rPr lang="en-US" altLang="ko-KR" dirty="0">
-                  <a:solidFill>
-                    <a:schemeClr val="tx1"/>
-                  </a:solidFill>
-                </a:rPr>
-                <a:t>-database part</a:t>
-              </a:r>
-            </a:p>
-            <a:p>
-              <a:pPr algn="ctr"/>
-              <a:r>
-                <a:rPr lang="en-US" altLang="ko-KR" dirty="0">
-                  <a:solidFill>
-                    <a:schemeClr val="tx1"/>
-                  </a:solidFill>
-                </a:rPr>
-                <a:t>-additional functions</a:t>
-              </a:r>
-              <a:endParaRPr lang="ko-KR" altLang="en-US" dirty="0">
-                <a:solidFill>
-                  <a:schemeClr val="tx1"/>
-                </a:solidFill>
-              </a:endParaRPr>
-            </a:p>
-            <a:p>
-              <a:pPr algn="ctr"/>
               <a:endParaRPr lang="ko-KR" altLang="en-US" dirty="0">
                 <a:solidFill>
                   <a:schemeClr val="tx1"/>
@@ -10996,10 +10732,10 @@
         </p:sp>
         <p:sp>
           <p:nvSpPr>
-            <p:cNvPr id="12" name="사각형: 둥근 모서리 11">
+            <p:cNvPr id="19" name="사각형: 둥근 모서리 18">
               <a:extLst>
                 <a:ext uri="{FF2B5EF4-FFF2-40B4-BE49-F238E27FC236}">
-                  <a16:creationId xmlns:a16="http://schemas.microsoft.com/office/drawing/2014/main" id="{8C6244AD-C634-4FBD-AF93-410A8C097532}"/>
+                  <a16:creationId xmlns:a16="http://schemas.microsoft.com/office/drawing/2014/main" id="{54688DCC-CF5B-4BAD-BF3E-A1BDAAE1BECE}"/>
                 </a:ext>
               </a:extLst>
             </p:cNvPr>
@@ -11008,8 +10744,8 @@
           </p:nvSpPr>
           <p:spPr>
             <a:xfrm>
-              <a:off x="5220081" y="1196758"/>
-              <a:ext cx="2664287" cy="1728183"/>
+              <a:off x="5300477" y="4077072"/>
+              <a:ext cx="2664287" cy="2016221"/>
             </a:xfrm>
             <a:prstGeom prst="roundRect">
               <a:avLst/>
@@ -11048,175 +10784,9 @@
                     <a:schemeClr val="tx1"/>
                   </a:solidFill>
                 </a:rPr>
-                <a:t>윤다은</a:t>
-              </a:r>
-              <a:endParaRPr lang="en-US" altLang="ko-KR" dirty="0">
-                <a:solidFill>
-                  <a:schemeClr val="tx1"/>
-                </a:solidFill>
-              </a:endParaRPr>
-            </a:p>
-            <a:p>
-              <a:pPr algn="ctr"/>
-              <a:r>
-                <a:rPr lang="en-US" altLang="ko-KR" dirty="0">
-                  <a:solidFill>
-                    <a:schemeClr val="tx1"/>
-                  </a:solidFill>
-                </a:rPr>
-                <a:t>-web interface</a:t>
-              </a:r>
-              <a:r>
-                <a:rPr lang="ko-KR" altLang="en-US" dirty="0">
-                  <a:solidFill>
-                    <a:schemeClr val="tx1"/>
-                  </a:solidFill>
-                </a:rPr>
-                <a:t> </a:t>
-              </a:r>
-              <a:r>
-                <a:rPr lang="en-US" altLang="ko-KR" dirty="0">
-                  <a:solidFill>
-                    <a:schemeClr val="tx1"/>
-                  </a:solidFill>
-                </a:rPr>
-                <a:t>part</a:t>
-              </a:r>
-            </a:p>
-            <a:p>
-              <a:pPr algn="ctr"/>
-              <a:r>
-                <a:rPr lang="en-US" altLang="ko-KR" dirty="0">
-                  <a:solidFill>
-                    <a:schemeClr val="tx1"/>
-                  </a:solidFill>
-                </a:rPr>
-                <a:t>-additional functions</a:t>
-              </a:r>
-              <a:endParaRPr lang="ko-KR" altLang="en-US" dirty="0">
-                <a:solidFill>
-                  <a:schemeClr val="tx1"/>
-                </a:solidFill>
-              </a:endParaRPr>
-            </a:p>
-          </p:txBody>
-        </p:sp>
-        <p:sp>
-          <p:nvSpPr>
-            <p:cNvPr id="13" name="사각형: 둥근 모서리 12">
-              <a:extLst>
-                <a:ext uri="{FF2B5EF4-FFF2-40B4-BE49-F238E27FC236}">
-                  <a16:creationId xmlns:a16="http://schemas.microsoft.com/office/drawing/2014/main" id="{83AE724F-B69F-4DED-8D6E-097F2382AE72}"/>
-                </a:ext>
-              </a:extLst>
-            </p:cNvPr>
-            <p:cNvSpPr/>
-            <p:nvPr/>
-          </p:nvSpPr>
-          <p:spPr>
-            <a:xfrm>
-              <a:off x="5220080" y="3968919"/>
-              <a:ext cx="2664287" cy="1692303"/>
-            </a:xfrm>
-            <a:prstGeom prst="roundRect">
-              <a:avLst/>
-            </a:prstGeom>
-            <a:noFill/>
-            <a:ln>
-              <a:solidFill>
-                <a:schemeClr val="tx1"/>
-              </a:solidFill>
-            </a:ln>
-          </p:spPr>
-          <p:style>
-            <a:lnRef idx="2">
-              <a:schemeClr val="accent1">
-                <a:shade val="50000"/>
-              </a:schemeClr>
-            </a:lnRef>
-            <a:fillRef idx="1">
-              <a:schemeClr val="accent1"/>
-            </a:fillRef>
-            <a:effectRef idx="0">
-              <a:schemeClr val="accent1"/>
-            </a:effectRef>
-            <a:fontRef idx="minor">
-              <a:schemeClr val="lt1"/>
-            </a:fontRef>
-          </p:style>
-          <p:txBody>
-            <a:bodyPr rtlCol="0" anchor="ctr"/>
-            <a:lstStyle/>
-            <a:p>
-              <a:pPr algn="ctr"/>
-              <a:endParaRPr lang="en-US" altLang="ko-KR" dirty="0">
-                <a:solidFill>
-                  <a:schemeClr val="tx1"/>
-                </a:solidFill>
-              </a:endParaRPr>
-            </a:p>
-            <a:p>
-              <a:pPr algn="ctr"/>
-              <a:r>
-                <a:rPr lang="ko-KR" altLang="en-US" dirty="0">
-                  <a:solidFill>
-                    <a:schemeClr val="tx1"/>
-                  </a:solidFill>
-                </a:rPr>
                 <a:t>표준식</a:t>
               </a:r>
               <a:endParaRPr lang="en-US" altLang="ko-KR" dirty="0">
-                <a:solidFill>
-                  <a:schemeClr val="tx1"/>
-                </a:solidFill>
-              </a:endParaRPr>
-            </a:p>
-            <a:p>
-              <a:pPr algn="ctr"/>
-              <a:r>
-                <a:rPr lang="en-US" altLang="ko-KR" dirty="0">
-                  <a:solidFill>
-                    <a:schemeClr val="tx1"/>
-                  </a:solidFill>
-                </a:rPr>
-                <a:t>-web interface</a:t>
-              </a:r>
-              <a:r>
-                <a:rPr lang="ko-KR" altLang="en-US" dirty="0">
-                  <a:solidFill>
-                    <a:schemeClr val="tx1"/>
-                  </a:solidFill>
-                </a:rPr>
-                <a:t> </a:t>
-              </a:r>
-              <a:r>
-                <a:rPr lang="en-US" altLang="ko-KR" dirty="0">
-                  <a:solidFill>
-                    <a:schemeClr val="tx1"/>
-                  </a:solidFill>
-                </a:rPr>
-                <a:t>part</a:t>
-              </a:r>
-            </a:p>
-            <a:p>
-              <a:pPr algn="ctr"/>
-              <a:r>
-                <a:rPr lang="en-US" altLang="ko-KR" dirty="0">
-                  <a:solidFill>
-                    <a:schemeClr val="tx1"/>
-                  </a:solidFill>
-                </a:rPr>
-                <a:t>-additional functions</a:t>
-              </a:r>
-              <a:endParaRPr lang="ko-KR" altLang="en-US" dirty="0">
-                <a:solidFill>
-                  <a:schemeClr val="tx1"/>
-                </a:solidFill>
-              </a:endParaRPr>
-            </a:p>
-            <a:p>
-              <a:pPr algn="ctr"/>
-              <a:endParaRPr lang="ko-KR" altLang="en-US" dirty="0">
                 <a:solidFill>
                   <a:schemeClr val="tx1"/>
                 </a:solidFill>
@@ -11247,6 +10817,616 @@
       </p:transition>
     </mc:Fallback>
   </mc:AlternateContent>
+  <p:timing>
+    <p:tnLst>
+      <p:par>
+        <p:cTn id="1" dur="indefinite" restart="never" nodeType="tmRoot">
+          <p:childTnLst>
+            <p:seq concurrent="1" nextAc="seek">
+              <p:cTn id="2" dur="indefinite" nodeType="mainSeq">
+                <p:childTnLst>
+                  <p:par>
+                    <p:cTn id="3" fill="hold">
+                      <p:stCondLst>
+                        <p:cond delay="indefinite"/>
+                      </p:stCondLst>
+                      <p:childTnLst>
+                        <p:par>
+                          <p:cTn id="4" fill="hold">
+                            <p:stCondLst>
+                              <p:cond delay="0"/>
+                            </p:stCondLst>
+                            <p:childTnLst>
+                              <p:par>
+                                <p:cTn id="5" presetID="26" presetClass="exit" presetSubtype="0" fill="hold" nodeType="clickEffect">
+                                  <p:stCondLst>
+                                    <p:cond delay="0"/>
+                                  </p:stCondLst>
+                                  <p:childTnLst>
+                                    <p:animEffect transition="out" filter="wipe(down)">
+                                      <p:cBhvr>
+                                        <p:cTn id="6" dur="180" accel="50000">
+                                          <p:stCondLst>
+                                            <p:cond delay="1820"/>
+                                          </p:stCondLst>
+                                        </p:cTn>
+                                        <p:tgtEl>
+                                          <p:spTgt spid="5"/>
+                                        </p:tgtEl>
+                                      </p:cBhvr>
+                                    </p:animEffect>
+                                    <p:anim calcmode="lin" valueType="num">
+                                      <p:cBhvr>
+                                        <p:cTn id="7" dur="1822" tmFilter="0,0; 0.14,0.31; 0.43,0.73; 0.71,0.91; 1.0,1.0">
+                                          <p:stCondLst>
+                                            <p:cond delay="0"/>
+                                          </p:stCondLst>
+                                        </p:cTn>
+                                        <p:tgtEl>
+                                          <p:spTgt spid="5"/>
+                                        </p:tgtEl>
+                                        <p:attrNameLst>
+                                          <p:attrName>ppt_x</p:attrName>
+                                        </p:attrNameLst>
+                                      </p:cBhvr>
+                                      <p:tavLst>
+                                        <p:tav tm="0">
+                                          <p:val>
+                                            <p:strVal val="ppt_x"/>
+                                          </p:val>
+                                        </p:tav>
+                                        <p:tav tm="100000">
+                                          <p:val>
+                                            <p:strVal val="#ppt_x+0.25"/>
+                                          </p:val>
+                                        </p:tav>
+                                      </p:tavLst>
+                                    </p:anim>
+                                    <p:anim calcmode="lin" valueType="num">
+                                      <p:cBhvr>
+                                        <p:cTn id="8" dur="178">
+                                          <p:stCondLst>
+                                            <p:cond delay="1822"/>
+                                          </p:stCondLst>
+                                        </p:cTn>
+                                        <p:tgtEl>
+                                          <p:spTgt spid="5"/>
+                                        </p:tgtEl>
+                                        <p:attrNameLst>
+                                          <p:attrName>ppt_x</p:attrName>
+                                        </p:attrNameLst>
+                                      </p:cBhvr>
+                                      <p:tavLst>
+                                        <p:tav tm="0">
+                                          <p:val>
+                                            <p:strVal val="ppt_x"/>
+                                          </p:val>
+                                        </p:tav>
+                                        <p:tav tm="100000">
+                                          <p:val>
+                                            <p:strVal val="ppt_x"/>
+                                          </p:val>
+                                        </p:tav>
+                                      </p:tavLst>
+                                    </p:anim>
+                                    <p:anim calcmode="lin" valueType="num">
+                                      <p:cBhvr>
+                                        <p:cTn id="9" dur="664" tmFilter="0.0,0.0;0.25,0.07;0.50,0.2;0.75,0.467;1.0,1.0">
+                                          <p:stCondLst>
+                                            <p:cond delay="0"/>
+                                          </p:stCondLst>
+                                        </p:cTn>
+                                        <p:tgtEl>
+                                          <p:spTgt spid="5"/>
+                                        </p:tgtEl>
+                                        <p:attrNameLst>
+                                          <p:attrName>ppt_y</p:attrName>
+                                        </p:attrNameLst>
+                                      </p:cBhvr>
+                                      <p:tavLst>
+                                        <p:tav tm="0">
+                                          <p:val>
+                                            <p:strVal val="ppt_y"/>
+                                          </p:val>
+                                        </p:tav>
+                                        <p:tav tm="5000">
+                                          <p:val>
+                                            <p:strVal val="ppt_y+0.026"/>
+                                          </p:val>
+                                        </p:tav>
+                                        <p:tav tm="10000">
+                                          <p:val>
+                                            <p:strVal val="ppt_y+0.052"/>
+                                          </p:val>
+                                        </p:tav>
+                                        <p:tav tm="15000">
+                                          <p:val>
+                                            <p:strVal val="ppt_y+0.078"/>
+                                          </p:val>
+                                        </p:tav>
+                                        <p:tav tm="20000">
+                                          <p:val>
+                                            <p:strVal val="ppt_y+0.103"/>
+                                          </p:val>
+                                        </p:tav>
+                                        <p:tav tm="30000">
+                                          <p:val>
+                                            <p:strVal val="ppt_y+0.151"/>
+                                          </p:val>
+                                        </p:tav>
+                                        <p:tav tm="40000">
+                                          <p:val>
+                                            <p:strVal val="ppt_y+0.196"/>
+                                          </p:val>
+                                        </p:tav>
+                                        <p:tav tm="50000">
+                                          <p:val>
+                                            <p:strVal val="ppt_y+0.236"/>
+                                          </p:val>
+                                        </p:tav>
+                                        <p:tav tm="60000">
+                                          <p:val>
+                                            <p:strVal val="ppt_y+0.270"/>
+                                          </p:val>
+                                        </p:tav>
+                                        <p:tav tm="70000">
+                                          <p:val>
+                                            <p:strVal val="ppt_y+0.297"/>
+                                          </p:val>
+                                        </p:tav>
+                                        <p:tav tm="80000">
+                                          <p:val>
+                                            <p:strVal val="ppt_y+0.317"/>
+                                          </p:val>
+                                        </p:tav>
+                                        <p:tav tm="90000">
+                                          <p:val>
+                                            <p:strVal val="ppt_y+0.329"/>
+                                          </p:val>
+                                        </p:tav>
+                                        <p:tav tm="100000">
+                                          <p:val>
+                                            <p:strVal val="ppt_y+0.333"/>
+                                          </p:val>
+                                        </p:tav>
+                                      </p:tavLst>
+                                    </p:anim>
+                                    <p:anim calcmode="lin" valueType="num">
+                                      <p:cBhvr>
+                                        <p:cTn id="10" dur="664" tmFilter="0, 0; 0.125,0.2665; 0.25,0.4; 0.375,0.465; 0.5,0.5;  0.625,0.535; 0.75,0.6; 0.875,0.7335; 1,1">
+                                          <p:stCondLst>
+                                            <p:cond delay="664"/>
+                                          </p:stCondLst>
+                                        </p:cTn>
+                                        <p:tgtEl>
+                                          <p:spTgt spid="5"/>
+                                        </p:tgtEl>
+                                        <p:attrNameLst>
+                                          <p:attrName>ppt_y</p:attrName>
+                                        </p:attrNameLst>
+                                      </p:cBhvr>
+                                      <p:tavLst>
+                                        <p:tav tm="0">
+                                          <p:val>
+                                            <p:strVal val="ppt_y"/>
+                                          </p:val>
+                                        </p:tav>
+                                        <p:tav tm="10000">
+                                          <p:val>
+                                            <p:strVal val="ppt_y-0.034"/>
+                                          </p:val>
+                                        </p:tav>
+                                        <p:tav tm="20000">
+                                          <p:val>
+                                            <p:strVal val="ppt_y-0.065"/>
+                                          </p:val>
+                                        </p:tav>
+                                        <p:tav tm="30000">
+                                          <p:val>
+                                            <p:strVal val="ppt_y-0.090"/>
+                                          </p:val>
+                                        </p:tav>
+                                        <p:tav tm="40000">
+                                          <p:val>
+                                            <p:strVal val="ppt_y-0.106"/>
+                                          </p:val>
+                                        </p:tav>
+                                        <p:tav tm="50000">
+                                          <p:val>
+                                            <p:strVal val="ppt_y-0.111"/>
+                                          </p:val>
+                                        </p:tav>
+                                        <p:tav tm="60000">
+                                          <p:val>
+                                            <p:strVal val="ppt_y-0.106"/>
+                                          </p:val>
+                                        </p:tav>
+                                        <p:tav tm="70000">
+                                          <p:val>
+                                            <p:strVal val="ppt_y-0.090"/>
+                                          </p:val>
+                                        </p:tav>
+                                        <p:tav tm="80000">
+                                          <p:val>
+                                            <p:strVal val="ppt_y-0.065"/>
+                                          </p:val>
+                                        </p:tav>
+                                        <p:tav tm="90000">
+                                          <p:val>
+                                            <p:strVal val="ppt_y-0.034"/>
+                                          </p:val>
+                                        </p:tav>
+                                        <p:tav tm="100000">
+                                          <p:val>
+                                            <p:strVal val="ppt_y"/>
+                                          </p:val>
+                                        </p:tav>
+                                      </p:tavLst>
+                                    </p:anim>
+                                    <p:anim calcmode="lin" valueType="num">
+                                      <p:cBhvr>
+                                        <p:cTn id="11" dur="332" tmFilter="0, 0; 0.125,0.2665; 0.25,0.4; 0.375,0.465; 0.5,0.5;  0.625,0.535; 0.75,0.6; 0.875,0.7335; 1,1">
+                                          <p:stCondLst>
+                                            <p:cond delay="1324"/>
+                                          </p:stCondLst>
+                                        </p:cTn>
+                                        <p:tgtEl>
+                                          <p:spTgt spid="5"/>
+                                        </p:tgtEl>
+                                        <p:attrNameLst>
+                                          <p:attrName>ppt_y</p:attrName>
+                                        </p:attrNameLst>
+                                      </p:cBhvr>
+                                      <p:tavLst>
+                                        <p:tav tm="0">
+                                          <p:val>
+                                            <p:strVal val="ppt_y"/>
+                                          </p:val>
+                                        </p:tav>
+                                        <p:tav tm="10000">
+                                          <p:val>
+                                            <p:strVal val="ppt_y-0.011"/>
+                                          </p:val>
+                                        </p:tav>
+                                        <p:tav tm="20000">
+                                          <p:val>
+                                            <p:strVal val="ppt_y-0.022"/>
+                                          </p:val>
+                                        </p:tav>
+                                        <p:tav tm="30000">
+                                          <p:val>
+                                            <p:strVal val="ppt_y-0.030"/>
+                                          </p:val>
+                                        </p:tav>
+                                        <p:tav tm="40000">
+                                          <p:val>
+                                            <p:strVal val="ppt_y-0.035"/>
+                                          </p:val>
+                                        </p:tav>
+                                        <p:tav tm="50000">
+                                          <p:val>
+                                            <p:strVal val="ppt_y-0.037"/>
+                                          </p:val>
+                                        </p:tav>
+                                        <p:tav tm="60000">
+                                          <p:val>
+                                            <p:strVal val="ppt_y-0.035"/>
+                                          </p:val>
+                                        </p:tav>
+                                        <p:tav tm="70000">
+                                          <p:val>
+                                            <p:strVal val="ppt_y-0.030"/>
+                                          </p:val>
+                                        </p:tav>
+                                        <p:tav tm="80000">
+                                          <p:val>
+                                            <p:strVal val="ppt_y-0.022"/>
+                                          </p:val>
+                                        </p:tav>
+                                        <p:tav tm="90000">
+                                          <p:val>
+                                            <p:strVal val="ppt_y-0.011"/>
+                                          </p:val>
+                                        </p:tav>
+                                        <p:tav tm="100000">
+                                          <p:val>
+                                            <p:strVal val="ppt_y"/>
+                                          </p:val>
+                                        </p:tav>
+                                      </p:tavLst>
+                                    </p:anim>
+                                    <p:anim calcmode="lin" valueType="num">
+                                      <p:cBhvr>
+                                        <p:cTn id="12" dur="164" tmFilter="0, 0; 0.125,0.2665; 0.25,0.4; 0.375,0.465; 0.5,0.5;  0.625,0.535; 0.75,0.6; 0.875,0.7335; 1,1">
+                                          <p:stCondLst>
+                                            <p:cond delay="1656"/>
+                                          </p:stCondLst>
+                                        </p:cTn>
+                                        <p:tgtEl>
+                                          <p:spTgt spid="5"/>
+                                        </p:tgtEl>
+                                        <p:attrNameLst>
+                                          <p:attrName>ppt_y</p:attrName>
+                                        </p:attrNameLst>
+                                      </p:cBhvr>
+                                      <p:tavLst>
+                                        <p:tav tm="0">
+                                          <p:val>
+                                            <p:strVal val="ppt_y"/>
+                                          </p:val>
+                                        </p:tav>
+                                        <p:tav tm="10000">
+                                          <p:val>
+                                            <p:strVal val="ppt_y-0.004"/>
+                                          </p:val>
+                                        </p:tav>
+                                        <p:tav tm="20000">
+                                          <p:val>
+                                            <p:strVal val="ppt_y-0.007"/>
+                                          </p:val>
+                                        </p:tav>
+                                        <p:tav tm="30000">
+                                          <p:val>
+                                            <p:strVal val="ppt_y-0.010"/>
+                                          </p:val>
+                                        </p:tav>
+                                        <p:tav tm="40000">
+                                          <p:val>
+                                            <p:strVal val="ppt_y-0.012"/>
+                                          </p:val>
+                                        </p:tav>
+                                        <p:tav tm="50000">
+                                          <p:val>
+                                            <p:strVal val="ppt_y-0.0123"/>
+                                          </p:val>
+                                        </p:tav>
+                                        <p:tav tm="60000">
+                                          <p:val>
+                                            <p:strVal val="ppt_y-0.012"/>
+                                          </p:val>
+                                        </p:tav>
+                                        <p:tav tm="70000">
+                                          <p:val>
+                                            <p:strVal val="ppt_y-0.010"/>
+                                          </p:val>
+                                        </p:tav>
+                                        <p:tav tm="80000">
+                                          <p:val>
+                                            <p:strVal val="ppt_y-0.007"/>
+                                          </p:val>
+                                        </p:tav>
+                                        <p:tav tm="90000">
+                                          <p:val>
+                                            <p:strVal val="ppt_y-0.004"/>
+                                          </p:val>
+                                        </p:tav>
+                                        <p:tav tm="100000">
+                                          <p:val>
+                                            <p:strVal val="ppt_y"/>
+                                          </p:val>
+                                        </p:tav>
+                                      </p:tavLst>
+                                    </p:anim>
+                                    <p:anim calcmode="lin" valueType="num">
+                                      <p:cBhvr>
+                                        <p:cTn id="13" dur="180" accel="50000">
+                                          <p:stCondLst>
+                                            <p:cond delay="1820"/>
+                                          </p:stCondLst>
+                                        </p:cTn>
+                                        <p:tgtEl>
+                                          <p:spTgt spid="5"/>
+                                        </p:tgtEl>
+                                        <p:attrNameLst>
+                                          <p:attrName>ppt_y</p:attrName>
+                                        </p:attrNameLst>
+                                      </p:cBhvr>
+                                      <p:tavLst>
+                                        <p:tav tm="0">
+                                          <p:val>
+                                            <p:strVal val="ppt_y"/>
+                                          </p:val>
+                                        </p:tav>
+                                        <p:tav tm="100000">
+                                          <p:val>
+                                            <p:strVal val="ppt_y+ppt_h"/>
+                                          </p:val>
+                                        </p:tav>
+                                      </p:tavLst>
+                                    </p:anim>
+                                    <p:animScale>
+                                      <p:cBhvr>
+                                        <p:cTn id="14" dur="26">
+                                          <p:stCondLst>
+                                            <p:cond delay="620"/>
+                                          </p:stCondLst>
+                                        </p:cTn>
+                                        <p:tgtEl>
+                                          <p:spTgt spid="5"/>
+                                        </p:tgtEl>
+                                      </p:cBhvr>
+                                      <p:to x="100000" y="60000"/>
+                                    </p:animScale>
+                                    <p:animScale>
+                                      <p:cBhvr>
+                                        <p:cTn id="15" dur="166" decel="50000">
+                                          <p:stCondLst>
+                                            <p:cond delay="646"/>
+                                          </p:stCondLst>
+                                        </p:cTn>
+                                        <p:tgtEl>
+                                          <p:spTgt spid="5"/>
+                                        </p:tgtEl>
+                                      </p:cBhvr>
+                                      <p:to x="100000" y="100000"/>
+                                    </p:animScale>
+                                    <p:animScale>
+                                      <p:cBhvr>
+                                        <p:cTn id="16" dur="26">
+                                          <p:stCondLst>
+                                            <p:cond delay="1312"/>
+                                          </p:stCondLst>
+                                        </p:cTn>
+                                        <p:tgtEl>
+                                          <p:spTgt spid="5"/>
+                                        </p:tgtEl>
+                                      </p:cBhvr>
+                                      <p:to x="100000" y="80000"/>
+                                    </p:animScale>
+                                    <p:animScale>
+                                      <p:cBhvr>
+                                        <p:cTn id="17" dur="166" decel="50000">
+                                          <p:stCondLst>
+                                            <p:cond delay="1338"/>
+                                          </p:stCondLst>
+                                        </p:cTn>
+                                        <p:tgtEl>
+                                          <p:spTgt spid="5"/>
+                                        </p:tgtEl>
+                                      </p:cBhvr>
+                                      <p:to x="100000" y="100000"/>
+                                    </p:animScale>
+                                    <p:animScale>
+                                      <p:cBhvr>
+                                        <p:cTn id="18" dur="26">
+                                          <p:stCondLst>
+                                            <p:cond delay="1642"/>
+                                          </p:stCondLst>
+                                        </p:cTn>
+                                        <p:tgtEl>
+                                          <p:spTgt spid="5"/>
+                                        </p:tgtEl>
+                                      </p:cBhvr>
+                                      <p:to x="100000" y="90000"/>
+                                    </p:animScale>
+                                    <p:animScale>
+                                      <p:cBhvr>
+                                        <p:cTn id="19" dur="166" decel="50000">
+                                          <p:stCondLst>
+                                            <p:cond delay="1668"/>
+                                          </p:stCondLst>
+                                        </p:cTn>
+                                        <p:tgtEl>
+                                          <p:spTgt spid="5"/>
+                                        </p:tgtEl>
+                                      </p:cBhvr>
+                                      <p:to x="100000" y="100000"/>
+                                    </p:animScale>
+                                    <p:animScale>
+                                      <p:cBhvr>
+                                        <p:cTn id="20" dur="26">
+                                          <p:stCondLst>
+                                            <p:cond delay="1808"/>
+                                          </p:stCondLst>
+                                        </p:cTn>
+                                        <p:tgtEl>
+                                          <p:spTgt spid="5"/>
+                                        </p:tgtEl>
+                                      </p:cBhvr>
+                                      <p:to x="100000" y="95000"/>
+                                    </p:animScale>
+                                    <p:animScale>
+                                      <p:cBhvr>
+                                        <p:cTn id="21" dur="166" decel="50000">
+                                          <p:stCondLst>
+                                            <p:cond delay="1834"/>
+                                          </p:stCondLst>
+                                        </p:cTn>
+                                        <p:tgtEl>
+                                          <p:spTgt spid="5"/>
+                                        </p:tgtEl>
+                                      </p:cBhvr>
+                                      <p:to x="100000" y="100000"/>
+                                    </p:animScale>
+                                    <p:set>
+                                      <p:cBhvr>
+                                        <p:cTn id="22" dur="1" fill="hold">
+                                          <p:stCondLst>
+                                            <p:cond delay="1999"/>
+                                          </p:stCondLst>
+                                        </p:cTn>
+                                        <p:tgtEl>
+                                          <p:spTgt spid="5"/>
+                                        </p:tgtEl>
+                                        <p:attrNameLst>
+                                          <p:attrName>style.visibility</p:attrName>
+                                        </p:attrNameLst>
+                                      </p:cBhvr>
+                                      <p:to>
+                                        <p:strVal val="hidden"/>
+                                      </p:to>
+                                    </p:set>
+                                  </p:childTnLst>
+                                </p:cTn>
+                              </p:par>
+                            </p:childTnLst>
+                          </p:cTn>
+                        </p:par>
+                      </p:childTnLst>
+                    </p:cTn>
+                  </p:par>
+                  <p:par>
+                    <p:cTn id="23" fill="hold">
+                      <p:stCondLst>
+                        <p:cond delay="indefinite"/>
+                      </p:stCondLst>
+                      <p:childTnLst>
+                        <p:par>
+                          <p:cTn id="24" fill="hold">
+                            <p:stCondLst>
+                              <p:cond delay="0"/>
+                            </p:stCondLst>
+                            <p:childTnLst>
+                              <p:par>
+                                <p:cTn id="25" presetID="42" presetClass="path" presetSubtype="0" accel="50000" decel="50000" fill="hold" nodeType="clickEffect">
+                                  <p:stCondLst>
+                                    <p:cond delay="0"/>
+                                  </p:stCondLst>
+                                  <p:childTnLst>
+                                    <p:animMotion origin="layout" path="M -4.16667E-6 -0.07755 L -4.16667E-6 0.17245 " pathEditMode="relative" rAng="0" ptsTypes="AA">
+                                      <p:cBhvr>
+                                        <p:cTn id="26" dur="2000" fill="hold"/>
+                                        <p:tgtEl>
+                                          <p:spTgt spid="3"/>
+                                        </p:tgtEl>
+                                        <p:attrNameLst>
+                                          <p:attrName>ppt_x</p:attrName>
+                                          <p:attrName>ppt_y</p:attrName>
+                                        </p:attrNameLst>
+                                      </p:cBhvr>
+                                      <p:rCtr x="0" y="12500"/>
+                                    </p:animMotion>
+                                  </p:childTnLst>
+                                </p:cTn>
+                              </p:par>
+                            </p:childTnLst>
+                          </p:cTn>
+                        </p:par>
+                      </p:childTnLst>
+                    </p:cTn>
+                  </p:par>
+                </p:childTnLst>
+              </p:cTn>
+              <p:prevCondLst>
+                <p:cond evt="onPrev" delay="0">
+                  <p:tgtEl>
+                    <p:sldTgt/>
+                  </p:tgtEl>
+                </p:cond>
+              </p:prevCondLst>
+              <p:nextCondLst>
+                <p:cond evt="onNext" delay="0">
+                  <p:tgtEl>
+                    <p:sldTgt/>
+                  </p:tgtEl>
+                </p:cond>
+              </p:nextCondLst>
+            </p:seq>
+          </p:childTnLst>
+        </p:cTn>
+      </p:par>
+    </p:tnLst>
+  </p:timing>
 </p:sld>
 </file>
 
@@ -11283,10 +11463,10 @@
         </p:nvGrpSpPr>
         <p:grpSpPr>
           <a:xfrm>
-            <a:off x="2339752" y="2996952"/>
-            <a:ext cx="4140460" cy="1015663"/>
+            <a:off x="1691680" y="2978385"/>
+            <a:ext cx="5472607" cy="901229"/>
             <a:chOff x="3720990" y="3152001"/>
-            <a:chExt cx="1710368" cy="1015663"/>
+            <a:chExt cx="2260660" cy="901229"/>
           </a:xfrm>
         </p:grpSpPr>
         <p:sp>
@@ -11298,7 +11478,7 @@
           <p:spPr>
             <a:xfrm>
               <a:off x="3720990" y="3152001"/>
-              <a:ext cx="1710368" cy="1015663"/>
+              <a:ext cx="2260660" cy="553998"/>
             </a:xfrm>
             <a:prstGeom prst="rect">
               <a:avLst/>
@@ -11330,7 +11510,7 @@
                   <a:latin typeface="+mj-ea"/>
                   <a:ea typeface="+mj-ea"/>
                 </a:rPr>
-                <a:t>프로젝트 주제 및 현황</a:t>
+                <a:t>프로젝트 주제 및 완료현황</a:t>
               </a:r>
               <a:endParaRPr lang="en-US" altLang="ko-KR" sz="3000" b="1" dirty="0">
                 <a:ln>
@@ -11360,7 +11540,7 @@
           </p:nvSpPr>
           <p:spPr>
             <a:xfrm>
-              <a:off x="3720990" y="3629471"/>
+              <a:off x="4077936" y="3683898"/>
               <a:ext cx="1710368" cy="369332"/>
             </a:xfrm>
             <a:prstGeom prst="rect">
@@ -11393,7 +11573,7 @@
                   <a:latin typeface="Yoon 윤고딕 520_TT" pitchFamily="18" charset="-127"/>
                   <a:ea typeface="Yoon 윤고딕 520_TT" pitchFamily="18" charset="-127"/>
                 </a:rPr>
-                <a:t>Subject &amp; Current State</a:t>
+                <a:t>Subject &amp; Final State</a:t>
               </a:r>
             </a:p>
           </p:txBody>
@@ -12397,8 +12577,8 @@
         </p:nvSpPr>
         <p:spPr>
           <a:xfrm>
-            <a:off x="1241467" y="1051663"/>
-            <a:ext cx="7272804" cy="5632311"/>
+            <a:off x="1241466" y="1051663"/>
+            <a:ext cx="7651007" cy="5262979"/>
           </a:xfrm>
           <a:prstGeom prst="rect">
             <a:avLst/>
@@ -12411,32 +12591,39 @@
           </a:bodyPr>
           <a:lstStyle/>
           <a:p>
-            <a:pPr marL="342900" indent="-342900">
-              <a:buFont typeface="+mj-lt"/>
+            <a:pPr marL="457200" indent="-457200">
               <a:buAutoNum type="arabicPeriod"/>
             </a:pPr>
             <a:r>
+              <a:rPr lang="en-US" altLang="ko-KR" sz="2400" dirty="0"/>
+              <a:t>CLI</a:t>
+            </a:r>
+            <a:r>
               <a:rPr lang="ko-KR" altLang="en-US" sz="2400" dirty="0"/>
-              <a:t>현재 </a:t>
+              <a:t>방식에서 </a:t>
             </a:r>
             <a:r>
               <a:rPr lang="en-US" altLang="ko-KR" sz="2400" dirty="0"/>
-              <a:t>CLI(Command Line Interface)</a:t>
+              <a:t>Dynamic web</a:t>
             </a:r>
             <a:r>
               <a:rPr lang="ko-KR" altLang="en-US" sz="2400" dirty="0"/>
-              <a:t>방식으로 동작</a:t>
-            </a:r>
+              <a:t>기반의 </a:t>
+            </a:r>
+            <a:endParaRPr lang="en-US" altLang="ko-KR" sz="2400" dirty="0"/>
+          </a:p>
+          <a:p>
             <a:r>
               <a:rPr lang="en-US" altLang="ko-KR" sz="2400" dirty="0"/>
-              <a:t> </a:t>
-            </a:r>
-          </a:p>
-          <a:p>
-            <a:pPr marL="342900" indent="-342900">
-              <a:buFont typeface="+mj-lt"/>
-              <a:buAutoNum type="arabicPeriod"/>
-            </a:pPr>
+              <a:t>    </a:t>
+            </a:r>
+            <a:r>
+              <a:rPr lang="ko-KR" altLang="en-US" sz="2400" dirty="0"/>
+              <a:t>웹프로그램으로 변경완료</a:t>
+            </a:r>
+            <a:endParaRPr lang="en-US" altLang="ko-KR" sz="2400" dirty="0"/>
+          </a:p>
+          <a:p>
             <a:endParaRPr lang="en-US" altLang="ko-KR" sz="2400" dirty="0"/>
           </a:p>
           <a:p>
@@ -12446,15 +12633,15 @@
             </a:r>
             <a:r>
               <a:rPr lang="ko-KR" altLang="en-US" sz="2400" dirty="0"/>
-              <a:t> </a:t>
-            </a:r>
-            <a:r>
-              <a:rPr lang="en-US" altLang="ko-KR" sz="2400" dirty="0" err="1"/>
-              <a:t>FileSystem</a:t>
+              <a:t> 실시간 연동 </a:t>
+            </a:r>
+            <a:r>
+              <a:rPr lang="en-US" altLang="ko-KR" sz="2400" dirty="0"/>
+              <a:t>DB </a:t>
             </a:r>
             <a:r>
               <a:rPr lang="ko-KR" altLang="en-US" sz="2400" dirty="0"/>
-              <a:t>으로 동작하는 회원정보 관리</a:t>
+              <a:t>구축</a:t>
             </a:r>
             <a:endParaRPr lang="en-US" altLang="ko-KR" sz="2400" dirty="0"/>
           </a:p>
@@ -12464,23 +12651,11 @@
           <a:p>
             <a:r>
               <a:rPr lang="en-US" altLang="ko-KR" sz="2400" dirty="0"/>
-              <a:t>3.</a:t>
+              <a:t>3. DB</a:t>
             </a:r>
             <a:r>
               <a:rPr lang="ko-KR" altLang="en-US" sz="2400" dirty="0"/>
-              <a:t> 동시 유저 </a:t>
-            </a:r>
-            <a:r>
-              <a:rPr lang="en-US" altLang="ko-KR" sz="2400" dirty="0"/>
-              <a:t>transaction</a:t>
-            </a:r>
-            <a:r>
-              <a:rPr lang="ko-KR" altLang="en-US" sz="2400" dirty="0"/>
-              <a:t> 처리 </a:t>
-            </a:r>
-            <a:r>
-              <a:rPr lang="ko-KR" altLang="en-US" sz="2400" dirty="0" err="1"/>
-              <a:t>구현되지않음</a:t>
+              <a:t>를 이용한 검색 기능 구현</a:t>
             </a:r>
             <a:endParaRPr lang="en-US" altLang="ko-KR" sz="2400" dirty="0"/>
           </a:p>
@@ -12491,28 +12666,6 @@
             <a:r>
               <a:rPr lang="en-US" altLang="ko-KR" sz="2400" dirty="0"/>
               <a:t>4. </a:t>
-            </a:r>
-            <a:r>
-              <a:rPr lang="ko-KR" altLang="en-US" sz="2400" dirty="0"/>
-              <a:t>고객간 평가</a:t>
-            </a:r>
-            <a:r>
-              <a:rPr lang="en-US" altLang="ko-KR" sz="2400" dirty="0"/>
-              <a:t>, </a:t>
-            </a:r>
-            <a:r>
-              <a:rPr lang="ko-KR" altLang="en-US" sz="2400" dirty="0"/>
-              <a:t>신고 시스템 기능은 미완성</a:t>
-            </a:r>
-            <a:endParaRPr lang="en-US" altLang="ko-KR" sz="2400" dirty="0"/>
-          </a:p>
-          <a:p>
-            <a:endParaRPr lang="en-US" altLang="ko-KR" sz="2400" dirty="0"/>
-          </a:p>
-          <a:p>
-            <a:r>
-              <a:rPr lang="en-US" altLang="ko-KR" sz="2400" dirty="0"/>
-              <a:t>5. </a:t>
             </a:r>
             <a:r>
               <a:rPr lang="ko-KR" altLang="en-US" sz="2400" dirty="0"/>
@@ -12529,6 +12682,14 @@
               <a:rPr lang="ko-KR" altLang="en-US" sz="2400" dirty="0"/>
               <a:t>회원가입</a:t>
             </a:r>
+            <a:r>
+              <a:rPr lang="en-US" altLang="ko-KR" sz="2400" dirty="0"/>
+              <a:t>, </a:t>
+            </a:r>
+            <a:r>
+              <a:rPr lang="ko-KR" altLang="en-US" sz="2400" dirty="0"/>
+              <a:t>로그인</a:t>
+            </a:r>
             <a:endParaRPr lang="en-US" altLang="ko-KR" sz="2400" dirty="0"/>
           </a:p>
           <a:p>
@@ -12538,7 +12699,7 @@
             </a:pPr>
             <a:r>
               <a:rPr lang="ko-KR" altLang="en-US" sz="2400" dirty="0"/>
-              <a:t>로그인</a:t>
+              <a:t>방 정보등록</a:t>
             </a:r>
             <a:endParaRPr lang="en-US" altLang="ko-KR" sz="2400" dirty="0"/>
           </a:p>
@@ -12549,7 +12710,15 @@
             </a:pPr>
             <a:r>
               <a:rPr lang="ko-KR" altLang="en-US" sz="2400" dirty="0"/>
-              <a:t>방 정보등록</a:t>
+              <a:t>방 예약</a:t>
+            </a:r>
+            <a:r>
+              <a:rPr lang="en-US" altLang="ko-KR" sz="2400" dirty="0"/>
+              <a:t>, </a:t>
+            </a:r>
+            <a:r>
+              <a:rPr lang="ko-KR" altLang="en-US" sz="2400" dirty="0"/>
+              <a:t>대여 </a:t>
             </a:r>
             <a:endParaRPr lang="en-US" altLang="ko-KR" sz="2400" dirty="0"/>
           </a:p>
@@ -12560,7 +12729,7 @@
             </a:pPr>
             <a:r>
               <a:rPr lang="ko-KR" altLang="en-US" sz="2400" dirty="0"/>
-              <a:t>방 예약</a:t>
+              <a:t>사용자 신고 기능</a:t>
             </a:r>
             <a:endParaRPr lang="en-US" altLang="ko-KR" sz="2400" dirty="0"/>
           </a:p>
@@ -12570,8 +12739,12 @@
               <a:buChar char="-"/>
             </a:pPr>
             <a:r>
+              <a:rPr lang="ko-KR" altLang="en-US" sz="2400" dirty="0" err="1"/>
+              <a:t>별점기능</a:t>
+            </a:r>
+            <a:r>
               <a:rPr lang="ko-KR" altLang="en-US" sz="2400" dirty="0"/>
-              <a:t>방 대여</a:t>
+              <a:t> 미완성</a:t>
             </a:r>
             <a:endParaRPr lang="en-US" altLang="ko-KR" sz="2400" dirty="0"/>
           </a:p>
@@ -12848,8 +13021,8 @@
         </p:nvGrpSpPr>
         <p:grpSpPr>
           <a:xfrm>
-            <a:off x="3203848" y="3005599"/>
-            <a:ext cx="2664296" cy="846802"/>
+            <a:off x="1601924" y="2690336"/>
+            <a:ext cx="5940152" cy="846802"/>
             <a:chOff x="3720990" y="3152001"/>
             <a:chExt cx="1710368" cy="846802"/>
           </a:xfrm>
@@ -12892,28 +13065,31 @@
                       <a:lumMod val="95000"/>
                     </a:schemeClr>
                   </a:solidFill>
-                  <a:latin typeface="Yoon 윤고딕 520_TT" pitchFamily="18" charset="-127"/>
+                  <a:latin typeface="Verdana Pro" panose="020B0604030504040204" pitchFamily="34" charset="0"/>
                   <a:ea typeface="Yoon 윤고딕 520_TT" pitchFamily="18" charset="-127"/>
                 </a:rPr>
-                <a:t>프로젝트 목표</a:t>
+                <a:t>프로젝트 </a:t>
               </a:r>
-              <a:endParaRPr lang="en-US" altLang="ko-KR" sz="3000" b="1" dirty="0">
-                <a:ln>
+              <a:r>
+                <a:rPr lang="en-US" altLang="ko-KR" sz="3000" b="1" dirty="0">
+                  <a:ln>
+                    <a:solidFill>
+                      <a:schemeClr val="bg1">
+                        <a:lumMod val="85000"/>
+                        <a:alpha val="30000"/>
+                      </a:schemeClr>
+                    </a:solidFill>
+                  </a:ln>
                   <a:solidFill>
                     <a:schemeClr val="bg1">
-                      <a:lumMod val="85000"/>
-                      <a:alpha val="30000"/>
+                      <a:lumMod val="95000"/>
                     </a:schemeClr>
                   </a:solidFill>
-                </a:ln>
-                <a:solidFill>
-                  <a:schemeClr val="bg1">
-                    <a:lumMod val="95000"/>
-                  </a:schemeClr>
-                </a:solidFill>
-                <a:latin typeface="Yoon 윤고딕 520_TT" pitchFamily="18" charset="-127"/>
-                <a:ea typeface="Yoon 윤고딕 520_TT" pitchFamily="18" charset="-127"/>
-              </a:endParaRPr>
+                  <a:latin typeface="Verdana Pro" panose="020B0604030504040204" pitchFamily="34" charset="0"/>
+                  <a:ea typeface="Yoon 윤고딕 520_TT" pitchFamily="18" charset="-127"/>
+                </a:rPr>
+                <a:t>Requirements</a:t>
+              </a:r>
             </a:p>
           </p:txBody>
         </p:sp>
@@ -12958,7 +13134,7 @@
                   <a:latin typeface="Yoon 윤고딕 520_TT" pitchFamily="18" charset="-127"/>
                   <a:ea typeface="Yoon 윤고딕 520_TT" pitchFamily="18" charset="-127"/>
                 </a:rPr>
-                <a:t>Purpose of project</a:t>
+                <a:t>Project requirements introduction</a:t>
               </a:r>
             </a:p>
           </p:txBody>
